--- a/mms-bel.pptx
+++ b/mms-bel.pptx
@@ -5,23 +5,27 @@
     <p:sldMasterId id="2147483648" r:id="rId1"/>
   </p:sldMasterIdLst>
   <p:notesMasterIdLst>
-    <p:notesMasterId r:id="rId13"/>
+    <p:notesMasterId r:id="rId17"/>
   </p:notesMasterIdLst>
   <p:handoutMasterIdLst>
-    <p:handoutMasterId r:id="rId14"/>
+    <p:handoutMasterId r:id="rId18"/>
   </p:handoutMasterIdLst>
   <p:sldIdLst>
     <p:sldId id="256" r:id="rId2"/>
-    <p:sldId id="397" r:id="rId3"/>
-    <p:sldId id="493" r:id="rId4"/>
-    <p:sldId id="460" r:id="rId5"/>
-    <p:sldId id="481" r:id="rId6"/>
-    <p:sldId id="462" r:id="rId7"/>
-    <p:sldId id="465" r:id="rId8"/>
-    <p:sldId id="492" r:id="rId9"/>
-    <p:sldId id="495" r:id="rId10"/>
-    <p:sldId id="496" r:id="rId11"/>
-    <p:sldId id="382" r:id="rId12"/>
+    <p:sldId id="497" r:id="rId3"/>
+    <p:sldId id="397" r:id="rId4"/>
+    <p:sldId id="493" r:id="rId5"/>
+    <p:sldId id="460" r:id="rId6"/>
+    <p:sldId id="481" r:id="rId7"/>
+    <p:sldId id="462" r:id="rId8"/>
+    <p:sldId id="465" r:id="rId9"/>
+    <p:sldId id="492" r:id="rId10"/>
+    <p:sldId id="495" r:id="rId11"/>
+    <p:sldId id="498" r:id="rId12"/>
+    <p:sldId id="499" r:id="rId13"/>
+    <p:sldId id="500" r:id="rId14"/>
+    <p:sldId id="496" r:id="rId15"/>
+    <p:sldId id="382" r:id="rId16"/>
   </p:sldIdLst>
   <p:sldSz cx="9144000" cy="6858000" type="screen4x3"/>
   <p:notesSz cx="6797675" cy="9926638"/>
@@ -298,7 +302,7 @@
               <a:pPr>
                 <a:defRPr/>
               </a:pPr>
-              <a:t>1/10/2026</a:t>
+              <a:t>1/17/2026</a:t>
             </a:fld>
             <a:endParaRPr lang="en-US"/>
           </a:p>
@@ -518,7 +522,7 @@
               <a:pPr>
                 <a:defRPr/>
               </a:pPr>
-              <a:t>1/10/2026</a:t>
+              <a:t>1/17/2026</a:t>
             </a:fld>
             <a:endParaRPr lang="en-US"/>
           </a:p>
@@ -1024,7 +1028,7 @@
               <a:pPr>
                 <a:defRPr/>
               </a:pPr>
-              <a:t>2</a:t>
+              <a:t>3</a:t>
             </a:fld>
             <a:endParaRPr lang="en-US" dirty="0"/>
           </a:p>
@@ -3805,32 +3809,18 @@
           <a:lstStyle/>
           <a:p>
             <a:r>
-              <a:rPr lang="en-IN" sz="2400" b="1" dirty="0">
+              <a:rPr lang="en-US" sz="2400" b="1" dirty="0">
                 <a:solidFill>
                   <a:schemeClr val="bg1"/>
                 </a:solidFill>
               </a:rPr>
-              <a:t>MILITARY MESSAGING SYSTEM (</a:t>
-            </a:r>
-            <a:r>
-              <a:rPr lang="en-IN" sz="2400" b="1" dirty="0">
-                <a:solidFill>
-                  <a:schemeClr val="bg1"/>
-                </a:solidFill>
-                <a:latin typeface="Tahoma" panose="020B0604030504040204" pitchFamily="34" charset="0"/>
-                <a:ea typeface="Tahoma" panose="020B0604030504040204" pitchFamily="34" charset="0"/>
-                <a:cs typeface="Tahoma" panose="020B0604030504040204" pitchFamily="34" charset="0"/>
-              </a:rPr>
-              <a:t>MMS</a:t>
-            </a:r>
-            <a:r>
-              <a:rPr lang="en-IN" sz="2400" b="1" dirty="0">
-                <a:solidFill>
-                  <a:schemeClr val="bg1"/>
-                </a:solidFill>
-              </a:rPr>
-              <a:t>)</a:t>
-            </a:r>
+              <a:t>On the Job Training as a Probationary Engineer</a:t>
+            </a:r>
+            <a:endParaRPr lang="en-IN" sz="2400" b="1" dirty="0">
+              <a:solidFill>
+                <a:schemeClr val="bg1"/>
+              </a:solidFill>
+            </a:endParaRPr>
           </a:p>
         </p:txBody>
       </p:sp>
@@ -3897,7 +3887,7 @@
             <a:r>
               <a:rPr lang="en-US" b="1" dirty="0" err="1">
                 <a:solidFill>
-                  <a:srgbClr val="00B0F0"/>
+                  <a:srgbClr val="002060"/>
                 </a:solidFill>
                 <a:latin typeface="Tahoma" panose="020B0604030504040204" pitchFamily="34" charset="0"/>
                 <a:ea typeface="Tahoma" panose="020B0604030504040204" pitchFamily="34" charset="0"/>
@@ -3908,7 +3898,7 @@
             <a:r>
               <a:rPr lang="en-US" b="1" dirty="0">
                 <a:solidFill>
-                  <a:srgbClr val="00B0F0"/>
+                  <a:srgbClr val="002060"/>
                 </a:solidFill>
                 <a:latin typeface="Tahoma" panose="020B0604030504040204" pitchFamily="34" charset="0"/>
                 <a:ea typeface="Tahoma" panose="020B0604030504040204" pitchFamily="34" charset="0"/>
@@ -3921,7 +3911,7 @@
             <a:r>
               <a:rPr lang="en-US" b="1" dirty="0">
                 <a:solidFill>
-                  <a:srgbClr val="00B0F0"/>
+                  <a:srgbClr val="002060"/>
                 </a:solidFill>
                 <a:latin typeface="Tahoma" panose="020B0604030504040204" pitchFamily="34" charset="0"/>
                 <a:ea typeface="Tahoma" panose="020B0604030504040204" pitchFamily="34" charset="0"/>
@@ -3931,7 +3921,7 @@
             </a:r>
             <a:endParaRPr lang="en-IN" b="1" dirty="0">
               <a:solidFill>
-                <a:srgbClr val="00B0F0"/>
+                <a:srgbClr val="002060"/>
               </a:solidFill>
               <a:latin typeface="Tahoma" panose="020B0604030504040204" pitchFamily="34" charset="0"/>
               <a:ea typeface="Tahoma" panose="020B0604030504040204" pitchFamily="34" charset="0"/>
@@ -3973,6 +3963,1143 @@
           <p:cNvPr id="2" name="Title 1">
             <a:extLst>
               <a:ext uri="{FF2B5EF4-FFF2-40B4-BE49-F238E27FC236}">
+                <a16:creationId xmlns:a16="http://schemas.microsoft.com/office/drawing/2014/main" id="{E810BEF1-8C88-7CA6-5DC9-978F3D1AA7BF}"/>
+              </a:ext>
+            </a:extLst>
+          </p:cNvPr>
+          <p:cNvSpPr>
+            <a:spLocks noGrp="1"/>
+          </p:cNvSpPr>
+          <p:nvPr>
+            <p:ph type="title"/>
+          </p:nvPr>
+        </p:nvSpPr>
+        <p:spPr>
+          <a:xfrm>
+            <a:off x="457200" y="350838"/>
+            <a:ext cx="7924800" cy="639762"/>
+          </a:xfrm>
+        </p:spPr>
+        <p:txBody>
+          <a:bodyPr/>
+          <a:lstStyle/>
+          <a:p>
+            <a:r>
+              <a:rPr lang="en-US" b="1" dirty="0">
+                <a:solidFill>
+                  <a:srgbClr val="FF0000"/>
+                </a:solidFill>
+                <a:latin typeface="Times New Roman" panose="02020603050405020304" pitchFamily="18" charset="0"/>
+                <a:ea typeface="Tahoma" panose="020B0604030504040204" pitchFamily="34" charset="0"/>
+                <a:cs typeface="Times New Roman" panose="02020603050405020304" pitchFamily="18" charset="0"/>
+              </a:rPr>
+              <a:t>4. Suitability of the Work</a:t>
+            </a:r>
+            <a:endParaRPr lang="en-IN" dirty="0">
+              <a:solidFill>
+                <a:srgbClr val="FF0000"/>
+              </a:solidFill>
+              <a:latin typeface="Times New Roman" panose="02020603050405020304" pitchFamily="18" charset="0"/>
+              <a:ea typeface="Tahoma" panose="020B0604030504040204" pitchFamily="34" charset="0"/>
+              <a:cs typeface="Times New Roman" panose="02020603050405020304" pitchFamily="18" charset="0"/>
+            </a:endParaRPr>
+          </a:p>
+        </p:txBody>
+      </p:sp>
+      <p:sp>
+        <p:nvSpPr>
+          <p:cNvPr id="3" name="Text Placeholder 2">
+            <a:extLst>
+              <a:ext uri="{FF2B5EF4-FFF2-40B4-BE49-F238E27FC236}">
+                <a16:creationId xmlns:a16="http://schemas.microsoft.com/office/drawing/2014/main" id="{5229B2AD-9A9D-31F7-F79E-9A38482AE2B1}"/>
+              </a:ext>
+            </a:extLst>
+          </p:cNvPr>
+          <p:cNvSpPr>
+            <a:spLocks noGrp="1"/>
+          </p:cNvSpPr>
+          <p:nvPr>
+            <p:ph type="body" sz="quarter" idx="10"/>
+          </p:nvPr>
+        </p:nvSpPr>
+        <p:spPr>
+          <a:xfrm>
+            <a:off x="457200" y="1143000"/>
+            <a:ext cx="7016750" cy="436562"/>
+          </a:xfrm>
+        </p:spPr>
+        <p:txBody>
+          <a:bodyPr/>
+          <a:lstStyle/>
+          <a:p>
+            <a:r>
+              <a:rPr lang="en-IN" sz="2000" b="1" dirty="0">
+                <a:solidFill>
+                  <a:srgbClr val="002060"/>
+                </a:solidFill>
+                <a:latin typeface="Times New Roman" panose="02020603050405020304" pitchFamily="18" charset="0"/>
+                <a:ea typeface="Tahoma" panose="020B0604030504040204" pitchFamily="34" charset="0"/>
+                <a:cs typeface="Times New Roman" panose="02020603050405020304" pitchFamily="18" charset="0"/>
+              </a:rPr>
+              <a:t>Skill Alignment</a:t>
+            </a:r>
+          </a:p>
+          <a:p>
+            <a:endParaRPr lang="en-IN" sz="2000" dirty="0">
+              <a:solidFill>
+                <a:srgbClr val="002060"/>
+              </a:solidFill>
+              <a:latin typeface="Times New Roman" panose="02020603050405020304" pitchFamily="18" charset="0"/>
+              <a:ea typeface="Tahoma" panose="020B0604030504040204" pitchFamily="34" charset="0"/>
+              <a:cs typeface="Times New Roman" panose="02020603050405020304" pitchFamily="18" charset="0"/>
+            </a:endParaRPr>
+          </a:p>
+        </p:txBody>
+      </p:sp>
+      <p:sp>
+        <p:nvSpPr>
+          <p:cNvPr id="4" name="TextBox 3">
+            <a:extLst>
+              <a:ext uri="{FF2B5EF4-FFF2-40B4-BE49-F238E27FC236}">
+                <a16:creationId xmlns:a16="http://schemas.microsoft.com/office/drawing/2014/main" id="{E9EF93CC-A197-0BED-194C-FC3901B72C36}"/>
+              </a:ext>
+            </a:extLst>
+          </p:cNvPr>
+          <p:cNvSpPr txBox="1"/>
+          <p:nvPr/>
+        </p:nvSpPr>
+        <p:spPr>
+          <a:xfrm>
+            <a:off x="685800" y="1756346"/>
+            <a:ext cx="7315200" cy="3970318"/>
+          </a:xfrm>
+          <a:prstGeom prst="rect">
+            <a:avLst/>
+          </a:prstGeom>
+          <a:noFill/>
+        </p:spPr>
+        <p:txBody>
+          <a:bodyPr wrap="square" rtlCol="0">
+            <a:spAutoFit/>
+          </a:bodyPr>
+          <a:lstStyle/>
+          <a:p>
+            <a:pPr marL="285750" indent="-285750">
+              <a:buFont typeface="Wingdings" panose="05000000000000000000" pitchFamily="2" charset="2"/>
+              <a:buChar char="q"/>
+            </a:pPr>
+            <a:r>
+              <a:rPr lang="en-US" dirty="0">
+                <a:solidFill>
+                  <a:srgbClr val="0070C0"/>
+                </a:solidFill>
+                <a:latin typeface="Times New Roman" panose="02020603050405020304" pitchFamily="18" charset="0"/>
+                <a:ea typeface="Tahoma" panose="020B0604030504040204" pitchFamily="34" charset="0"/>
+                <a:cs typeface="Times New Roman" panose="02020603050405020304" pitchFamily="18" charset="0"/>
+              </a:rPr>
+              <a:t>I have experience with Java and Spring Boot for service-layer development.</a:t>
+            </a:r>
+          </a:p>
+          <a:p>
+            <a:endParaRPr lang="en-US" dirty="0">
+              <a:solidFill>
+                <a:srgbClr val="0070C0"/>
+              </a:solidFill>
+              <a:latin typeface="Times New Roman" panose="02020603050405020304" pitchFamily="18" charset="0"/>
+              <a:ea typeface="Tahoma" panose="020B0604030504040204" pitchFamily="34" charset="0"/>
+              <a:cs typeface="Times New Roman" panose="02020603050405020304" pitchFamily="18" charset="0"/>
+            </a:endParaRPr>
+          </a:p>
+          <a:p>
+            <a:pPr marL="285750" indent="-285750">
+              <a:buFont typeface="Wingdings" panose="05000000000000000000" pitchFamily="2" charset="2"/>
+              <a:buChar char="q"/>
+            </a:pPr>
+            <a:r>
+              <a:rPr lang="en-US" dirty="0">
+                <a:solidFill>
+                  <a:srgbClr val="0070C0"/>
+                </a:solidFill>
+                <a:latin typeface="Times New Roman" panose="02020603050405020304" pitchFamily="18" charset="0"/>
+                <a:ea typeface="Tahoma" panose="020B0604030504040204" pitchFamily="34" charset="0"/>
+                <a:cs typeface="Times New Roman" panose="02020603050405020304" pitchFamily="18" charset="0"/>
+              </a:rPr>
+              <a:t>I have handled database tasks like entity mapping, JSON storage.</a:t>
+            </a:r>
+          </a:p>
+          <a:p>
+            <a:endParaRPr lang="en-US" dirty="0">
+              <a:solidFill>
+                <a:srgbClr val="0070C0"/>
+              </a:solidFill>
+              <a:latin typeface="Times New Roman" panose="02020603050405020304" pitchFamily="18" charset="0"/>
+              <a:ea typeface="Tahoma" panose="020B0604030504040204" pitchFamily="34" charset="0"/>
+              <a:cs typeface="Times New Roman" panose="02020603050405020304" pitchFamily="18" charset="0"/>
+            </a:endParaRPr>
+          </a:p>
+          <a:p>
+            <a:pPr marL="285750" indent="-285750">
+              <a:buFont typeface="Wingdings" panose="05000000000000000000" pitchFamily="2" charset="2"/>
+              <a:buChar char="q"/>
+            </a:pPr>
+            <a:r>
+              <a:rPr lang="en-US" dirty="0">
+                <a:solidFill>
+                  <a:srgbClr val="0070C0"/>
+                </a:solidFill>
+                <a:latin typeface="Times New Roman" panose="02020603050405020304" pitchFamily="18" charset="0"/>
+                <a:ea typeface="Tahoma" panose="020B0604030504040204" pitchFamily="34" charset="0"/>
+                <a:cs typeface="Times New Roman" panose="02020603050405020304" pitchFamily="18" charset="0"/>
+              </a:rPr>
+              <a:t>I have worked on mail sending functionality in a previous project.</a:t>
+            </a:r>
+          </a:p>
+          <a:p>
+            <a:endParaRPr lang="en-US" dirty="0">
+              <a:solidFill>
+                <a:srgbClr val="0070C0"/>
+              </a:solidFill>
+              <a:latin typeface="Times New Roman" panose="02020603050405020304" pitchFamily="18" charset="0"/>
+              <a:ea typeface="Tahoma" panose="020B0604030504040204" pitchFamily="34" charset="0"/>
+              <a:cs typeface="Times New Roman" panose="02020603050405020304" pitchFamily="18" charset="0"/>
+            </a:endParaRPr>
+          </a:p>
+          <a:p>
+            <a:pPr marL="285750" indent="-285750">
+              <a:buFont typeface="Wingdings" panose="05000000000000000000" pitchFamily="2" charset="2"/>
+              <a:buChar char="q"/>
+            </a:pPr>
+            <a:r>
+              <a:rPr lang="en-US" dirty="0">
+                <a:solidFill>
+                  <a:srgbClr val="0070C0"/>
+                </a:solidFill>
+                <a:latin typeface="Times New Roman" panose="02020603050405020304" pitchFamily="18" charset="0"/>
+                <a:ea typeface="Tahoma" panose="020B0604030504040204" pitchFamily="34" charset="0"/>
+                <a:cs typeface="Times New Roman" panose="02020603050405020304" pitchFamily="18" charset="0"/>
+              </a:rPr>
+              <a:t>I have the ability to solve complex issues, as I faced in this project, like mailbox quota calculations and system configuration setup.</a:t>
+            </a:r>
+          </a:p>
+          <a:p>
+            <a:endParaRPr lang="en-US" dirty="0">
+              <a:solidFill>
+                <a:srgbClr val="0070C0"/>
+              </a:solidFill>
+              <a:latin typeface="Times New Roman" panose="02020603050405020304" pitchFamily="18" charset="0"/>
+              <a:ea typeface="Tahoma" panose="020B0604030504040204" pitchFamily="34" charset="0"/>
+              <a:cs typeface="Times New Roman" panose="02020603050405020304" pitchFamily="18" charset="0"/>
+            </a:endParaRPr>
+          </a:p>
+          <a:p>
+            <a:pPr marL="285750" indent="-285750">
+              <a:buFont typeface="Wingdings" panose="05000000000000000000" pitchFamily="2" charset="2"/>
+              <a:buChar char="q"/>
+            </a:pPr>
+            <a:r>
+              <a:rPr lang="en-US" dirty="0">
+                <a:solidFill>
+                  <a:srgbClr val="0070C0"/>
+                </a:solidFill>
+                <a:latin typeface="Times New Roman" panose="02020603050405020304" pitchFamily="18" charset="0"/>
+                <a:ea typeface="Tahoma" panose="020B0604030504040204" pitchFamily="34" charset="0"/>
+                <a:cs typeface="Times New Roman" panose="02020603050405020304" pitchFamily="18" charset="0"/>
+              </a:rPr>
+              <a:t>I have the ability to explore new technologies and apply them in projects, as I did while ensuring system integration between LDAP, IMAP, Dovecot, and databases.</a:t>
+            </a:r>
+          </a:p>
+          <a:p>
+            <a:endParaRPr lang="en-IN" dirty="0">
+              <a:solidFill>
+                <a:srgbClr val="0070C0"/>
+              </a:solidFill>
+              <a:latin typeface="Times New Roman" panose="02020603050405020304" pitchFamily="18" charset="0"/>
+              <a:ea typeface="Tahoma" panose="020B0604030504040204" pitchFamily="34" charset="0"/>
+              <a:cs typeface="Times New Roman" panose="02020603050405020304" pitchFamily="18" charset="0"/>
+            </a:endParaRPr>
+          </a:p>
+        </p:txBody>
+      </p:sp>
+    </p:spTree>
+    <p:extLst>
+      <p:ext uri="{BB962C8B-B14F-4D97-AF65-F5344CB8AC3E}">
+        <p14:creationId xmlns:p14="http://schemas.microsoft.com/office/powerpoint/2010/main" val="583956621"/>
+      </p:ext>
+    </p:extLst>
+  </p:cSld>
+  <p:clrMapOvr>
+    <a:masterClrMapping/>
+  </p:clrMapOvr>
+  <p:transition spd="med">
+    <p:fade/>
+  </p:transition>
+</p:sld>
+</file>
+
+<file path=ppt/slides/slide11.xml><?xml version="1.0" encoding="utf-8"?>
+<p:sld xmlns:a="http://schemas.openxmlformats.org/drawingml/2006/main" xmlns:r="http://schemas.openxmlformats.org/officeDocument/2006/relationships" xmlns:p="http://schemas.openxmlformats.org/presentationml/2006/main">
+  <p:cSld>
+    <p:spTree>
+      <p:nvGrpSpPr>
+        <p:cNvPr id="1" name="">
+          <a:extLst>
+            <a:ext uri="{FF2B5EF4-FFF2-40B4-BE49-F238E27FC236}">
+              <a16:creationId xmlns:a16="http://schemas.microsoft.com/office/drawing/2014/main" id="{C8B3F00F-C292-04CC-017A-30FAF3BCAC05}"/>
+            </a:ext>
+          </a:extLst>
+        </p:cNvPr>
+        <p:cNvGrpSpPr/>
+        <p:nvPr/>
+      </p:nvGrpSpPr>
+      <p:grpSpPr>
+        <a:xfrm>
+          <a:off x="0" y="0"/>
+          <a:ext cx="0" cy="0"/>
+          <a:chOff x="0" y="0"/>
+          <a:chExt cx="0" cy="0"/>
+        </a:xfrm>
+      </p:grpSpPr>
+      <p:sp>
+        <p:nvSpPr>
+          <p:cNvPr id="2" name="Title 1">
+            <a:extLst>
+              <a:ext uri="{FF2B5EF4-FFF2-40B4-BE49-F238E27FC236}">
+                <a16:creationId xmlns:a16="http://schemas.microsoft.com/office/drawing/2014/main" id="{3E76077C-F2D7-AF57-0C7F-D6D9AE529421}"/>
+              </a:ext>
+            </a:extLst>
+          </p:cNvPr>
+          <p:cNvSpPr>
+            <a:spLocks noGrp="1"/>
+          </p:cNvSpPr>
+          <p:nvPr>
+            <p:ph type="title"/>
+          </p:nvPr>
+        </p:nvSpPr>
+        <p:spPr>
+          <a:xfrm>
+            <a:off x="457200" y="350838"/>
+            <a:ext cx="7924800" cy="639762"/>
+          </a:xfrm>
+        </p:spPr>
+        <p:txBody>
+          <a:bodyPr/>
+          <a:lstStyle/>
+          <a:p>
+            <a:r>
+              <a:rPr lang="en-IN" b="1" dirty="0">
+                <a:solidFill>
+                  <a:srgbClr val="FF0000"/>
+                </a:solidFill>
+                <a:latin typeface="Times New Roman" panose="02020603050405020304" pitchFamily="18" charset="0"/>
+                <a:cs typeface="Times New Roman" panose="02020603050405020304" pitchFamily="18" charset="0"/>
+              </a:rPr>
+              <a:t>Enterprise Resource Planning (ERP)</a:t>
+            </a:r>
+            <a:endParaRPr lang="en-IN" b="1" dirty="0">
+              <a:solidFill>
+                <a:srgbClr val="FF0000"/>
+              </a:solidFill>
+              <a:latin typeface="Times New Roman" panose="02020603050405020304" pitchFamily="18" charset="0"/>
+              <a:ea typeface="Tahoma" panose="020B0604030504040204" pitchFamily="34" charset="0"/>
+              <a:cs typeface="Times New Roman" panose="02020603050405020304" pitchFamily="18" charset="0"/>
+            </a:endParaRPr>
+          </a:p>
+        </p:txBody>
+      </p:sp>
+      <p:sp>
+        <p:nvSpPr>
+          <p:cNvPr id="3" name="Text Placeholder 2">
+            <a:extLst>
+              <a:ext uri="{FF2B5EF4-FFF2-40B4-BE49-F238E27FC236}">
+                <a16:creationId xmlns:a16="http://schemas.microsoft.com/office/drawing/2014/main" id="{FBD32537-5699-4D61-F59C-850DE58B51F3}"/>
+              </a:ext>
+            </a:extLst>
+          </p:cNvPr>
+          <p:cNvSpPr>
+            <a:spLocks noGrp="1"/>
+          </p:cNvSpPr>
+          <p:nvPr>
+            <p:ph type="body" sz="quarter" idx="10"/>
+          </p:nvPr>
+        </p:nvSpPr>
+        <p:spPr>
+          <a:xfrm>
+            <a:off x="457200" y="1345188"/>
+            <a:ext cx="7016750" cy="436562"/>
+          </a:xfrm>
+        </p:spPr>
+        <p:txBody>
+          <a:bodyPr/>
+          <a:lstStyle/>
+          <a:p>
+            <a:r>
+              <a:rPr lang="en-US" sz="2000" b="1" dirty="0">
+                <a:solidFill>
+                  <a:srgbClr val="002060"/>
+                </a:solidFill>
+                <a:latin typeface="Times New Roman" panose="02020603050405020304" pitchFamily="18" charset="0"/>
+                <a:ea typeface="Tahoma" panose="020B0604030504040204" pitchFamily="34" charset="0"/>
+                <a:cs typeface="Times New Roman" panose="02020603050405020304" pitchFamily="18" charset="0"/>
+              </a:rPr>
+              <a:t>Overview</a:t>
+            </a:r>
+            <a:endParaRPr lang="en-IN" sz="2000" b="1" dirty="0">
+              <a:solidFill>
+                <a:srgbClr val="002060"/>
+              </a:solidFill>
+              <a:latin typeface="Times New Roman" panose="02020603050405020304" pitchFamily="18" charset="0"/>
+              <a:ea typeface="Tahoma" panose="020B0604030504040204" pitchFamily="34" charset="0"/>
+              <a:cs typeface="Times New Roman" panose="02020603050405020304" pitchFamily="18" charset="0"/>
+            </a:endParaRPr>
+          </a:p>
+        </p:txBody>
+      </p:sp>
+      <p:sp>
+        <p:nvSpPr>
+          <p:cNvPr id="5" name="TextBox 4">
+            <a:extLst>
+              <a:ext uri="{FF2B5EF4-FFF2-40B4-BE49-F238E27FC236}">
+                <a16:creationId xmlns:a16="http://schemas.microsoft.com/office/drawing/2014/main" id="{EC2D0CEF-DBCA-4BB3-4622-7D597B9E41B3}"/>
+              </a:ext>
+            </a:extLst>
+          </p:cNvPr>
+          <p:cNvSpPr txBox="1"/>
+          <p:nvPr/>
+        </p:nvSpPr>
+        <p:spPr>
+          <a:xfrm>
+            <a:off x="685800" y="2136338"/>
+            <a:ext cx="7315200" cy="2031325"/>
+          </a:xfrm>
+          <a:prstGeom prst="rect">
+            <a:avLst/>
+          </a:prstGeom>
+          <a:noFill/>
+        </p:spPr>
+        <p:txBody>
+          <a:bodyPr wrap="square" rtlCol="0">
+            <a:spAutoFit/>
+          </a:bodyPr>
+          <a:lstStyle/>
+          <a:p>
+            <a:r>
+              <a:rPr lang="en-US" dirty="0">
+                <a:solidFill>
+                  <a:srgbClr val="0070C0"/>
+                </a:solidFill>
+                <a:latin typeface="Times New Roman" panose="02020603050405020304" pitchFamily="18" charset="0"/>
+                <a:ea typeface="Tahoma" panose="020B0604030504040204" pitchFamily="34" charset="0"/>
+                <a:cs typeface="Times New Roman" panose="02020603050405020304" pitchFamily="18" charset="0"/>
+              </a:rPr>
+              <a:t>Enterprise Resource Planning (ERP) is a centralized software suite that integrates core business processes like finance, human resources, and manufacturing into a single unified system. This automation streamlines workflows, enhances operational efficiency, and improves collaboration across the entire organization. Ultimately, an ERP system empowers businesses to scale effectively by providing better visibility and control over their resources and performance.</a:t>
+            </a:r>
+          </a:p>
+        </p:txBody>
+      </p:sp>
+    </p:spTree>
+    <p:extLst>
+      <p:ext uri="{BB962C8B-B14F-4D97-AF65-F5344CB8AC3E}">
+        <p14:creationId xmlns:p14="http://schemas.microsoft.com/office/powerpoint/2010/main" val="2066856180"/>
+      </p:ext>
+    </p:extLst>
+  </p:cSld>
+  <p:clrMapOvr>
+    <a:masterClrMapping/>
+  </p:clrMapOvr>
+  <p:transition spd="med">
+    <p:fade/>
+  </p:transition>
+</p:sld>
+</file>
+
+<file path=ppt/slides/slide12.xml><?xml version="1.0" encoding="utf-8"?>
+<p:sld xmlns:a="http://schemas.openxmlformats.org/drawingml/2006/main" xmlns:r="http://schemas.openxmlformats.org/officeDocument/2006/relationships" xmlns:p="http://schemas.openxmlformats.org/presentationml/2006/main">
+  <p:cSld>
+    <p:spTree>
+      <p:nvGrpSpPr>
+        <p:cNvPr id="1" name="">
+          <a:extLst>
+            <a:ext uri="{FF2B5EF4-FFF2-40B4-BE49-F238E27FC236}">
+              <a16:creationId xmlns:a16="http://schemas.microsoft.com/office/drawing/2014/main" id="{8E118A31-B8C2-6A40-F8DF-38A90BE7BCB4}"/>
+            </a:ext>
+          </a:extLst>
+        </p:cNvPr>
+        <p:cNvGrpSpPr/>
+        <p:nvPr/>
+      </p:nvGrpSpPr>
+      <p:grpSpPr>
+        <a:xfrm>
+          <a:off x="0" y="0"/>
+          <a:ext cx="0" cy="0"/>
+          <a:chOff x="0" y="0"/>
+          <a:chExt cx="0" cy="0"/>
+        </a:xfrm>
+      </p:grpSpPr>
+      <p:sp>
+        <p:nvSpPr>
+          <p:cNvPr id="2" name="Title 1">
+            <a:extLst>
+              <a:ext uri="{FF2B5EF4-FFF2-40B4-BE49-F238E27FC236}">
+                <a16:creationId xmlns:a16="http://schemas.microsoft.com/office/drawing/2014/main" id="{741CC01D-8BFB-707E-D6D3-272864FE9E79}"/>
+              </a:ext>
+            </a:extLst>
+          </p:cNvPr>
+          <p:cNvSpPr>
+            <a:spLocks noGrp="1"/>
+          </p:cNvSpPr>
+          <p:nvPr>
+            <p:ph type="title"/>
+          </p:nvPr>
+        </p:nvSpPr>
+        <p:spPr>
+          <a:xfrm>
+            <a:off x="457200" y="350838"/>
+            <a:ext cx="7924800" cy="639762"/>
+          </a:xfrm>
+        </p:spPr>
+        <p:txBody>
+          <a:bodyPr/>
+          <a:lstStyle/>
+          <a:p>
+            <a:r>
+              <a:rPr lang="en-US" b="1" dirty="0">
+                <a:solidFill>
+                  <a:srgbClr val="FF0000"/>
+                </a:solidFill>
+                <a:latin typeface="Times New Roman" panose="02020603050405020304" pitchFamily="18" charset="0"/>
+                <a:ea typeface="Tahoma" panose="020B0604030504040204" pitchFamily="34" charset="0"/>
+                <a:cs typeface="Times New Roman" panose="02020603050405020304" pitchFamily="18" charset="0"/>
+              </a:rPr>
+              <a:t>API Documentation</a:t>
+            </a:r>
+            <a:endParaRPr lang="en-IN" b="1" dirty="0">
+              <a:solidFill>
+                <a:srgbClr val="FF0000"/>
+              </a:solidFill>
+              <a:latin typeface="Times New Roman" panose="02020603050405020304" pitchFamily="18" charset="0"/>
+              <a:ea typeface="Tahoma" panose="020B0604030504040204" pitchFamily="34" charset="0"/>
+              <a:cs typeface="Times New Roman" panose="02020603050405020304" pitchFamily="18" charset="0"/>
+            </a:endParaRPr>
+          </a:p>
+        </p:txBody>
+      </p:sp>
+      <p:sp>
+        <p:nvSpPr>
+          <p:cNvPr id="3" name="Text Placeholder 2">
+            <a:extLst>
+              <a:ext uri="{FF2B5EF4-FFF2-40B4-BE49-F238E27FC236}">
+                <a16:creationId xmlns:a16="http://schemas.microsoft.com/office/drawing/2014/main" id="{89954DAA-3489-67AE-6576-B55E3DA75A17}"/>
+              </a:ext>
+            </a:extLst>
+          </p:cNvPr>
+          <p:cNvSpPr>
+            <a:spLocks noGrp="1"/>
+          </p:cNvSpPr>
+          <p:nvPr>
+            <p:ph type="body" sz="quarter" idx="10"/>
+          </p:nvPr>
+        </p:nvSpPr>
+        <p:spPr>
+          <a:xfrm>
+            <a:off x="457200" y="1345188"/>
+            <a:ext cx="7016750" cy="436562"/>
+          </a:xfrm>
+        </p:spPr>
+        <p:txBody>
+          <a:bodyPr/>
+          <a:lstStyle/>
+          <a:p>
+            <a:r>
+              <a:rPr lang="en-US" sz="2000" b="1" dirty="0">
+                <a:solidFill>
+                  <a:srgbClr val="002060"/>
+                </a:solidFill>
+                <a:latin typeface="Times New Roman" panose="02020603050405020304" pitchFamily="18" charset="0"/>
+                <a:ea typeface="Tahoma" panose="020B0604030504040204" pitchFamily="34" charset="0"/>
+                <a:cs typeface="Times New Roman" panose="02020603050405020304" pitchFamily="18" charset="0"/>
+              </a:rPr>
+              <a:t>Work Done</a:t>
+            </a:r>
+            <a:endParaRPr lang="en-IN" sz="2000" b="1" dirty="0">
+              <a:solidFill>
+                <a:srgbClr val="002060"/>
+              </a:solidFill>
+              <a:latin typeface="Times New Roman" panose="02020603050405020304" pitchFamily="18" charset="0"/>
+              <a:ea typeface="Tahoma" panose="020B0604030504040204" pitchFamily="34" charset="0"/>
+              <a:cs typeface="Times New Roman" panose="02020603050405020304" pitchFamily="18" charset="0"/>
+            </a:endParaRPr>
+          </a:p>
+        </p:txBody>
+      </p:sp>
+      <p:sp>
+        <p:nvSpPr>
+          <p:cNvPr id="5" name="TextBox 4">
+            <a:extLst>
+              <a:ext uri="{FF2B5EF4-FFF2-40B4-BE49-F238E27FC236}">
+                <a16:creationId xmlns:a16="http://schemas.microsoft.com/office/drawing/2014/main" id="{23A7BC20-CB90-4779-6DF9-A453C0CD2AA5}"/>
+              </a:ext>
+            </a:extLst>
+          </p:cNvPr>
+          <p:cNvSpPr txBox="1"/>
+          <p:nvPr/>
+        </p:nvSpPr>
+        <p:spPr>
+          <a:xfrm>
+            <a:off x="685800" y="2136338"/>
+            <a:ext cx="7315200" cy="3693319"/>
+          </a:xfrm>
+          <a:prstGeom prst="rect">
+            <a:avLst/>
+          </a:prstGeom>
+          <a:noFill/>
+        </p:spPr>
+        <p:txBody>
+          <a:bodyPr wrap="square" rtlCol="0">
+            <a:spAutoFit/>
+          </a:bodyPr>
+          <a:lstStyle/>
+          <a:p>
+            <a:pPr marL="285750" indent="-285750">
+              <a:buFont typeface="Wingdings" panose="05000000000000000000" pitchFamily="2" charset="2"/>
+              <a:buChar char="q"/>
+            </a:pPr>
+            <a:r>
+              <a:rPr lang="en-US" dirty="0">
+                <a:solidFill>
+                  <a:srgbClr val="0070C0"/>
+                </a:solidFill>
+                <a:latin typeface="Times New Roman" panose="02020603050405020304" pitchFamily="18" charset="0"/>
+                <a:cs typeface="Times New Roman" panose="02020603050405020304" pitchFamily="18" charset="0"/>
+              </a:rPr>
+              <a:t>In this project, I </a:t>
+            </a:r>
+            <a:r>
+              <a:rPr lang="en-US" b="1" dirty="0">
+                <a:solidFill>
+                  <a:srgbClr val="0070C0"/>
+                </a:solidFill>
+                <a:latin typeface="Times New Roman" panose="02020603050405020304" pitchFamily="18" charset="0"/>
+                <a:cs typeface="Times New Roman" panose="02020603050405020304" pitchFamily="18" charset="0"/>
+              </a:rPr>
+              <a:t>centralized and containerized</a:t>
+            </a:r>
+            <a:r>
+              <a:rPr lang="en-US" dirty="0">
+                <a:solidFill>
+                  <a:srgbClr val="0070C0"/>
+                </a:solidFill>
+                <a:latin typeface="Times New Roman" panose="02020603050405020304" pitchFamily="18" charset="0"/>
+                <a:cs typeface="Times New Roman" panose="02020603050405020304" pitchFamily="18" charset="0"/>
+              </a:rPr>
+              <a:t> the API documentation for a multi-service ERP system to streamline development and testing. </a:t>
+            </a:r>
+          </a:p>
+          <a:p>
+            <a:pPr marL="285750" indent="-285750">
+              <a:buFont typeface="Wingdings" panose="05000000000000000000" pitchFamily="2" charset="2"/>
+              <a:buChar char="q"/>
+            </a:pPr>
+            <a:endParaRPr lang="en-US" dirty="0">
+              <a:solidFill>
+                <a:srgbClr val="0070C0"/>
+              </a:solidFill>
+              <a:latin typeface="Times New Roman" panose="02020603050405020304" pitchFamily="18" charset="0"/>
+              <a:cs typeface="Times New Roman" panose="02020603050405020304" pitchFamily="18" charset="0"/>
+            </a:endParaRPr>
+          </a:p>
+          <a:p>
+            <a:pPr marL="285750" indent="-285750">
+              <a:buFont typeface="Wingdings" panose="05000000000000000000" pitchFamily="2" charset="2"/>
+              <a:buChar char="q"/>
+            </a:pPr>
+            <a:r>
+              <a:rPr lang="en-US" dirty="0">
+                <a:solidFill>
+                  <a:srgbClr val="0070C0"/>
+                </a:solidFill>
+                <a:latin typeface="Times New Roman" panose="02020603050405020304" pitchFamily="18" charset="0"/>
+                <a:cs typeface="Times New Roman" panose="02020603050405020304" pitchFamily="18" charset="0"/>
+              </a:rPr>
+              <a:t>I </a:t>
+            </a:r>
+            <a:r>
+              <a:rPr lang="en-US" b="1" dirty="0">
+                <a:solidFill>
+                  <a:srgbClr val="0070C0"/>
+                </a:solidFill>
+                <a:latin typeface="Times New Roman" panose="02020603050405020304" pitchFamily="18" charset="0"/>
+                <a:cs typeface="Times New Roman" panose="02020603050405020304" pitchFamily="18" charset="0"/>
+              </a:rPr>
+              <a:t>authored Open API (YAML) specifications</a:t>
+            </a:r>
+            <a:r>
+              <a:rPr lang="en-US" dirty="0">
+                <a:solidFill>
+                  <a:srgbClr val="0070C0"/>
+                </a:solidFill>
+                <a:latin typeface="Times New Roman" panose="02020603050405020304" pitchFamily="18" charset="0"/>
+                <a:cs typeface="Times New Roman" panose="02020603050405020304" pitchFamily="18" charset="0"/>
+              </a:rPr>
+              <a:t> for various backend microservices and deployed them using </a:t>
+            </a:r>
+            <a:r>
+              <a:rPr lang="en-US" b="1" dirty="0">
+                <a:solidFill>
+                  <a:srgbClr val="0070C0"/>
+                </a:solidFill>
+                <a:latin typeface="Times New Roman" panose="02020603050405020304" pitchFamily="18" charset="0"/>
+                <a:cs typeface="Times New Roman" panose="02020603050405020304" pitchFamily="18" charset="0"/>
+              </a:rPr>
+              <a:t>Swagger UI via Docker Compose</a:t>
+            </a:r>
+            <a:r>
+              <a:rPr lang="en-US" dirty="0">
+                <a:solidFill>
+                  <a:srgbClr val="0070C0"/>
+                </a:solidFill>
+                <a:latin typeface="Times New Roman" panose="02020603050405020304" pitchFamily="18" charset="0"/>
+                <a:cs typeface="Times New Roman" panose="02020603050405020304" pitchFamily="18" charset="0"/>
+              </a:rPr>
+              <a:t>, creating a unified, interactive interface. </a:t>
+            </a:r>
+          </a:p>
+          <a:p>
+            <a:pPr marL="285750" indent="-285750">
+              <a:buFont typeface="Wingdings" panose="05000000000000000000" pitchFamily="2" charset="2"/>
+              <a:buChar char="q"/>
+            </a:pPr>
+            <a:endParaRPr lang="en-US" dirty="0">
+              <a:solidFill>
+                <a:srgbClr val="0070C0"/>
+              </a:solidFill>
+              <a:latin typeface="Times New Roman" panose="02020603050405020304" pitchFamily="18" charset="0"/>
+              <a:cs typeface="Times New Roman" panose="02020603050405020304" pitchFamily="18" charset="0"/>
+            </a:endParaRPr>
+          </a:p>
+          <a:p>
+            <a:pPr marL="285750" indent="-285750">
+              <a:buFont typeface="Wingdings" panose="05000000000000000000" pitchFamily="2" charset="2"/>
+              <a:buChar char="q"/>
+            </a:pPr>
+            <a:r>
+              <a:rPr lang="en-US" dirty="0">
+                <a:solidFill>
+                  <a:srgbClr val="0070C0"/>
+                </a:solidFill>
+                <a:latin typeface="Times New Roman" panose="02020603050405020304" pitchFamily="18" charset="0"/>
+                <a:cs typeface="Times New Roman" panose="02020603050405020304" pitchFamily="18" charset="0"/>
+              </a:rPr>
+              <a:t>By implementing </a:t>
+            </a:r>
+            <a:r>
+              <a:rPr lang="en-US" b="1" dirty="0">
+                <a:solidFill>
+                  <a:srgbClr val="0070C0"/>
+                </a:solidFill>
+                <a:latin typeface="Times New Roman" panose="02020603050405020304" pitchFamily="18" charset="0"/>
+                <a:cs typeface="Times New Roman" panose="02020603050405020304" pitchFamily="18" charset="0"/>
+              </a:rPr>
+              <a:t>Docker volume mounting</a:t>
+            </a:r>
+            <a:r>
+              <a:rPr lang="en-US" dirty="0">
+                <a:solidFill>
+                  <a:srgbClr val="0070C0"/>
+                </a:solidFill>
+                <a:latin typeface="Times New Roman" panose="02020603050405020304" pitchFamily="18" charset="0"/>
+                <a:cs typeface="Times New Roman" panose="02020603050405020304" pitchFamily="18" charset="0"/>
+              </a:rPr>
+              <a:t>, I ensured the documentation remained offline-ready and easily maintainable.</a:t>
+            </a:r>
+          </a:p>
+          <a:p>
+            <a:pPr marL="285750" indent="-285750">
+              <a:buFont typeface="Wingdings" panose="05000000000000000000" pitchFamily="2" charset="2"/>
+              <a:buChar char="q"/>
+            </a:pPr>
+            <a:r>
+              <a:rPr lang="en-US" dirty="0">
+                <a:solidFill>
+                  <a:srgbClr val="0070C0"/>
+                </a:solidFill>
+                <a:latin typeface="Times New Roman" panose="02020603050405020304" pitchFamily="18" charset="0"/>
+                <a:cs typeface="Times New Roman" panose="02020603050405020304" pitchFamily="18" charset="0"/>
+              </a:rPr>
+              <a:t> </a:t>
+            </a:r>
+          </a:p>
+          <a:p>
+            <a:pPr marL="285750" indent="-285750">
+              <a:buFont typeface="Wingdings" panose="05000000000000000000" pitchFamily="2" charset="2"/>
+              <a:buChar char="q"/>
+            </a:pPr>
+            <a:r>
+              <a:rPr lang="en-US" dirty="0">
+                <a:solidFill>
+                  <a:srgbClr val="0070C0"/>
+                </a:solidFill>
+                <a:latin typeface="Times New Roman" panose="02020603050405020304" pitchFamily="18" charset="0"/>
+                <a:cs typeface="Times New Roman" panose="02020603050405020304" pitchFamily="18" charset="0"/>
+              </a:rPr>
+              <a:t>My work enabled the team to switch between different service definitions seamlessly, ensuring consistent API contracts and faster integration across the entire ERP ecosystem.</a:t>
+            </a:r>
+            <a:endParaRPr lang="en-US" dirty="0">
+              <a:solidFill>
+                <a:srgbClr val="0070C0"/>
+              </a:solidFill>
+              <a:latin typeface="Times New Roman" panose="02020603050405020304" pitchFamily="18" charset="0"/>
+              <a:ea typeface="Tahoma" panose="020B0604030504040204" pitchFamily="34" charset="0"/>
+              <a:cs typeface="Times New Roman" panose="02020603050405020304" pitchFamily="18" charset="0"/>
+            </a:endParaRPr>
+          </a:p>
+        </p:txBody>
+      </p:sp>
+    </p:spTree>
+    <p:extLst>
+      <p:ext uri="{BB962C8B-B14F-4D97-AF65-F5344CB8AC3E}">
+        <p14:creationId xmlns:p14="http://schemas.microsoft.com/office/powerpoint/2010/main" val="1661708571"/>
+      </p:ext>
+    </p:extLst>
+  </p:cSld>
+  <p:clrMapOvr>
+    <a:masterClrMapping/>
+  </p:clrMapOvr>
+  <p:transition spd="med">
+    <p:fade/>
+  </p:transition>
+</p:sld>
+</file>
+
+<file path=ppt/slides/slide13.xml><?xml version="1.0" encoding="utf-8"?>
+<p:sld xmlns:a="http://schemas.openxmlformats.org/drawingml/2006/main" xmlns:r="http://schemas.openxmlformats.org/officeDocument/2006/relationships" xmlns:p="http://schemas.openxmlformats.org/presentationml/2006/main">
+  <p:cSld>
+    <p:spTree>
+      <p:nvGrpSpPr>
+        <p:cNvPr id="1" name="">
+          <a:extLst>
+            <a:ext uri="{FF2B5EF4-FFF2-40B4-BE49-F238E27FC236}">
+              <a16:creationId xmlns:a16="http://schemas.microsoft.com/office/drawing/2014/main" id="{628E08E7-FDA3-6E33-D0DA-3AA942CE7D99}"/>
+            </a:ext>
+          </a:extLst>
+        </p:cNvPr>
+        <p:cNvGrpSpPr/>
+        <p:nvPr/>
+      </p:nvGrpSpPr>
+      <p:grpSpPr>
+        <a:xfrm>
+          <a:off x="0" y="0"/>
+          <a:ext cx="0" cy="0"/>
+          <a:chOff x="0" y="0"/>
+          <a:chExt cx="0" cy="0"/>
+        </a:xfrm>
+      </p:grpSpPr>
+      <p:sp>
+        <p:nvSpPr>
+          <p:cNvPr id="2" name="Title 1">
+            <a:extLst>
+              <a:ext uri="{FF2B5EF4-FFF2-40B4-BE49-F238E27FC236}">
+                <a16:creationId xmlns:a16="http://schemas.microsoft.com/office/drawing/2014/main" id="{2E6909F5-DAF1-B6A5-5559-A104EEF25F1D}"/>
+              </a:ext>
+            </a:extLst>
+          </p:cNvPr>
+          <p:cNvSpPr>
+            <a:spLocks noGrp="1"/>
+          </p:cNvSpPr>
+          <p:nvPr>
+            <p:ph type="title"/>
+          </p:nvPr>
+        </p:nvSpPr>
+        <p:spPr>
+          <a:xfrm>
+            <a:off x="457200" y="350838"/>
+            <a:ext cx="7924800" cy="639762"/>
+          </a:xfrm>
+        </p:spPr>
+        <p:txBody>
+          <a:bodyPr/>
+          <a:lstStyle/>
+          <a:p>
+            <a:r>
+              <a:rPr lang="en-IN" b="1" dirty="0">
+                <a:solidFill>
+                  <a:srgbClr val="FF0000"/>
+                </a:solidFill>
+                <a:latin typeface="Times New Roman" panose="02020603050405020304" pitchFamily="18" charset="0"/>
+                <a:cs typeface="Times New Roman" panose="02020603050405020304" pitchFamily="18" charset="0"/>
+              </a:rPr>
+              <a:t>Core ERP Modules</a:t>
+            </a:r>
+            <a:endParaRPr lang="en-IN" b="1" dirty="0">
+              <a:solidFill>
+                <a:srgbClr val="FF0000"/>
+              </a:solidFill>
+              <a:latin typeface="Times New Roman" panose="02020603050405020304" pitchFamily="18" charset="0"/>
+              <a:ea typeface="Tahoma" panose="020B0604030504040204" pitchFamily="34" charset="0"/>
+              <a:cs typeface="Times New Roman" panose="02020603050405020304" pitchFamily="18" charset="0"/>
+            </a:endParaRPr>
+          </a:p>
+        </p:txBody>
+      </p:sp>
+      <p:sp>
+        <p:nvSpPr>
+          <p:cNvPr id="3" name="Text Placeholder 2">
+            <a:extLst>
+              <a:ext uri="{FF2B5EF4-FFF2-40B4-BE49-F238E27FC236}">
+                <a16:creationId xmlns:a16="http://schemas.microsoft.com/office/drawing/2014/main" id="{9E6268ED-FA8F-815C-C5EE-35F68A8FC9BC}"/>
+              </a:ext>
+            </a:extLst>
+          </p:cNvPr>
+          <p:cNvSpPr>
+            <a:spLocks noGrp="1"/>
+          </p:cNvSpPr>
+          <p:nvPr>
+            <p:ph type="body" sz="quarter" idx="10"/>
+          </p:nvPr>
+        </p:nvSpPr>
+        <p:spPr>
+          <a:xfrm>
+            <a:off x="457200" y="1345188"/>
+            <a:ext cx="7016750" cy="436562"/>
+          </a:xfrm>
+        </p:spPr>
+        <p:txBody>
+          <a:bodyPr/>
+          <a:lstStyle/>
+          <a:p>
+            <a:r>
+              <a:rPr lang="en-IN" sz="2000" b="1" dirty="0">
+                <a:solidFill>
+                  <a:srgbClr val="002060"/>
+                </a:solidFill>
+                <a:latin typeface="Times New Roman" panose="02020603050405020304" pitchFamily="18" charset="0"/>
+                <a:cs typeface="Times New Roman" panose="02020603050405020304" pitchFamily="18" charset="0"/>
+              </a:rPr>
+              <a:t>A Functional Overview</a:t>
+            </a:r>
+            <a:endParaRPr lang="en-IN" sz="2000" b="1" dirty="0">
+              <a:solidFill>
+                <a:srgbClr val="002060"/>
+              </a:solidFill>
+              <a:latin typeface="Times New Roman" panose="02020603050405020304" pitchFamily="18" charset="0"/>
+              <a:ea typeface="Tahoma" panose="020B0604030504040204" pitchFamily="34" charset="0"/>
+              <a:cs typeface="Times New Roman" panose="02020603050405020304" pitchFamily="18" charset="0"/>
+            </a:endParaRPr>
+          </a:p>
+        </p:txBody>
+      </p:sp>
+      <p:sp>
+        <p:nvSpPr>
+          <p:cNvPr id="5" name="TextBox 4">
+            <a:extLst>
+              <a:ext uri="{FF2B5EF4-FFF2-40B4-BE49-F238E27FC236}">
+                <a16:creationId xmlns:a16="http://schemas.microsoft.com/office/drawing/2014/main" id="{8665EAB4-649C-648C-0751-8C32983E2158}"/>
+              </a:ext>
+            </a:extLst>
+          </p:cNvPr>
+          <p:cNvSpPr txBox="1"/>
+          <p:nvPr/>
+        </p:nvSpPr>
+        <p:spPr>
+          <a:xfrm>
+            <a:off x="685800" y="1958463"/>
+            <a:ext cx="7315200" cy="4524315"/>
+          </a:xfrm>
+          <a:prstGeom prst="rect">
+            <a:avLst/>
+          </a:prstGeom>
+          <a:noFill/>
+        </p:spPr>
+        <p:txBody>
+          <a:bodyPr wrap="square" rtlCol="0">
+            <a:spAutoFit/>
+          </a:bodyPr>
+          <a:lstStyle/>
+          <a:p>
+            <a:pPr marL="285750" indent="-285750">
+              <a:buFont typeface="Wingdings" panose="05000000000000000000" pitchFamily="2" charset="2"/>
+              <a:buChar char="q"/>
+            </a:pPr>
+            <a:r>
+              <a:rPr lang="en-US" dirty="0">
+                <a:solidFill>
+                  <a:srgbClr val="0070C0"/>
+                </a:solidFill>
+                <a:latin typeface="Times New Roman" panose="02020603050405020304" pitchFamily="18" charset="0"/>
+                <a:cs typeface="Times New Roman" panose="02020603050405020304" pitchFamily="18" charset="0"/>
+              </a:rPr>
+              <a:t>I explored the core functional building blocks of an ERP system. Understanding these modules was essential to see how a single database integrates diverse business operations to improve efficiency and data accuracy.</a:t>
+            </a:r>
+          </a:p>
+          <a:p>
+            <a:pPr marL="285750" indent="-285750">
+              <a:buFont typeface="Wingdings" panose="05000000000000000000" pitchFamily="2" charset="2"/>
+              <a:buChar char="q"/>
+            </a:pPr>
+            <a:r>
+              <a:rPr lang="en-US" b="1" dirty="0">
+                <a:solidFill>
+                  <a:srgbClr val="0070C0"/>
+                </a:solidFill>
+                <a:latin typeface="Times New Roman" panose="02020603050405020304" pitchFamily="18" charset="0"/>
+                <a:cs typeface="Times New Roman" panose="02020603050405020304" pitchFamily="18" charset="0"/>
+              </a:rPr>
+              <a:t>Finance:</a:t>
+            </a:r>
+            <a:r>
+              <a:rPr lang="en-US" dirty="0">
+                <a:solidFill>
+                  <a:srgbClr val="0070C0"/>
+                </a:solidFill>
+                <a:latin typeface="Times New Roman" panose="02020603050405020304" pitchFamily="18" charset="0"/>
+                <a:cs typeface="Times New Roman" panose="02020603050405020304" pitchFamily="18" charset="0"/>
+              </a:rPr>
+              <a:t> The "engine" of the system it automates bookkeeping, manages the general ledger, and tracks accounts payable/receivable to ensure financial health.</a:t>
+            </a:r>
+          </a:p>
+          <a:p>
+            <a:pPr marL="285750" indent="-285750">
+              <a:buFont typeface="Wingdings" panose="05000000000000000000" pitchFamily="2" charset="2"/>
+              <a:buChar char="q"/>
+            </a:pPr>
+            <a:r>
+              <a:rPr lang="en-US" b="1" dirty="0">
+                <a:solidFill>
+                  <a:srgbClr val="0070C0"/>
+                </a:solidFill>
+                <a:latin typeface="Times New Roman" panose="02020603050405020304" pitchFamily="18" charset="0"/>
+                <a:cs typeface="Times New Roman" panose="02020603050405020304" pitchFamily="18" charset="0"/>
+              </a:rPr>
+              <a:t>Inventory:</a:t>
+            </a:r>
+            <a:r>
+              <a:rPr lang="en-US" dirty="0">
+                <a:solidFill>
+                  <a:srgbClr val="0070C0"/>
+                </a:solidFill>
+                <a:latin typeface="Times New Roman" panose="02020603050405020304" pitchFamily="18" charset="0"/>
+                <a:cs typeface="Times New Roman" panose="02020603050405020304" pitchFamily="18" charset="0"/>
+              </a:rPr>
+              <a:t> Provides real-time visibility into stock levels across warehouses, using automated alerts to prevent shortages or overstocking.</a:t>
+            </a:r>
+          </a:p>
+          <a:p>
+            <a:pPr marL="285750" indent="-285750">
+              <a:buFont typeface="Wingdings" panose="05000000000000000000" pitchFamily="2" charset="2"/>
+              <a:buChar char="q"/>
+            </a:pPr>
+            <a:r>
+              <a:rPr lang="en-US" b="1" dirty="0">
+                <a:solidFill>
+                  <a:srgbClr val="0070C0"/>
+                </a:solidFill>
+                <a:latin typeface="Times New Roman" panose="02020603050405020304" pitchFamily="18" charset="0"/>
+                <a:cs typeface="Times New Roman" panose="02020603050405020304" pitchFamily="18" charset="0"/>
+              </a:rPr>
+              <a:t>Sales &amp; Purchase:</a:t>
+            </a:r>
+            <a:r>
+              <a:rPr lang="en-US" dirty="0">
+                <a:solidFill>
+                  <a:srgbClr val="0070C0"/>
+                </a:solidFill>
+                <a:latin typeface="Times New Roman" panose="02020603050405020304" pitchFamily="18" charset="0"/>
+                <a:cs typeface="Times New Roman" panose="02020603050405020304" pitchFamily="18" charset="0"/>
+              </a:rPr>
+              <a:t> Streamlines the entire "order-to-cash" and "procure-to-pay" cycles, from customer quotations to vendor payments.</a:t>
+            </a:r>
+          </a:p>
+          <a:p>
+            <a:pPr marL="285750" indent="-285750">
+              <a:buFont typeface="Wingdings" panose="05000000000000000000" pitchFamily="2" charset="2"/>
+              <a:buChar char="q"/>
+            </a:pPr>
+            <a:r>
+              <a:rPr lang="en-US" b="1" dirty="0">
+                <a:solidFill>
+                  <a:srgbClr val="0070C0"/>
+                </a:solidFill>
+                <a:latin typeface="Times New Roman" panose="02020603050405020304" pitchFamily="18" charset="0"/>
+                <a:cs typeface="Times New Roman" panose="02020603050405020304" pitchFamily="18" charset="0"/>
+              </a:rPr>
+              <a:t>HR (Human Resources):</a:t>
+            </a:r>
+            <a:r>
+              <a:rPr lang="en-US" dirty="0">
+                <a:solidFill>
+                  <a:srgbClr val="0070C0"/>
+                </a:solidFill>
+                <a:latin typeface="Times New Roman" panose="02020603050405020304" pitchFamily="18" charset="0"/>
+                <a:cs typeface="Times New Roman" panose="02020603050405020304" pitchFamily="18" charset="0"/>
+              </a:rPr>
+              <a:t> Centralizes employee lifecycles, including digital records, payroll processing, and attendance tracking.</a:t>
+            </a:r>
+          </a:p>
+          <a:p>
+            <a:pPr marL="285750" indent="-285750">
+              <a:buFont typeface="Wingdings" panose="05000000000000000000" pitchFamily="2" charset="2"/>
+              <a:buChar char="q"/>
+            </a:pPr>
+            <a:r>
+              <a:rPr lang="en-US" b="1" dirty="0">
+                <a:solidFill>
+                  <a:srgbClr val="0070C0"/>
+                </a:solidFill>
+                <a:latin typeface="Times New Roman" panose="02020603050405020304" pitchFamily="18" charset="0"/>
+                <a:cs typeface="Times New Roman" panose="02020603050405020304" pitchFamily="18" charset="0"/>
+              </a:rPr>
+              <a:t>CRM (Customer Relationship Management):</a:t>
+            </a:r>
+            <a:r>
+              <a:rPr lang="en-US" dirty="0">
+                <a:solidFill>
+                  <a:srgbClr val="0070C0"/>
+                </a:solidFill>
+                <a:latin typeface="Times New Roman" panose="02020603050405020304" pitchFamily="18" charset="0"/>
+                <a:cs typeface="Times New Roman" panose="02020603050405020304" pitchFamily="18" charset="0"/>
+              </a:rPr>
+              <a:t> Enhances growth by tracking lead pipelines, customer communication history, and support requests.</a:t>
+            </a:r>
+          </a:p>
+        </p:txBody>
+      </p:sp>
+    </p:spTree>
+    <p:extLst>
+      <p:ext uri="{BB962C8B-B14F-4D97-AF65-F5344CB8AC3E}">
+        <p14:creationId xmlns:p14="http://schemas.microsoft.com/office/powerpoint/2010/main" val="1286186968"/>
+      </p:ext>
+    </p:extLst>
+  </p:cSld>
+  <p:clrMapOvr>
+    <a:masterClrMapping/>
+  </p:clrMapOvr>
+  <p:transition spd="med">
+    <p:fade/>
+  </p:transition>
+</p:sld>
+</file>
+
+<file path=ppt/slides/slide14.xml><?xml version="1.0" encoding="utf-8"?>
+<p:sld xmlns:a="http://schemas.openxmlformats.org/drawingml/2006/main" xmlns:r="http://schemas.openxmlformats.org/officeDocument/2006/relationships" xmlns:p="http://schemas.openxmlformats.org/presentationml/2006/main">
+  <p:cSld>
+    <p:spTree>
+      <p:nvGrpSpPr>
+        <p:cNvPr id="1" name=""/>
+        <p:cNvGrpSpPr/>
+        <p:nvPr/>
+      </p:nvGrpSpPr>
+      <p:grpSpPr>
+        <a:xfrm>
+          <a:off x="0" y="0"/>
+          <a:ext cx="0" cy="0"/>
+          <a:chOff x="0" y="0"/>
+          <a:chExt cx="0" cy="0"/>
+        </a:xfrm>
+      </p:grpSpPr>
+      <p:sp>
+        <p:nvSpPr>
+          <p:cNvPr id="2" name="Title 1">
+            <a:extLst>
+              <a:ext uri="{FF2B5EF4-FFF2-40B4-BE49-F238E27FC236}">
                 <a16:creationId xmlns:a16="http://schemas.microsoft.com/office/drawing/2014/main" id="{1875DF31-63A8-3600-CFA1-4950003950BA}"/>
               </a:ext>
             </a:extLst>
@@ -4591,7 +5718,7 @@
 </p:sld>
 </file>
 
-<file path=ppt/slides/slide11.xml><?xml version="1.0" encoding="utf-8"?>
+<file path=ppt/slides/slide15.xml><?xml version="1.0" encoding="utf-8"?>
 <p:sld xmlns:a="http://schemas.openxmlformats.org/drawingml/2006/main" xmlns:r="http://schemas.openxmlformats.org/officeDocument/2006/relationships" xmlns:p="http://schemas.openxmlformats.org/presentationml/2006/main">
   <p:cSld>
     <p:spTree>
@@ -4756,7 +5883,13 @@
       </p:grpSpPr>
       <p:sp>
         <p:nvSpPr>
-          <p:cNvPr id="12" name="Title 11"/>
+          <p:cNvPr id="2" name="Title 1">
+            <a:extLst>
+              <a:ext uri="{FF2B5EF4-FFF2-40B4-BE49-F238E27FC236}">
+                <a16:creationId xmlns:a16="http://schemas.microsoft.com/office/drawing/2014/main" id="{2B465387-4343-4BE6-3F7D-B511F0FA59F2}"/>
+              </a:ext>
+            </a:extLst>
+          </p:cNvPr>
           <p:cNvSpPr>
             <a:spLocks noGrp="1"/>
           </p:cNvSpPr>
@@ -4775,17 +5908,27 @@
                   <a:srgbClr val="FF0000"/>
                 </a:solidFill>
                 <a:latin typeface="Times New Roman" panose="02020603050405020304" pitchFamily="18" charset="0"/>
-                <a:ea typeface="Tahoma" pitchFamily="34" charset="0"/>
-                <a:cs typeface="Times New Roman" panose="02020603050405020304" pitchFamily="18" charset="0"/>
-              </a:rPr>
-              <a:t>1. Project Understanding</a:t>
-            </a:r>
-            <a:endParaRPr lang="en-IN" b="1" dirty="0">
+                <a:ea typeface="Tahoma" panose="020B0604030504040204" pitchFamily="34" charset="0"/>
+                <a:cs typeface="Times New Roman" panose="02020603050405020304" pitchFamily="18" charset="0"/>
+              </a:rPr>
+              <a:t>A</a:t>
+            </a:r>
+            <a:r>
+              <a:rPr lang="en-IN" b="1" dirty="0" err="1">
+                <a:solidFill>
+                  <a:srgbClr val="FF0000"/>
+                </a:solidFill>
+                <a:latin typeface="Times New Roman" panose="02020603050405020304" pitchFamily="18" charset="0"/>
+                <a:ea typeface="Tahoma" panose="020B0604030504040204" pitchFamily="34" charset="0"/>
+                <a:cs typeface="Times New Roman" panose="02020603050405020304" pitchFamily="18" charset="0"/>
+              </a:rPr>
+              <a:t>genda</a:t>
+            </a:r>
+            <a:endParaRPr lang="en-IN" dirty="0">
               <a:solidFill>
                 <a:srgbClr val="FF0000"/>
               </a:solidFill>
               <a:latin typeface="Times New Roman" panose="02020603050405020304" pitchFamily="18" charset="0"/>
-              <a:ea typeface="Tahoma" pitchFamily="34" charset="0"/>
               <a:cs typeface="Times New Roman" panose="02020603050405020304" pitchFamily="18" charset="0"/>
             </a:endParaRPr>
           </a:p>
@@ -4793,10 +5936,187 @@
       </p:sp>
       <p:sp>
         <p:nvSpPr>
-          <p:cNvPr id="2" name="TextBox 1">
+          <p:cNvPr id="3" name="Text Placeholder 2">
             <a:extLst>
               <a:ext uri="{FF2B5EF4-FFF2-40B4-BE49-F238E27FC236}">
-                <a16:creationId xmlns:a16="http://schemas.microsoft.com/office/drawing/2014/main" id="{ADCCB15D-46FC-8864-F56C-AF8F8273423C}"/>
+                <a16:creationId xmlns:a16="http://schemas.microsoft.com/office/drawing/2014/main" id="{655D6F9E-25D8-8C79-739F-C4A59D52C2D8}"/>
+              </a:ext>
+            </a:extLst>
+          </p:cNvPr>
+          <p:cNvSpPr>
+            <a:spLocks noGrp="1"/>
+          </p:cNvSpPr>
+          <p:nvPr>
+            <p:ph type="body" sz="quarter" idx="13"/>
+          </p:nvPr>
+        </p:nvSpPr>
+        <p:spPr>
+          <a:xfrm>
+            <a:off x="762000" y="1981200"/>
+            <a:ext cx="6934200" cy="2684653"/>
+          </a:xfrm>
+        </p:spPr>
+        <p:txBody>
+          <a:bodyPr/>
+          <a:lstStyle/>
+          <a:p>
+            <a:pPr marL="285750" indent="-285750">
+              <a:spcBef>
+                <a:spcPts val="1200"/>
+              </a:spcBef>
+              <a:spcAft>
+                <a:spcPts val="600"/>
+              </a:spcAft>
+              <a:buFont typeface="Wingdings" panose="05000000000000000000" pitchFamily="2" charset="2"/>
+              <a:buChar char="q"/>
+            </a:pPr>
+            <a:r>
+              <a:rPr lang="en-IN" sz="2000" b="1" dirty="0">
+                <a:solidFill>
+                  <a:schemeClr val="tx1"/>
+                </a:solidFill>
+                <a:latin typeface="Times New Roman" panose="02020603050405020304" pitchFamily="18" charset="0"/>
+                <a:cs typeface="Times New Roman" panose="02020603050405020304" pitchFamily="18" charset="0"/>
+              </a:rPr>
+              <a:t>Project Understanding (MMS)	</a:t>
+            </a:r>
+          </a:p>
+          <a:p>
+            <a:pPr marL="285750" indent="-285750">
+              <a:spcBef>
+                <a:spcPts val="1200"/>
+              </a:spcBef>
+              <a:spcAft>
+                <a:spcPts val="600"/>
+              </a:spcAft>
+              <a:buFont typeface="Wingdings" panose="05000000000000000000" pitchFamily="2" charset="2"/>
+              <a:buChar char="q"/>
+            </a:pPr>
+            <a:r>
+              <a:rPr lang="en-US" sz="2000" b="1" dirty="0">
+                <a:solidFill>
+                  <a:schemeClr val="tx1"/>
+                </a:solidFill>
+                <a:latin typeface="Times New Roman" panose="02020603050405020304" pitchFamily="18" charset="0"/>
+                <a:ea typeface="Tahoma" panose="020B0604030504040204" pitchFamily="34" charset="0"/>
+                <a:cs typeface="Times New Roman" panose="02020603050405020304" pitchFamily="18" charset="0"/>
+              </a:rPr>
+              <a:t>What I Have Learnt? </a:t>
+            </a:r>
+            <a:r>
+              <a:rPr lang="en-IN" sz="2000" b="1" dirty="0">
+                <a:solidFill>
+                  <a:schemeClr val="tx1"/>
+                </a:solidFill>
+                <a:latin typeface="Times New Roman" panose="02020603050405020304" pitchFamily="18" charset="0"/>
+                <a:cs typeface="Times New Roman" panose="02020603050405020304" pitchFamily="18" charset="0"/>
+              </a:rPr>
+              <a:t>		</a:t>
+            </a:r>
+          </a:p>
+          <a:p>
+            <a:pPr marL="285750" indent="-285750">
+              <a:spcBef>
+                <a:spcPts val="1200"/>
+              </a:spcBef>
+              <a:spcAft>
+                <a:spcPts val="600"/>
+              </a:spcAft>
+              <a:buFont typeface="Wingdings" panose="05000000000000000000" pitchFamily="2" charset="2"/>
+              <a:buChar char="q"/>
+            </a:pPr>
+            <a:r>
+              <a:rPr lang="en-IN" sz="2000" b="1" dirty="0">
+                <a:solidFill>
+                  <a:schemeClr val="tx1"/>
+                </a:solidFill>
+                <a:latin typeface="Times New Roman" panose="02020603050405020304" pitchFamily="18" charset="0"/>
+                <a:cs typeface="Times New Roman" panose="02020603050405020304" pitchFamily="18" charset="0"/>
+              </a:rPr>
+              <a:t>Key Contributions		</a:t>
+            </a:r>
+          </a:p>
+          <a:p>
+            <a:pPr marL="285750" indent="-285750">
+              <a:spcBef>
+                <a:spcPts val="1200"/>
+              </a:spcBef>
+              <a:spcAft>
+                <a:spcPts val="600"/>
+              </a:spcAft>
+              <a:buFont typeface="Wingdings" panose="05000000000000000000" pitchFamily="2" charset="2"/>
+              <a:buChar char="q"/>
+            </a:pPr>
+            <a:r>
+              <a:rPr lang="en-US" sz="2000" b="1" dirty="0">
+                <a:solidFill>
+                  <a:schemeClr val="tx1"/>
+                </a:solidFill>
+                <a:latin typeface="Times New Roman" panose="02020603050405020304" pitchFamily="18" charset="0"/>
+                <a:ea typeface="Tahoma" panose="020B0604030504040204" pitchFamily="34" charset="0"/>
+                <a:cs typeface="Times New Roman" panose="02020603050405020304" pitchFamily="18" charset="0"/>
+              </a:rPr>
+              <a:t>Suitability of the Work</a:t>
+            </a:r>
+            <a:r>
+              <a:rPr lang="en-IN" sz="2000" b="1" dirty="0">
+                <a:solidFill>
+                  <a:schemeClr val="tx1"/>
+                </a:solidFill>
+                <a:latin typeface="Times New Roman" panose="02020603050405020304" pitchFamily="18" charset="0"/>
+                <a:cs typeface="Times New Roman" panose="02020603050405020304" pitchFamily="18" charset="0"/>
+              </a:rPr>
+              <a:t>	</a:t>
+            </a:r>
+          </a:p>
+          <a:p>
+            <a:pPr marL="285750" indent="-285750">
+              <a:spcBef>
+                <a:spcPts val="1200"/>
+              </a:spcBef>
+              <a:spcAft>
+                <a:spcPts val="600"/>
+              </a:spcAft>
+              <a:buFont typeface="Wingdings" panose="05000000000000000000" pitchFamily="2" charset="2"/>
+              <a:buChar char="q"/>
+            </a:pPr>
+            <a:r>
+              <a:rPr lang="en-IN" sz="2000" b="1" dirty="0">
+                <a:solidFill>
+                  <a:schemeClr val="tx1"/>
+                </a:solidFill>
+                <a:latin typeface="Times New Roman" panose="02020603050405020304" pitchFamily="18" charset="0"/>
+                <a:cs typeface="Times New Roman" panose="02020603050405020304" pitchFamily="18" charset="0"/>
+              </a:rPr>
+              <a:t>Technologies Used 	</a:t>
+            </a:r>
+          </a:p>
+          <a:p>
+            <a:endParaRPr lang="en-IN" sz="2000" b="1" dirty="0">
+              <a:solidFill>
+                <a:schemeClr val="tx1"/>
+              </a:solidFill>
+              <a:latin typeface="Times New Roman" panose="02020603050405020304" pitchFamily="18" charset="0"/>
+              <a:cs typeface="Times New Roman" panose="02020603050405020304" pitchFamily="18" charset="0"/>
+            </a:endParaRPr>
+          </a:p>
+          <a:p>
+            <a:endParaRPr lang="en-IN" sz="2000" b="1" dirty="0">
+              <a:solidFill>
+                <a:schemeClr val="tx1"/>
+              </a:solidFill>
+              <a:latin typeface="Times New Roman" panose="02020603050405020304" pitchFamily="18" charset="0"/>
+              <a:cs typeface="Times New Roman" panose="02020603050405020304" pitchFamily="18" charset="0"/>
+            </a:endParaRPr>
+          </a:p>
+        </p:txBody>
+      </p:sp>
+      <p:sp>
+        <p:nvSpPr>
+          <p:cNvPr id="7" name="TextBox 6">
+            <a:extLst>
+              <a:ext uri="{FF2B5EF4-FFF2-40B4-BE49-F238E27FC236}">
+                <a16:creationId xmlns:a16="http://schemas.microsoft.com/office/drawing/2014/main" id="{D4C4300D-B753-FBFF-6690-1F46275713B7}"/>
               </a:ext>
             </a:extLst>
           </p:cNvPr>
@@ -4805,8 +6125,8 @@
         </p:nvSpPr>
         <p:spPr>
           <a:xfrm>
-            <a:off x="533400" y="1524000"/>
-            <a:ext cx="1905000" cy="400110"/>
+            <a:off x="457200" y="1447800"/>
+            <a:ext cx="4572000" cy="369332"/>
           </a:xfrm>
           <a:prstGeom prst="rect">
             <a:avLst/>
@@ -4820,22 +6140,14 @@
           <a:lstStyle/>
           <a:p>
             <a:r>
-              <a:rPr lang="en-US" sz="2000" b="1" dirty="0">
-                <a:solidFill>
-                  <a:srgbClr val="002060"/>
-                </a:solidFill>
-                <a:latin typeface="Times New Roman" panose="02020603050405020304" pitchFamily="18" charset="0"/>
-                <a:ea typeface="Tahoma" panose="020B0604030504040204" pitchFamily="34" charset="0"/>
-                <a:cs typeface="Times New Roman" panose="02020603050405020304" pitchFamily="18" charset="0"/>
-              </a:rPr>
-              <a:t>Overview</a:t>
-            </a:r>
-            <a:endParaRPr lang="en-IN" sz="2000" b="1" dirty="0">
-              <a:solidFill>
-                <a:srgbClr val="002060"/>
-              </a:solidFill>
+              <a:rPr lang="en-US" b="1" dirty="0">
+                <a:latin typeface="Times New Roman" panose="02020603050405020304" pitchFamily="18" charset="0"/>
+                <a:cs typeface="Times New Roman" panose="02020603050405020304" pitchFamily="18" charset="0"/>
+              </a:rPr>
+              <a:t>MILITARY MESSAGING SYSTEM</a:t>
+            </a:r>
+            <a:endParaRPr lang="en-IN" b="1" dirty="0">
               <a:latin typeface="Times New Roman" panose="02020603050405020304" pitchFamily="18" charset="0"/>
-              <a:ea typeface="Tahoma" panose="020B0604030504040204" pitchFamily="34" charset="0"/>
               <a:cs typeface="Times New Roman" panose="02020603050405020304" pitchFamily="18" charset="0"/>
             </a:endParaRPr>
           </a:p>
@@ -4843,10 +6155,10 @@
       </p:sp>
       <p:sp>
         <p:nvSpPr>
-          <p:cNvPr id="3" name="TextBox 2">
+          <p:cNvPr id="8" name="TextBox 7">
             <a:extLst>
               <a:ext uri="{FF2B5EF4-FFF2-40B4-BE49-F238E27FC236}">
-                <a16:creationId xmlns:a16="http://schemas.microsoft.com/office/drawing/2014/main" id="{93E3E7F2-2807-616A-282D-FFE98A47881A}"/>
+                <a16:creationId xmlns:a16="http://schemas.microsoft.com/office/drawing/2014/main" id="{065F594C-66EF-7F8F-CC6C-2B8675F0DA14}"/>
               </a:ext>
             </a:extLst>
           </p:cNvPr>
@@ -4855,8 +6167,8 @@
         </p:nvSpPr>
         <p:spPr>
           <a:xfrm>
-            <a:off x="914400" y="2667000"/>
-            <a:ext cx="7467600" cy="1477328"/>
+            <a:off x="457200" y="4671537"/>
+            <a:ext cx="5715000" cy="369332"/>
           </a:xfrm>
           <a:prstGeom prst="rect">
             <a:avLst/>
@@ -4870,28 +6182,135 @@
           <a:lstStyle/>
           <a:p>
             <a:r>
-              <a:rPr lang="en-US" dirty="0">
-                <a:solidFill>
-                  <a:srgbClr val="0070C0"/>
-                </a:solidFill>
-                <a:latin typeface="Times New Roman" panose="02020603050405020304" pitchFamily="18" charset="0"/>
-                <a:ea typeface="Tahoma" panose="020B0604030504040204" pitchFamily="34" charset="0"/>
-                <a:cs typeface="Times New Roman" panose="02020603050405020304" pitchFamily="18" charset="0"/>
-              </a:rPr>
-              <a:t>The Military Messaging System (MMS) is a centralized and secure enterprise-grade communication platform designed to manage official email, tasks, and calendar operations. It ensures strict control over security, workflow tracking, storage quotas, and folder management, making communication reliable and easy to manage across the organization</a:t>
-            </a:r>
-            <a:endParaRPr lang="en-IN" dirty="0">
-              <a:solidFill>
-                <a:srgbClr val="0070C0"/>
-              </a:solidFill>
+              <a:rPr lang="en-US" b="1" dirty="0">
+                <a:latin typeface="Times New Roman" panose="02020603050405020304" pitchFamily="18" charset="0"/>
+                <a:cs typeface="Times New Roman" panose="02020603050405020304" pitchFamily="18" charset="0"/>
+              </a:rPr>
+              <a:t>ERP(Current Working Project)</a:t>
+            </a:r>
+            <a:endParaRPr lang="en-IN" b="1" dirty="0">
               <a:latin typeface="Times New Roman" panose="02020603050405020304" pitchFamily="18" charset="0"/>
-              <a:ea typeface="Tahoma" panose="020B0604030504040204" pitchFamily="34" charset="0"/>
               <a:cs typeface="Times New Roman" panose="02020603050405020304" pitchFamily="18" charset="0"/>
             </a:endParaRPr>
           </a:p>
         </p:txBody>
       </p:sp>
+      <p:sp>
+        <p:nvSpPr>
+          <p:cNvPr id="9" name="TextBox 8">
+            <a:extLst>
+              <a:ext uri="{FF2B5EF4-FFF2-40B4-BE49-F238E27FC236}">
+                <a16:creationId xmlns:a16="http://schemas.microsoft.com/office/drawing/2014/main" id="{1A932B61-8289-2BA1-7E78-A3CEA42A38DB}"/>
+              </a:ext>
+            </a:extLst>
+          </p:cNvPr>
+          <p:cNvSpPr txBox="1"/>
+          <p:nvPr/>
+        </p:nvSpPr>
+        <p:spPr>
+          <a:xfrm>
+            <a:off x="762000" y="5124188"/>
+            <a:ext cx="3810000" cy="1015663"/>
+          </a:xfrm>
+          <a:prstGeom prst="rect">
+            <a:avLst/>
+          </a:prstGeom>
+          <a:noFill/>
+        </p:spPr>
+        <p:txBody>
+          <a:bodyPr wrap="square" rtlCol="0">
+            <a:spAutoFit/>
+          </a:bodyPr>
+          <a:lstStyle/>
+          <a:p>
+            <a:pPr marL="285750" indent="-285750">
+              <a:buFont typeface="Wingdings" panose="05000000000000000000" pitchFamily="2" charset="2"/>
+              <a:buChar char="q"/>
+            </a:pPr>
+            <a:r>
+              <a:rPr lang="en-US" sz="2000" b="1" dirty="0">
+                <a:latin typeface="Times New Roman" panose="02020603050405020304" pitchFamily="18" charset="0"/>
+                <a:cs typeface="Times New Roman" panose="02020603050405020304" pitchFamily="18" charset="0"/>
+              </a:rPr>
+              <a:t>Swagger API Documentation</a:t>
+            </a:r>
+          </a:p>
+          <a:p>
+            <a:pPr marL="285750" indent="-285750">
+              <a:buFont typeface="Wingdings" panose="05000000000000000000" pitchFamily="2" charset="2"/>
+              <a:buChar char="q"/>
+            </a:pPr>
+            <a:r>
+              <a:rPr lang="en-US" sz="2000" b="1" dirty="0">
+                <a:latin typeface="Times New Roman" panose="02020603050405020304" pitchFamily="18" charset="0"/>
+                <a:cs typeface="Times New Roman" panose="02020603050405020304" pitchFamily="18" charset="0"/>
+              </a:rPr>
+              <a:t>Exploring ERP Modules</a:t>
+            </a:r>
+          </a:p>
+          <a:p>
+            <a:pPr marL="285750" indent="-285750">
+              <a:buFont typeface="Wingdings" panose="05000000000000000000" pitchFamily="2" charset="2"/>
+              <a:buChar char="q"/>
+            </a:pPr>
+            <a:endParaRPr lang="en-IN" sz="2000" b="1" dirty="0">
+              <a:latin typeface="Times New Roman" panose="02020603050405020304" pitchFamily="18" charset="0"/>
+              <a:cs typeface="Times New Roman" panose="02020603050405020304" pitchFamily="18" charset="0"/>
+            </a:endParaRPr>
+          </a:p>
+        </p:txBody>
+      </p:sp>
+      <p:sp>
+        <p:nvSpPr>
+          <p:cNvPr id="10" name="AutoShape 2" descr="User uploaded image">
+            <a:extLst>
+              <a:ext uri="{FF2B5EF4-FFF2-40B4-BE49-F238E27FC236}">
+                <a16:creationId xmlns:a16="http://schemas.microsoft.com/office/drawing/2014/main" id="{86A90FF1-541A-5424-3F71-7D6C7B6F7587}"/>
+              </a:ext>
+            </a:extLst>
+          </p:cNvPr>
+          <p:cNvSpPr>
+            <a:spLocks noChangeAspect="1" noChangeArrowheads="1"/>
+          </p:cNvSpPr>
+          <p:nvPr/>
+        </p:nvSpPr>
+        <p:spPr bwMode="auto">
+          <a:xfrm>
+            <a:off x="4419600" y="3276600"/>
+            <a:ext cx="304800" cy="304800"/>
+          </a:xfrm>
+          <a:prstGeom prst="rect">
+            <a:avLst/>
+          </a:prstGeom>
+          <a:noFill/>
+          <a:extLst>
+            <a:ext uri="{909E8E84-426E-40DD-AFC4-6F175D3DCCD1}">
+              <a14:hiddenFill xmlns:a14="http://schemas.microsoft.com/office/drawing/2010/main">
+                <a:solidFill>
+                  <a:srgbClr val="FFFFFF"/>
+                </a:solidFill>
+              </a14:hiddenFill>
+            </a:ext>
+          </a:extLst>
+        </p:spPr>
+        <p:txBody>
+          <a:bodyPr vert="horz" wrap="square" lIns="91440" tIns="45720" rIns="91440" bIns="45720" numCol="1" anchor="t" anchorCtr="0" compatLnSpc="1">
+            <a:prstTxWarp prst="textNoShape">
+              <a:avLst/>
+            </a:prstTxWarp>
+          </a:bodyPr>
+          <a:lstStyle/>
+          <a:p>
+            <a:endParaRPr lang="en-IN"/>
+          </a:p>
+        </p:txBody>
+      </p:sp>
     </p:spTree>
+    <p:extLst>
+      <p:ext uri="{BB962C8B-B14F-4D97-AF65-F5344CB8AC3E}">
+        <p14:creationId xmlns:p14="http://schemas.microsoft.com/office/powerpoint/2010/main" val="3420118811"/>
+      </p:ext>
+    </p:extLst>
   </p:cSld>
   <p:clrMapOvr>
     <a:masterClrMapping/>
@@ -4921,13 +6340,7 @@
       </p:grpSpPr>
       <p:sp>
         <p:nvSpPr>
-          <p:cNvPr id="2" name="Title 1">
-            <a:extLst>
-              <a:ext uri="{FF2B5EF4-FFF2-40B4-BE49-F238E27FC236}">
-                <a16:creationId xmlns:a16="http://schemas.microsoft.com/office/drawing/2014/main" id="{BD5696A4-0864-271B-7F5B-13B9F442F42A}"/>
-              </a:ext>
-            </a:extLst>
-          </p:cNvPr>
+          <p:cNvPr id="12" name="Title 11"/>
           <p:cNvSpPr>
             <a:spLocks noGrp="1"/>
           </p:cNvSpPr>
@@ -4949,13 +6362,14 @@
                 <a:ea typeface="Tahoma" pitchFamily="34" charset="0"/>
                 <a:cs typeface="Times New Roman" panose="02020603050405020304" pitchFamily="18" charset="0"/>
               </a:rPr>
-              <a:t>Project Understanding contd..</a:t>
-            </a:r>
-            <a:endParaRPr lang="en-IN" dirty="0">
+              <a:t>1. Project Understanding</a:t>
+            </a:r>
+            <a:endParaRPr lang="en-IN" b="1" dirty="0">
               <a:solidFill>
                 <a:srgbClr val="FF0000"/>
               </a:solidFill>
               <a:latin typeface="Times New Roman" panose="02020603050405020304" pitchFamily="18" charset="0"/>
+              <a:ea typeface="Tahoma" pitchFamily="34" charset="0"/>
               <a:cs typeface="Times New Roman" panose="02020603050405020304" pitchFamily="18" charset="0"/>
             </a:endParaRPr>
           </a:p>
@@ -4963,28 +6377,30 @@
       </p:sp>
       <p:sp>
         <p:nvSpPr>
-          <p:cNvPr id="3" name="Text Placeholder 2">
+          <p:cNvPr id="2" name="TextBox 1">
             <a:extLst>
               <a:ext uri="{FF2B5EF4-FFF2-40B4-BE49-F238E27FC236}">
-                <a16:creationId xmlns:a16="http://schemas.microsoft.com/office/drawing/2014/main" id="{82B90477-BBE0-23DB-B547-D669430980C4}"/>
+                <a16:creationId xmlns:a16="http://schemas.microsoft.com/office/drawing/2014/main" id="{ADCCB15D-46FC-8864-F56C-AF8F8273423C}"/>
               </a:ext>
             </a:extLst>
           </p:cNvPr>
-          <p:cNvSpPr>
-            <a:spLocks noGrp="1"/>
-          </p:cNvSpPr>
-          <p:nvPr>
-            <p:ph type="body" sz="quarter" idx="10"/>
-          </p:nvPr>
+          <p:cNvSpPr txBox="1"/>
+          <p:nvPr/>
         </p:nvSpPr>
         <p:spPr>
           <a:xfrm>
-            <a:off x="335026" y="1295400"/>
-            <a:ext cx="7016750" cy="436562"/>
+            <a:off x="533400" y="1524000"/>
+            <a:ext cx="1905000" cy="400110"/>
           </a:xfrm>
+          <a:prstGeom prst="rect">
+            <a:avLst/>
+          </a:prstGeom>
+          <a:noFill/>
         </p:spPr>
         <p:txBody>
-          <a:bodyPr/>
+          <a:bodyPr wrap="square" rtlCol="0">
+            <a:spAutoFit/>
+          </a:bodyPr>
           <a:lstStyle/>
           <a:p>
             <a:r>
@@ -4996,9 +6412,9 @@
                 <a:ea typeface="Tahoma" panose="020B0604030504040204" pitchFamily="34" charset="0"/>
                 <a:cs typeface="Times New Roman" panose="02020603050405020304" pitchFamily="18" charset="0"/>
               </a:rPr>
-              <a:t>Key Objectives of the Project </a:t>
-            </a:r>
-            <a:endParaRPr lang="en-IN" sz="2000" dirty="0">
+              <a:t>Overview</a:t>
+            </a:r>
+            <a:endParaRPr lang="en-IN" sz="2000" b="1" dirty="0">
               <a:solidFill>
                 <a:srgbClr val="002060"/>
               </a:solidFill>
@@ -5011,10 +6427,10 @@
       </p:sp>
       <p:sp>
         <p:nvSpPr>
-          <p:cNvPr id="4" name="TextBox 3">
+          <p:cNvPr id="3" name="TextBox 2">
             <a:extLst>
               <a:ext uri="{FF2B5EF4-FFF2-40B4-BE49-F238E27FC236}">
-                <a16:creationId xmlns:a16="http://schemas.microsoft.com/office/drawing/2014/main" id="{446405BB-E58E-E7B7-CE0A-E43795FC560C}"/>
+                <a16:creationId xmlns:a16="http://schemas.microsoft.com/office/drawing/2014/main" id="{93E3E7F2-2807-616A-282D-FFE98A47881A}"/>
               </a:ext>
             </a:extLst>
           </p:cNvPr>
@@ -5023,8 +6439,8 @@
         </p:nvSpPr>
         <p:spPr>
           <a:xfrm>
-            <a:off x="493776" y="1905000"/>
-            <a:ext cx="7848600" cy="4524315"/>
+            <a:off x="914400" y="2667000"/>
+            <a:ext cx="7467600" cy="1477328"/>
           </a:xfrm>
           <a:prstGeom prst="rect">
             <a:avLst/>
@@ -5037,12 +6453,8 @@
           </a:bodyPr>
           <a:lstStyle/>
           <a:p>
-            <a:pPr marL="285750" indent="-285750">
-              <a:buFont typeface="Wingdings" panose="05000000000000000000" pitchFamily="2" charset="2"/>
-              <a:buChar char="q"/>
-            </a:pPr>
-            <a:r>
-              <a:rPr lang="en-IN" dirty="0">
+            <a:r>
+              <a:rPr lang="en-US" dirty="0">
                 <a:solidFill>
                   <a:srgbClr val="0070C0"/>
                 </a:solidFill>
@@ -5050,14 +6462,8 @@
                 <a:ea typeface="Tahoma" panose="020B0604030504040204" pitchFamily="34" charset="0"/>
                 <a:cs typeface="Times New Roman" panose="02020603050405020304" pitchFamily="18" charset="0"/>
               </a:rPr>
-              <a:t>Secure email communication using Postfix , Dovecot configurations and IMAP and LDAP authentication</a:t>
-            </a:r>
-          </a:p>
-          <a:p>
-            <a:pPr marL="285750" indent="-285750">
-              <a:buFont typeface="Wingdings" panose="05000000000000000000" pitchFamily="2" charset="2"/>
-              <a:buChar char="q"/>
-            </a:pPr>
+              <a:t>The Military Messaging System (MMS) is a centralized and secure enterprise-grade communication platform designed to manage official email, tasks, and calendar operations. It ensures strict control over security, workflow tracking, storage quotas, and folder management, making communication reliable and easy to manage across the organization</a:t>
+            </a:r>
             <a:endParaRPr lang="en-IN" dirty="0">
               <a:solidFill>
                 <a:srgbClr val="0070C0"/>
@@ -5067,178 +6473,9 @@
               <a:cs typeface="Times New Roman" panose="02020603050405020304" pitchFamily="18" charset="0"/>
             </a:endParaRPr>
           </a:p>
-          <a:p>
-            <a:pPr marL="285750" indent="-285750">
-              <a:buFont typeface="Wingdings" panose="05000000000000000000" pitchFamily="2" charset="2"/>
-              <a:buChar char="q"/>
-            </a:pPr>
-            <a:r>
-              <a:rPr lang="en-IN" dirty="0">
-                <a:solidFill>
-                  <a:srgbClr val="0070C0"/>
-                </a:solidFill>
-                <a:latin typeface="Times New Roman" panose="02020603050405020304" pitchFamily="18" charset="0"/>
-                <a:ea typeface="Tahoma" panose="020B0604030504040204" pitchFamily="34" charset="0"/>
-                <a:cs typeface="Times New Roman" panose="02020603050405020304" pitchFamily="18" charset="0"/>
-              </a:rPr>
-              <a:t> Efficient mailbox management (Inbox, Drafts, Sent, Trash, Archive, Custom Folders) </a:t>
-            </a:r>
-          </a:p>
-          <a:p>
-            <a:pPr marL="285750" indent="-285750">
-              <a:buFont typeface="Wingdings" panose="05000000000000000000" pitchFamily="2" charset="2"/>
-              <a:buChar char="q"/>
-            </a:pPr>
-            <a:endParaRPr lang="en-IN" dirty="0">
-              <a:solidFill>
-                <a:srgbClr val="0070C0"/>
-              </a:solidFill>
-              <a:latin typeface="Times New Roman" panose="02020603050405020304" pitchFamily="18" charset="0"/>
-              <a:ea typeface="Tahoma" panose="020B0604030504040204" pitchFamily="34" charset="0"/>
-              <a:cs typeface="Times New Roman" panose="02020603050405020304" pitchFamily="18" charset="0"/>
-            </a:endParaRPr>
-          </a:p>
-          <a:p>
-            <a:pPr marL="285750" indent="-285750">
-              <a:buFont typeface="Wingdings" panose="05000000000000000000" pitchFamily="2" charset="2"/>
-              <a:buChar char="q"/>
-            </a:pPr>
-            <a:r>
-              <a:rPr lang="en-IN" dirty="0">
-                <a:solidFill>
-                  <a:srgbClr val="0070C0"/>
-                </a:solidFill>
-                <a:latin typeface="Times New Roman" panose="02020603050405020304" pitchFamily="18" charset="0"/>
-                <a:ea typeface="Tahoma" panose="020B0604030504040204" pitchFamily="34" charset="0"/>
-                <a:cs typeface="Times New Roman" panose="02020603050405020304" pitchFamily="18" charset="0"/>
-              </a:rPr>
-              <a:t>Accurate mailbox quota calculation and enforcement </a:t>
-            </a:r>
-          </a:p>
-          <a:p>
-            <a:pPr marL="285750" indent="-285750">
-              <a:buFont typeface="Wingdings" panose="05000000000000000000" pitchFamily="2" charset="2"/>
-              <a:buChar char="q"/>
-            </a:pPr>
-            <a:endParaRPr lang="en-IN" dirty="0">
-              <a:solidFill>
-                <a:srgbClr val="0070C0"/>
-              </a:solidFill>
-              <a:latin typeface="Times New Roman" panose="02020603050405020304" pitchFamily="18" charset="0"/>
-              <a:ea typeface="Tahoma" panose="020B0604030504040204" pitchFamily="34" charset="0"/>
-              <a:cs typeface="Times New Roman" panose="02020603050405020304" pitchFamily="18" charset="0"/>
-            </a:endParaRPr>
-          </a:p>
-          <a:p>
-            <a:pPr marL="285750" indent="-285750">
-              <a:buFont typeface="Wingdings" panose="05000000000000000000" pitchFamily="2" charset="2"/>
-              <a:buChar char="q"/>
-            </a:pPr>
-            <a:r>
-              <a:rPr lang="en-IN" dirty="0">
-                <a:solidFill>
-                  <a:srgbClr val="0070C0"/>
-                </a:solidFill>
-                <a:latin typeface="Times New Roman" panose="02020603050405020304" pitchFamily="18" charset="0"/>
-                <a:ea typeface="Tahoma" panose="020B0604030504040204" pitchFamily="34" charset="0"/>
-                <a:cs typeface="Times New Roman" panose="02020603050405020304" pitchFamily="18" charset="0"/>
-              </a:rPr>
-              <a:t>End-to-end email workflow tracking</a:t>
-            </a:r>
-          </a:p>
-          <a:p>
-            <a:endParaRPr lang="en-IN" dirty="0">
-              <a:solidFill>
-                <a:srgbClr val="0070C0"/>
-              </a:solidFill>
-              <a:latin typeface="Times New Roman" panose="02020603050405020304" pitchFamily="18" charset="0"/>
-              <a:ea typeface="Tahoma" panose="020B0604030504040204" pitchFamily="34" charset="0"/>
-              <a:cs typeface="Times New Roman" panose="02020603050405020304" pitchFamily="18" charset="0"/>
-            </a:endParaRPr>
-          </a:p>
-          <a:p>
-            <a:pPr marL="285750" indent="-285750">
-              <a:buFont typeface="Wingdings" panose="05000000000000000000" pitchFamily="2" charset="2"/>
-              <a:buChar char="q"/>
-            </a:pPr>
-            <a:r>
-              <a:rPr lang="en-US" dirty="0">
-                <a:solidFill>
-                  <a:srgbClr val="0070C0"/>
-                </a:solidFill>
-                <a:latin typeface="Times New Roman" panose="02020603050405020304" pitchFamily="18" charset="0"/>
-                <a:ea typeface="Tahoma" panose="020B0604030504040204" pitchFamily="34" charset="0"/>
-                <a:cs typeface="Times New Roman" panose="02020603050405020304" pitchFamily="18" charset="0"/>
-              </a:rPr>
-              <a:t>Drafter -&gt; Reviewer -&gt; Approver -&gt; Designated Sender -&gt; Designated Receiver -&gt; Actual Recipients</a:t>
-            </a:r>
-          </a:p>
-          <a:p>
-            <a:endParaRPr lang="en-IN" dirty="0">
-              <a:solidFill>
-                <a:srgbClr val="0070C0"/>
-              </a:solidFill>
-              <a:latin typeface="Times New Roman" panose="02020603050405020304" pitchFamily="18" charset="0"/>
-              <a:ea typeface="Tahoma" panose="020B0604030504040204" pitchFamily="34" charset="0"/>
-              <a:cs typeface="Times New Roman" panose="02020603050405020304" pitchFamily="18" charset="0"/>
-            </a:endParaRPr>
-          </a:p>
-          <a:p>
-            <a:pPr marL="285750" indent="-285750">
-              <a:buFont typeface="Wingdings" panose="05000000000000000000" pitchFamily="2" charset="2"/>
-              <a:buChar char="q"/>
-            </a:pPr>
-            <a:r>
-              <a:rPr lang="en-IN" dirty="0">
-                <a:solidFill>
-                  <a:srgbClr val="0070C0"/>
-                </a:solidFill>
-                <a:latin typeface="Times New Roman" panose="02020603050405020304" pitchFamily="18" charset="0"/>
-                <a:ea typeface="Tahoma" panose="020B0604030504040204" pitchFamily="34" charset="0"/>
-                <a:cs typeface="Times New Roman" panose="02020603050405020304" pitchFamily="18" charset="0"/>
-              </a:rPr>
-              <a:t>Long-term archival of emails into a database </a:t>
-            </a:r>
-          </a:p>
-          <a:p>
-            <a:pPr marL="285750" indent="-285750">
-              <a:buFont typeface="Wingdings" panose="05000000000000000000" pitchFamily="2" charset="2"/>
-              <a:buChar char="q"/>
-            </a:pPr>
-            <a:endParaRPr lang="en-IN" dirty="0">
-              <a:solidFill>
-                <a:srgbClr val="0070C0"/>
-              </a:solidFill>
-              <a:latin typeface="Times New Roman" panose="02020603050405020304" pitchFamily="18" charset="0"/>
-              <a:ea typeface="Tahoma" panose="020B0604030504040204" pitchFamily="34" charset="0"/>
-              <a:cs typeface="Times New Roman" panose="02020603050405020304" pitchFamily="18" charset="0"/>
-            </a:endParaRPr>
-          </a:p>
-          <a:p>
-            <a:pPr marL="285750" indent="-285750">
-              <a:buFont typeface="Wingdings" panose="05000000000000000000" pitchFamily="2" charset="2"/>
-              <a:buChar char="q"/>
-            </a:pPr>
-            <a:r>
-              <a:rPr lang="en-IN" dirty="0">
-                <a:solidFill>
-                  <a:srgbClr val="0070C0"/>
-                </a:solidFill>
-                <a:latin typeface="Times New Roman" panose="02020603050405020304" pitchFamily="18" charset="0"/>
-                <a:ea typeface="Tahoma" panose="020B0604030504040204" pitchFamily="34" charset="0"/>
-                <a:cs typeface="Times New Roman" panose="02020603050405020304" pitchFamily="18" charset="0"/>
-              </a:rPr>
-              <a:t>Integrated user task and calendar management </a:t>
-            </a:r>
-          </a:p>
         </p:txBody>
       </p:sp>
     </p:spTree>
-    <p:extLst>
-      <p:ext uri="{BB962C8B-B14F-4D97-AF65-F5344CB8AC3E}">
-        <p14:creationId xmlns:p14="http://schemas.microsoft.com/office/powerpoint/2010/main" val="3763706006"/>
-      </p:ext>
-    </p:extLst>
   </p:cSld>
   <p:clrMapOvr>
     <a:masterClrMapping/>
@@ -5268,47 +6505,10 @@
       </p:grpSpPr>
       <p:sp>
         <p:nvSpPr>
-          <p:cNvPr id="2" name="Title 1"/>
-          <p:cNvSpPr>
-            <a:spLocks noGrp="1"/>
-          </p:cNvSpPr>
-          <p:nvPr>
-            <p:ph type="title"/>
-          </p:nvPr>
-        </p:nvSpPr>
-        <p:spPr/>
-        <p:txBody>
-          <a:bodyPr/>
-          <a:lstStyle/>
-          <a:p>
-            <a:r>
-              <a:rPr lang="en-US" b="1" dirty="0">
-                <a:solidFill>
-                  <a:srgbClr val="FF0000"/>
-                </a:solidFill>
-                <a:latin typeface="Times New Roman" panose="02020603050405020304" pitchFamily="18" charset="0"/>
-                <a:ea typeface="Tahoma" panose="020B0604030504040204" pitchFamily="34" charset="0"/>
-                <a:cs typeface="Times New Roman" panose="02020603050405020304" pitchFamily="18" charset="0"/>
-              </a:rPr>
-              <a:t>Project Understanding contd..</a:t>
-            </a:r>
-            <a:endParaRPr lang="en-IN" b="1" dirty="0">
-              <a:solidFill>
-                <a:srgbClr val="FF0000"/>
-              </a:solidFill>
-              <a:latin typeface="Times New Roman" panose="02020603050405020304" pitchFamily="18" charset="0"/>
-              <a:ea typeface="Tahoma" panose="020B0604030504040204" pitchFamily="34" charset="0"/>
-              <a:cs typeface="Times New Roman" panose="02020603050405020304" pitchFamily="18" charset="0"/>
-            </a:endParaRPr>
-          </a:p>
-        </p:txBody>
-      </p:sp>
-      <p:sp>
-        <p:nvSpPr>
-          <p:cNvPr id="3" name="Text Placeholder 2">
+          <p:cNvPr id="2" name="Title 1">
             <a:extLst>
               <a:ext uri="{FF2B5EF4-FFF2-40B4-BE49-F238E27FC236}">
-                <a16:creationId xmlns:a16="http://schemas.microsoft.com/office/drawing/2014/main" id="{C6572BC0-8270-A973-61A5-B80032851235}"/>
+                <a16:creationId xmlns:a16="http://schemas.microsoft.com/office/drawing/2014/main" id="{BD5696A4-0864-271B-7F5B-13B9F442F42A}"/>
               </a:ext>
             </a:extLst>
           </p:cNvPr>
@@ -5316,13 +6516,55 @@
             <a:spLocks noGrp="1"/>
           </p:cNvSpPr>
           <p:nvPr>
-            <p:ph type="body" sz="quarter" idx="13"/>
+            <p:ph type="title"/>
+          </p:nvPr>
+        </p:nvSpPr>
+        <p:spPr/>
+        <p:txBody>
+          <a:bodyPr/>
+          <a:lstStyle/>
+          <a:p>
+            <a:r>
+              <a:rPr lang="en-US" b="1" dirty="0">
+                <a:solidFill>
+                  <a:srgbClr val="FF0000"/>
+                </a:solidFill>
+                <a:latin typeface="Times New Roman" panose="02020603050405020304" pitchFamily="18" charset="0"/>
+                <a:ea typeface="Tahoma" pitchFamily="34" charset="0"/>
+                <a:cs typeface="Times New Roman" panose="02020603050405020304" pitchFamily="18" charset="0"/>
+              </a:rPr>
+              <a:t>Project Understanding contd..</a:t>
+            </a:r>
+            <a:endParaRPr lang="en-IN" dirty="0">
+              <a:solidFill>
+                <a:srgbClr val="FF0000"/>
+              </a:solidFill>
+              <a:latin typeface="Times New Roman" panose="02020603050405020304" pitchFamily="18" charset="0"/>
+              <a:cs typeface="Times New Roman" panose="02020603050405020304" pitchFamily="18" charset="0"/>
+            </a:endParaRPr>
+          </a:p>
+        </p:txBody>
+      </p:sp>
+      <p:sp>
+        <p:nvSpPr>
+          <p:cNvPr id="3" name="Text Placeholder 2">
+            <a:extLst>
+              <a:ext uri="{FF2B5EF4-FFF2-40B4-BE49-F238E27FC236}">
+                <a16:creationId xmlns:a16="http://schemas.microsoft.com/office/drawing/2014/main" id="{82B90477-BBE0-23DB-B547-D669430980C4}"/>
+              </a:ext>
+            </a:extLst>
+          </p:cNvPr>
+          <p:cNvSpPr>
+            <a:spLocks noGrp="1"/>
+          </p:cNvSpPr>
+          <p:nvPr>
+            <p:ph type="body" sz="quarter" idx="10"/>
           </p:nvPr>
         </p:nvSpPr>
         <p:spPr>
           <a:xfrm>
-            <a:off x="304800" y="1070553"/>
-            <a:ext cx="6934200" cy="457200"/>
+            <a:off x="335026" y="1295400"/>
+            <a:ext cx="7016750" cy="436562"/>
           </a:xfrm>
         </p:spPr>
         <p:txBody>
@@ -5330,7 +6572,7 @@
           <a:lstStyle/>
           <a:p>
             <a:r>
-              <a:rPr lang="en-IN" sz="2000" b="1" dirty="0">
+              <a:rPr lang="en-US" sz="2000" b="1" dirty="0">
                 <a:solidFill>
                   <a:srgbClr val="002060"/>
                 </a:solidFill>
@@ -5338,7 +6580,7 @@
                 <a:ea typeface="Tahoma" panose="020B0604030504040204" pitchFamily="34" charset="0"/>
                 <a:cs typeface="Times New Roman" panose="02020603050405020304" pitchFamily="18" charset="0"/>
               </a:rPr>
-              <a:t>System Flow (High Level) </a:t>
+              <a:t>Key Objectives of the Project </a:t>
             </a:r>
             <a:endParaRPr lang="en-IN" sz="2000" dirty="0">
               <a:solidFill>
@@ -5353,10 +6595,10 @@
       </p:sp>
       <p:sp>
         <p:nvSpPr>
-          <p:cNvPr id="7" name="TextBox 6">
+          <p:cNvPr id="4" name="TextBox 3">
             <a:extLst>
               <a:ext uri="{FF2B5EF4-FFF2-40B4-BE49-F238E27FC236}">
-                <a16:creationId xmlns:a16="http://schemas.microsoft.com/office/drawing/2014/main" id="{C9AA6155-E739-E9A6-41C7-42F1134ACBFE}"/>
+                <a16:creationId xmlns:a16="http://schemas.microsoft.com/office/drawing/2014/main" id="{446405BB-E58E-E7B7-CE0A-E43795FC560C}"/>
               </a:ext>
             </a:extLst>
           </p:cNvPr>
@@ -5365,8 +6607,8 @@
         </p:nvSpPr>
         <p:spPr>
           <a:xfrm>
-            <a:off x="685800" y="1607706"/>
-            <a:ext cx="6172200" cy="3693319"/>
+            <a:off x="493776" y="1905000"/>
+            <a:ext cx="7848600" cy="4524315"/>
           </a:xfrm>
           <a:prstGeom prst="rect">
             <a:avLst/>
@@ -5392,7 +6634,7 @@
                 <a:ea typeface="Tahoma" panose="020B0604030504040204" pitchFamily="34" charset="0"/>
                 <a:cs typeface="Times New Roman" panose="02020603050405020304" pitchFamily="18" charset="0"/>
               </a:rPr>
-              <a:t>User Authentication via LDAP</a:t>
+              <a:t>Secure email communication using Postfix , Dovecot configurations and IMAP and LDAP authentication</a:t>
             </a:r>
           </a:p>
           <a:p>
@@ -5423,10 +6665,14 @@
                 <a:ea typeface="Tahoma" panose="020B0604030504040204" pitchFamily="34" charset="0"/>
                 <a:cs typeface="Times New Roman" panose="02020603050405020304" pitchFamily="18" charset="0"/>
               </a:rPr>
-              <a:t>Email Composition and Request Handling</a:t>
-            </a:r>
-          </a:p>
-          <a:p>
+              <a:t> Efficient mailbox management (Inbox, Drafts, Sent, Trash, Archive, Custom Folders) </a:t>
+            </a:r>
+          </a:p>
+          <a:p>
+            <a:pPr marL="285750" indent="-285750">
+              <a:buFont typeface="Wingdings" panose="05000000000000000000" pitchFamily="2" charset="2"/>
+              <a:buChar char="q"/>
+            </a:pPr>
             <a:endParaRPr lang="en-IN" dirty="0">
               <a:solidFill>
                 <a:srgbClr val="0070C0"/>
@@ -5442,7 +6688,7 @@
               <a:buChar char="q"/>
             </a:pPr>
             <a:r>
-              <a:rPr lang="en-US" dirty="0">
+              <a:rPr lang="en-IN" dirty="0">
                 <a:solidFill>
                   <a:srgbClr val="0070C0"/>
                 </a:solidFill>
@@ -5450,34 +6696,7 @@
                 <a:ea typeface="Tahoma" panose="020B0604030504040204" pitchFamily="34" charset="0"/>
                 <a:cs typeface="Times New Roman" panose="02020603050405020304" pitchFamily="18" charset="0"/>
               </a:rPr>
-              <a:t>Postfix (SMTP) handles email transmission and routing, followed by Dovecot for mailbox delivery</a:t>
-            </a:r>
-          </a:p>
-          <a:p>
-            <a:endParaRPr lang="en-US" dirty="0">
-              <a:solidFill>
-                <a:srgbClr val="0070C0"/>
-              </a:solidFill>
-              <a:latin typeface="Times New Roman" panose="02020603050405020304" pitchFamily="18" charset="0"/>
-              <a:ea typeface="Tahoma" panose="020B0604030504040204" pitchFamily="34" charset="0"/>
-              <a:cs typeface="Times New Roman" panose="02020603050405020304" pitchFamily="18" charset="0"/>
-            </a:endParaRPr>
-          </a:p>
-          <a:p>
-            <a:pPr marL="285750" indent="-285750">
-              <a:buFont typeface="Wingdings" panose="05000000000000000000" pitchFamily="2" charset="2"/>
-              <a:buChar char="q"/>
-            </a:pPr>
-            <a:r>
-              <a:rPr lang="en-IN" dirty="0">
-                <a:solidFill>
-                  <a:srgbClr val="0070C0"/>
-                </a:solidFill>
-                <a:latin typeface="Times New Roman" panose="02020603050405020304" pitchFamily="18" charset="0"/>
-                <a:ea typeface="Tahoma" panose="020B0604030504040204" pitchFamily="34" charset="0"/>
-                <a:cs typeface="Times New Roman" panose="02020603050405020304" pitchFamily="18" charset="0"/>
-              </a:rPr>
-              <a:t>Email operations via IMAP (Fetch, Save, Move, Delete)</a:t>
+              <a:t>Accurate mailbox quota calculation and enforcement </a:t>
             </a:r>
           </a:p>
           <a:p>
@@ -5508,7 +6727,7 @@
                 <a:ea typeface="Tahoma" panose="020B0604030504040204" pitchFamily="34" charset="0"/>
                 <a:cs typeface="Times New Roman" panose="02020603050405020304" pitchFamily="18" charset="0"/>
               </a:rPr>
-              <a:t>Quota calculations using Dovecot configuration, IMAP Quota APIs</a:t>
+              <a:t>End-to-end email workflow tracking</a:t>
             </a:r>
           </a:p>
           <a:p>
@@ -5527,6 +6746,33 @@
               <a:buChar char="q"/>
             </a:pPr>
             <a:r>
+              <a:rPr lang="en-US" dirty="0">
+                <a:solidFill>
+                  <a:srgbClr val="0070C0"/>
+                </a:solidFill>
+                <a:latin typeface="Times New Roman" panose="02020603050405020304" pitchFamily="18" charset="0"/>
+                <a:ea typeface="Tahoma" panose="020B0604030504040204" pitchFamily="34" charset="0"/>
+                <a:cs typeface="Times New Roman" panose="02020603050405020304" pitchFamily="18" charset="0"/>
+              </a:rPr>
+              <a:t>Drafter -&gt; Reviewer -&gt; Approver -&gt; Designated Sender -&gt; Designated Receiver -&gt; Actual Recipients</a:t>
+            </a:r>
+          </a:p>
+          <a:p>
+            <a:endParaRPr lang="en-IN" dirty="0">
+              <a:solidFill>
+                <a:srgbClr val="0070C0"/>
+              </a:solidFill>
+              <a:latin typeface="Times New Roman" panose="02020603050405020304" pitchFamily="18" charset="0"/>
+              <a:ea typeface="Tahoma" panose="020B0604030504040204" pitchFamily="34" charset="0"/>
+              <a:cs typeface="Times New Roman" panose="02020603050405020304" pitchFamily="18" charset="0"/>
+            </a:endParaRPr>
+          </a:p>
+          <a:p>
+            <a:pPr marL="285750" indent="-285750">
+              <a:buFont typeface="Wingdings" panose="05000000000000000000" pitchFamily="2" charset="2"/>
+              <a:buChar char="q"/>
+            </a:pPr>
+            <a:r>
               <a:rPr lang="en-IN" dirty="0">
                 <a:solidFill>
                   <a:srgbClr val="0070C0"/>
@@ -5535,7 +6781,38 @@
                 <a:ea typeface="Tahoma" panose="020B0604030504040204" pitchFamily="34" charset="0"/>
                 <a:cs typeface="Times New Roman" panose="02020603050405020304" pitchFamily="18" charset="0"/>
               </a:rPr>
-              <a:t>Archival to database for long-term storage </a:t>
+              <a:t>Long-term archival of emails into a database </a:t>
+            </a:r>
+          </a:p>
+          <a:p>
+            <a:pPr marL="285750" indent="-285750">
+              <a:buFont typeface="Wingdings" panose="05000000000000000000" pitchFamily="2" charset="2"/>
+              <a:buChar char="q"/>
+            </a:pPr>
+            <a:endParaRPr lang="en-IN" dirty="0">
+              <a:solidFill>
+                <a:srgbClr val="0070C0"/>
+              </a:solidFill>
+              <a:latin typeface="Times New Roman" panose="02020603050405020304" pitchFamily="18" charset="0"/>
+              <a:ea typeface="Tahoma" panose="020B0604030504040204" pitchFamily="34" charset="0"/>
+              <a:cs typeface="Times New Roman" panose="02020603050405020304" pitchFamily="18" charset="0"/>
+            </a:endParaRPr>
+          </a:p>
+          <a:p>
+            <a:pPr marL="285750" indent="-285750">
+              <a:buFont typeface="Wingdings" panose="05000000000000000000" pitchFamily="2" charset="2"/>
+              <a:buChar char="q"/>
+            </a:pPr>
+            <a:r>
+              <a:rPr lang="en-IN" dirty="0">
+                <a:solidFill>
+                  <a:srgbClr val="0070C0"/>
+                </a:solidFill>
+                <a:latin typeface="Times New Roman" panose="02020603050405020304" pitchFamily="18" charset="0"/>
+                <a:ea typeface="Tahoma" panose="020B0604030504040204" pitchFamily="34" charset="0"/>
+                <a:cs typeface="Times New Roman" panose="02020603050405020304" pitchFamily="18" charset="0"/>
+              </a:rPr>
+              <a:t>Integrated Admin template module and calendar management </a:t>
             </a:r>
           </a:p>
         </p:txBody>
@@ -5543,7 +6820,7 @@
     </p:spTree>
     <p:extLst>
       <p:ext uri="{BB962C8B-B14F-4D97-AF65-F5344CB8AC3E}">
-        <p14:creationId xmlns:p14="http://schemas.microsoft.com/office/powerpoint/2010/main" val="557960259"/>
+        <p14:creationId xmlns:p14="http://schemas.microsoft.com/office/powerpoint/2010/main" val="3763706006"/>
       </p:ext>
     </p:extLst>
   </p:cSld>
@@ -5583,12 +6860,7 @@
             <p:ph type="title"/>
           </p:nvPr>
         </p:nvSpPr>
-        <p:spPr>
-          <a:xfrm>
-            <a:off x="76200" y="152400"/>
-            <a:ext cx="6858000" cy="639762"/>
-          </a:xfrm>
-        </p:spPr>
+        <p:spPr/>
         <p:txBody>
           <a:bodyPr/>
           <a:lstStyle/>
@@ -5602,7 +6874,7 @@
                 <a:ea typeface="Tahoma" panose="020B0604030504040204" pitchFamily="34" charset="0"/>
                 <a:cs typeface="Times New Roman" panose="02020603050405020304" pitchFamily="18" charset="0"/>
               </a:rPr>
-              <a:t>2. What I Have Learnt?</a:t>
+              <a:t>Project Understanding contd..</a:t>
             </a:r>
             <a:endParaRPr lang="en-IN" b="1" dirty="0">
               <a:solidFill>
@@ -5617,10 +6889,58 @@
       </p:sp>
       <p:sp>
         <p:nvSpPr>
-          <p:cNvPr id="3" name="TextBox 2">
+          <p:cNvPr id="3" name="Text Placeholder 2">
             <a:extLst>
               <a:ext uri="{FF2B5EF4-FFF2-40B4-BE49-F238E27FC236}">
-                <a16:creationId xmlns:a16="http://schemas.microsoft.com/office/drawing/2014/main" id="{970470B1-AEC6-C7A0-B35C-C92870AC0BC1}"/>
+                <a16:creationId xmlns:a16="http://schemas.microsoft.com/office/drawing/2014/main" id="{C6572BC0-8270-A973-61A5-B80032851235}"/>
+              </a:ext>
+            </a:extLst>
+          </p:cNvPr>
+          <p:cNvSpPr>
+            <a:spLocks noGrp="1"/>
+          </p:cNvSpPr>
+          <p:nvPr>
+            <p:ph type="body" sz="quarter" idx="13"/>
+          </p:nvPr>
+        </p:nvSpPr>
+        <p:spPr>
+          <a:xfrm>
+            <a:off x="304800" y="1070553"/>
+            <a:ext cx="6934200" cy="457200"/>
+          </a:xfrm>
+        </p:spPr>
+        <p:txBody>
+          <a:bodyPr/>
+          <a:lstStyle/>
+          <a:p>
+            <a:r>
+              <a:rPr lang="en-IN" sz="2000" b="1" dirty="0">
+                <a:solidFill>
+                  <a:srgbClr val="002060"/>
+                </a:solidFill>
+                <a:latin typeface="Times New Roman" panose="02020603050405020304" pitchFamily="18" charset="0"/>
+                <a:ea typeface="Tahoma" panose="020B0604030504040204" pitchFamily="34" charset="0"/>
+                <a:cs typeface="Times New Roman" panose="02020603050405020304" pitchFamily="18" charset="0"/>
+              </a:rPr>
+              <a:t>System Flow (High Level) </a:t>
+            </a:r>
+            <a:endParaRPr lang="en-IN" sz="2000" dirty="0">
+              <a:solidFill>
+                <a:srgbClr val="002060"/>
+              </a:solidFill>
+              <a:latin typeface="Times New Roman" panose="02020603050405020304" pitchFamily="18" charset="0"/>
+              <a:ea typeface="Tahoma" panose="020B0604030504040204" pitchFamily="34" charset="0"/>
+              <a:cs typeface="Times New Roman" panose="02020603050405020304" pitchFamily="18" charset="0"/>
+            </a:endParaRPr>
+          </a:p>
+        </p:txBody>
+      </p:sp>
+      <p:sp>
+        <p:nvSpPr>
+          <p:cNvPr id="7" name="TextBox 6">
+            <a:extLst>
+              <a:ext uri="{FF2B5EF4-FFF2-40B4-BE49-F238E27FC236}">
+                <a16:creationId xmlns:a16="http://schemas.microsoft.com/office/drawing/2014/main" id="{C9AA6155-E739-E9A6-41C7-42F1134ACBFE}"/>
               </a:ext>
             </a:extLst>
           </p:cNvPr>
@@ -5629,8 +6949,8 @@
         </p:nvSpPr>
         <p:spPr>
           <a:xfrm>
-            <a:off x="304800" y="1143000"/>
-            <a:ext cx="3200400" cy="400110"/>
+            <a:off x="685800" y="1607706"/>
+            <a:ext cx="6172200" cy="3693319"/>
           </a:xfrm>
           <a:prstGeom prst="rect">
             <a:avLst/>
@@ -5643,48 +6963,6 @@
           </a:bodyPr>
           <a:lstStyle/>
           <a:p>
-            <a:r>
-              <a:rPr lang="en-IN" sz="2000" b="1" dirty="0">
-                <a:solidFill>
-                  <a:srgbClr val="002060"/>
-                </a:solidFill>
-                <a:latin typeface="Times New Roman" panose="02020603050405020304" pitchFamily="18" charset="0"/>
-                <a:ea typeface="Tahoma" panose="020B0604030504040204" pitchFamily="34" charset="0"/>
-                <a:cs typeface="Times New Roman" panose="02020603050405020304" pitchFamily="18" charset="0"/>
-              </a:rPr>
-              <a:t>Technical Learning</a:t>
-            </a:r>
-          </a:p>
-        </p:txBody>
-      </p:sp>
-      <p:sp>
-        <p:nvSpPr>
-          <p:cNvPr id="4" name="TextBox 3">
-            <a:extLst>
-              <a:ext uri="{FF2B5EF4-FFF2-40B4-BE49-F238E27FC236}">
-                <a16:creationId xmlns:a16="http://schemas.microsoft.com/office/drawing/2014/main" id="{520881A4-988C-07A6-B7C8-96168065954B}"/>
-              </a:ext>
-            </a:extLst>
-          </p:cNvPr>
-          <p:cNvSpPr txBox="1"/>
-          <p:nvPr/>
-        </p:nvSpPr>
-        <p:spPr>
-          <a:xfrm>
-            <a:off x="609600" y="1668482"/>
-            <a:ext cx="7696200" cy="3693319"/>
-          </a:xfrm>
-          <a:prstGeom prst="rect">
-            <a:avLst/>
-          </a:prstGeom>
-          <a:noFill/>
-        </p:spPr>
-        <p:txBody>
-          <a:bodyPr wrap="square" rtlCol="0">
-            <a:spAutoFit/>
-          </a:bodyPr>
-          <a:lstStyle/>
-          <a:p>
             <a:pPr marL="285750" indent="-285750">
               <a:buFont typeface="Wingdings" panose="05000000000000000000" pitchFamily="2" charset="2"/>
               <a:buChar char="q"/>
@@ -5698,7 +6976,7 @@
                 <a:ea typeface="Tahoma" panose="020B0604030504040204" pitchFamily="34" charset="0"/>
                 <a:cs typeface="Times New Roman" panose="02020603050405020304" pitchFamily="18" charset="0"/>
               </a:rPr>
-              <a:t>Hands-on experience with Postfix and Dovecot mail server configuration</a:t>
+              <a:t>User Authentication via LDAP</a:t>
             </a:r>
           </a:p>
           <a:p>
@@ -5729,7 +7007,7 @@
                 <a:ea typeface="Tahoma" panose="020B0604030504040204" pitchFamily="34" charset="0"/>
                 <a:cs typeface="Times New Roman" panose="02020603050405020304" pitchFamily="18" charset="0"/>
               </a:rPr>
-              <a:t>Deep understanding of IMAP-based mail operations (READ_WRITE mode, flags, expunge) </a:t>
+              <a:t>Email Composition and Request Handling</a:t>
             </a:r>
           </a:p>
           <a:p>
@@ -5748,6 +7026,33 @@
               <a:buChar char="q"/>
             </a:pPr>
             <a:r>
+              <a:rPr lang="en-US" dirty="0">
+                <a:solidFill>
+                  <a:srgbClr val="0070C0"/>
+                </a:solidFill>
+                <a:latin typeface="Times New Roman" panose="02020603050405020304" pitchFamily="18" charset="0"/>
+                <a:ea typeface="Tahoma" panose="020B0604030504040204" pitchFamily="34" charset="0"/>
+                <a:cs typeface="Times New Roman" panose="02020603050405020304" pitchFamily="18" charset="0"/>
+              </a:rPr>
+              <a:t>Postfix (SMTP) handles email transmission and routing, followed by Dovecot for mailbox delivery</a:t>
+            </a:r>
+          </a:p>
+          <a:p>
+            <a:endParaRPr lang="en-US" dirty="0">
+              <a:solidFill>
+                <a:srgbClr val="0070C0"/>
+              </a:solidFill>
+              <a:latin typeface="Times New Roman" panose="02020603050405020304" pitchFamily="18" charset="0"/>
+              <a:ea typeface="Tahoma" panose="020B0604030504040204" pitchFamily="34" charset="0"/>
+              <a:cs typeface="Times New Roman" panose="02020603050405020304" pitchFamily="18" charset="0"/>
+            </a:endParaRPr>
+          </a:p>
+          <a:p>
+            <a:pPr marL="285750" indent="-285750">
+              <a:buFont typeface="Wingdings" panose="05000000000000000000" pitchFamily="2" charset="2"/>
+              <a:buChar char="q"/>
+            </a:pPr>
+            <a:r>
               <a:rPr lang="en-IN" dirty="0">
                 <a:solidFill>
                   <a:srgbClr val="0070C0"/>
@@ -5756,10 +7061,14 @@
                 <a:ea typeface="Tahoma" panose="020B0604030504040204" pitchFamily="34" charset="0"/>
                 <a:cs typeface="Times New Roman" panose="02020603050405020304" pitchFamily="18" charset="0"/>
               </a:rPr>
-              <a:t> Mailbox quota handling using real-time IMAP quota APIs </a:t>
-            </a:r>
-          </a:p>
-          <a:p>
+              <a:t>Email operations via IMAP (Fetch, Save, Move, Delete)</a:t>
+            </a:r>
+          </a:p>
+          <a:p>
+            <a:pPr marL="285750" indent="-285750">
+              <a:buFont typeface="Wingdings" panose="05000000000000000000" pitchFamily="2" charset="2"/>
+              <a:buChar char="q"/>
+            </a:pPr>
             <a:endParaRPr lang="en-IN" dirty="0">
               <a:solidFill>
                 <a:srgbClr val="0070C0"/>
@@ -5775,7 +7084,7 @@
               <a:buChar char="q"/>
             </a:pPr>
             <a:r>
-              <a:rPr lang="en-US" dirty="0">
+              <a:rPr lang="en-IN" dirty="0">
                 <a:solidFill>
                   <a:srgbClr val="0070C0"/>
                 </a:solidFill>
@@ -5783,21 +7092,18 @@
                 <a:ea typeface="Tahoma" panose="020B0604030504040204" pitchFamily="34" charset="0"/>
                 <a:cs typeface="Times New Roman" panose="02020603050405020304" pitchFamily="18" charset="0"/>
               </a:rPr>
-              <a:t>MIME message creation with full email structure (From, To, CC, BCC, subject, body, headers, and attachments).</a:t>
-            </a:r>
-          </a:p>
-          <a:p>
-            <a:r>
-              <a:rPr lang="en-IN" dirty="0">
-                <a:solidFill>
-                  <a:srgbClr val="0070C0"/>
-                </a:solidFill>
-                <a:latin typeface="Times New Roman" panose="02020603050405020304" pitchFamily="18" charset="0"/>
-                <a:ea typeface="Tahoma" panose="020B0604030504040204" pitchFamily="34" charset="0"/>
-                <a:cs typeface="Times New Roman" panose="02020603050405020304" pitchFamily="18" charset="0"/>
-              </a:rPr>
-              <a:t> </a:t>
-            </a:r>
+              <a:t>Quota calculations using Dovecot configuration, IMAP Quota APIs</a:t>
+            </a:r>
+          </a:p>
+          <a:p>
+            <a:endParaRPr lang="en-IN" dirty="0">
+              <a:solidFill>
+                <a:srgbClr val="0070C0"/>
+              </a:solidFill>
+              <a:latin typeface="Times New Roman" panose="02020603050405020304" pitchFamily="18" charset="0"/>
+              <a:ea typeface="Tahoma" panose="020B0604030504040204" pitchFamily="34" charset="0"/>
+              <a:cs typeface="Times New Roman" panose="02020603050405020304" pitchFamily="18" charset="0"/>
+            </a:endParaRPr>
           </a:p>
           <a:p>
             <a:pPr marL="285750" indent="-285750">
@@ -5813,59 +7119,7 @@
                 <a:ea typeface="Tahoma" panose="020B0604030504040204" pitchFamily="34" charset="0"/>
                 <a:cs typeface="Times New Roman" panose="02020603050405020304" pitchFamily="18" charset="0"/>
               </a:rPr>
-              <a:t>Folder lifecycle management (system vs custom folders)</a:t>
-            </a:r>
-          </a:p>
-          <a:p>
-            <a:r>
-              <a:rPr lang="en-IN" dirty="0">
-                <a:solidFill>
-                  <a:srgbClr val="0070C0"/>
-                </a:solidFill>
-                <a:latin typeface="Times New Roman" panose="02020603050405020304" pitchFamily="18" charset="0"/>
-                <a:ea typeface="Tahoma" panose="020B0604030504040204" pitchFamily="34" charset="0"/>
-                <a:cs typeface="Times New Roman" panose="02020603050405020304" pitchFamily="18" charset="0"/>
-              </a:rPr>
-              <a:t> </a:t>
-            </a:r>
-          </a:p>
-          <a:p>
-            <a:pPr marL="285750" indent="-285750">
-              <a:buFont typeface="Wingdings" panose="05000000000000000000" pitchFamily="2" charset="2"/>
-              <a:buChar char="q"/>
-            </a:pPr>
-            <a:r>
-              <a:rPr lang="en-IN" dirty="0">
-                <a:solidFill>
-                  <a:srgbClr val="0070C0"/>
-                </a:solidFill>
-                <a:latin typeface="Times New Roman" panose="02020603050405020304" pitchFamily="18" charset="0"/>
-                <a:ea typeface="Tahoma" panose="020B0604030504040204" pitchFamily="34" charset="0"/>
-                <a:cs typeface="Times New Roman" panose="02020603050405020304" pitchFamily="18" charset="0"/>
-              </a:rPr>
-              <a:t>Email archival strategies (</a:t>
-            </a:r>
-            <a:r>
-              <a:rPr lang="en-IN" dirty="0" err="1">
-                <a:solidFill>
-                  <a:srgbClr val="0070C0"/>
-                </a:solidFill>
-                <a:latin typeface="Times New Roman" panose="02020603050405020304" pitchFamily="18" charset="0"/>
-                <a:ea typeface="Tahoma" panose="020B0604030504040204" pitchFamily="34" charset="0"/>
-                <a:cs typeface="Times New Roman" panose="02020603050405020304" pitchFamily="18" charset="0"/>
-              </a:rPr>
-              <a:t>Maildir</a:t>
-            </a:r>
-            <a:r>
-              <a:rPr lang="en-IN" dirty="0">
-                <a:solidFill>
-                  <a:srgbClr val="0070C0"/>
-                </a:solidFill>
-                <a:latin typeface="Times New Roman" panose="02020603050405020304" pitchFamily="18" charset="0"/>
-                <a:ea typeface="Tahoma" panose="020B0604030504040204" pitchFamily="34" charset="0"/>
-                <a:cs typeface="Times New Roman" panose="02020603050405020304" pitchFamily="18" charset="0"/>
-              </a:rPr>
-              <a:t> → Database → Restore)</a:t>
+              <a:t>Archival to database for long-term storage </a:t>
             </a:r>
           </a:p>
         </p:txBody>
@@ -5873,7 +7127,7 @@
     </p:spTree>
     <p:extLst>
       <p:ext uri="{BB962C8B-B14F-4D97-AF65-F5344CB8AC3E}">
-        <p14:creationId xmlns:p14="http://schemas.microsoft.com/office/powerpoint/2010/main" val="3153514327"/>
+        <p14:creationId xmlns:p14="http://schemas.microsoft.com/office/powerpoint/2010/main" val="557960259"/>
       </p:ext>
     </p:extLst>
   </p:cSld>
@@ -5915,7 +7169,7 @@
         </p:nvSpPr>
         <p:spPr>
           <a:xfrm>
-            <a:off x="152400" y="350838"/>
+            <a:off x="76200" y="152400"/>
             <a:ext cx="6858000" cy="639762"/>
           </a:xfrm>
         </p:spPr>
@@ -5932,9 +7186,9 @@
                 <a:ea typeface="Tahoma" panose="020B0604030504040204" pitchFamily="34" charset="0"/>
                 <a:cs typeface="Times New Roman" panose="02020603050405020304" pitchFamily="18" charset="0"/>
               </a:rPr>
-              <a:t>What I Have Learnt? Contd..</a:t>
-            </a:r>
-            <a:endParaRPr lang="en-IN" dirty="0">
+              <a:t>2. What I Have Learnt?</a:t>
+            </a:r>
+            <a:endParaRPr lang="en-IN" b="1" dirty="0">
               <a:solidFill>
                 <a:srgbClr val="FF0000"/>
               </a:solidFill>
@@ -5950,7 +7204,7 @@
           <p:cNvPr id="3" name="TextBox 2">
             <a:extLst>
               <a:ext uri="{FF2B5EF4-FFF2-40B4-BE49-F238E27FC236}">
-                <a16:creationId xmlns:a16="http://schemas.microsoft.com/office/drawing/2014/main" id="{566112F4-9972-1F63-C7DE-7E5354EFC06D}"/>
+                <a16:creationId xmlns:a16="http://schemas.microsoft.com/office/drawing/2014/main" id="{970470B1-AEC6-C7A0-B35C-C92870AC0BC1}"/>
               </a:ext>
             </a:extLst>
           </p:cNvPr>
@@ -5959,8 +7213,8 @@
         </p:nvSpPr>
         <p:spPr>
           <a:xfrm>
-            <a:off x="161544" y="1219200"/>
-            <a:ext cx="4943856" cy="400110"/>
+            <a:off x="304800" y="1143000"/>
+            <a:ext cx="3200400" cy="400110"/>
           </a:xfrm>
           <a:prstGeom prst="rect">
             <a:avLst/>
@@ -5982,25 +7236,17 @@
                 <a:ea typeface="Tahoma" panose="020B0604030504040204" pitchFamily="34" charset="0"/>
                 <a:cs typeface="Times New Roman" panose="02020603050405020304" pitchFamily="18" charset="0"/>
               </a:rPr>
-              <a:t>Architectural &amp; Process Learning</a:t>
-            </a:r>
-            <a:endParaRPr lang="en-IN" sz="2000" dirty="0">
-              <a:solidFill>
-                <a:srgbClr val="002060"/>
-              </a:solidFill>
-              <a:latin typeface="Times New Roman" panose="02020603050405020304" pitchFamily="18" charset="0"/>
-              <a:ea typeface="Tahoma" panose="020B0604030504040204" pitchFamily="34" charset="0"/>
-              <a:cs typeface="Times New Roman" panose="02020603050405020304" pitchFamily="18" charset="0"/>
-            </a:endParaRPr>
-          </a:p>
-        </p:txBody>
-      </p:sp>
-      <p:sp>
-        <p:nvSpPr>
-          <p:cNvPr id="5" name="TextBox 4">
+              <a:t>Technical Learning</a:t>
+            </a:r>
+          </a:p>
+        </p:txBody>
+      </p:sp>
+      <p:sp>
+        <p:nvSpPr>
+          <p:cNvPr id="4" name="TextBox 3">
             <a:extLst>
               <a:ext uri="{FF2B5EF4-FFF2-40B4-BE49-F238E27FC236}">
-                <a16:creationId xmlns:a16="http://schemas.microsoft.com/office/drawing/2014/main" id="{DE4E7C01-EFEF-8317-C81A-1621EC789FC1}"/>
+                <a16:creationId xmlns:a16="http://schemas.microsoft.com/office/drawing/2014/main" id="{520881A4-988C-07A6-B7C8-96168065954B}"/>
               </a:ext>
             </a:extLst>
           </p:cNvPr>
@@ -6009,8 +7255,8 @@
         </p:nvSpPr>
         <p:spPr>
           <a:xfrm>
-            <a:off x="381000" y="1676400"/>
-            <a:ext cx="7696200" cy="3970318"/>
+            <a:off x="609600" y="1668482"/>
+            <a:ext cx="7696200" cy="3693319"/>
           </a:xfrm>
           <a:prstGeom prst="rect">
             <a:avLst/>
@@ -6028,7 +7274,7 @@
               <a:buChar char="q"/>
             </a:pPr>
             <a:r>
-              <a:rPr lang="en-US" dirty="0">
+              <a:rPr lang="en-IN" dirty="0">
                 <a:solidFill>
                   <a:srgbClr val="0070C0"/>
                 </a:solidFill>
@@ -6036,7 +7282,7 @@
                 <a:ea typeface="Tahoma" panose="020B0604030504040204" pitchFamily="34" charset="0"/>
                 <a:cs typeface="Times New Roman" panose="02020603050405020304" pitchFamily="18" charset="0"/>
               </a:rPr>
-              <a:t>Understood mailbox architecture including Inbox, Sent, Drafts, Trash, Archive, and custom folders.</a:t>
+              <a:t>Hands-on experience with Postfix and Dovecot mail server configuration</a:t>
             </a:r>
           </a:p>
           <a:p>
@@ -6044,173 +7290,6 @@
               <a:buFont typeface="Wingdings" panose="05000000000000000000" pitchFamily="2" charset="2"/>
               <a:buChar char="q"/>
             </a:pPr>
-            <a:endParaRPr lang="en-US" dirty="0">
-              <a:solidFill>
-                <a:srgbClr val="0070C0"/>
-              </a:solidFill>
-              <a:latin typeface="Times New Roman" panose="02020603050405020304" pitchFamily="18" charset="0"/>
-              <a:ea typeface="Tahoma" panose="020B0604030504040204" pitchFamily="34" charset="0"/>
-              <a:cs typeface="Times New Roman" panose="02020603050405020304" pitchFamily="18" charset="0"/>
-            </a:endParaRPr>
-          </a:p>
-          <a:p>
-            <a:pPr marL="285750" indent="-285750">
-              <a:buFont typeface="Wingdings" panose="05000000000000000000" pitchFamily="2" charset="2"/>
-              <a:buChar char="q"/>
-            </a:pPr>
-            <a:r>
-              <a:rPr lang="en-US" dirty="0">
-                <a:solidFill>
-                  <a:srgbClr val="0070C0"/>
-                </a:solidFill>
-                <a:latin typeface="Times New Roman" panose="02020603050405020304" pitchFamily="18" charset="0"/>
-                <a:ea typeface="Tahoma" panose="020B0604030504040204" pitchFamily="34" charset="0"/>
-                <a:cs typeface="Times New Roman" panose="02020603050405020304" pitchFamily="18" charset="0"/>
-              </a:rPr>
-              <a:t>Designed modular service workflows to handle core email operations such as compose, save draft , fetch, save, move to folder, delete, and archive.</a:t>
-            </a:r>
-          </a:p>
-          <a:p>
-            <a:pPr marL="285750" indent="-285750">
-              <a:buFont typeface="Wingdings" panose="05000000000000000000" pitchFamily="2" charset="2"/>
-              <a:buChar char="q"/>
-            </a:pPr>
-            <a:endParaRPr lang="en-US" dirty="0">
-              <a:solidFill>
-                <a:srgbClr val="0070C0"/>
-              </a:solidFill>
-              <a:latin typeface="Times New Roman" panose="02020603050405020304" pitchFamily="18" charset="0"/>
-              <a:ea typeface="Tahoma" panose="020B0604030504040204" pitchFamily="34" charset="0"/>
-              <a:cs typeface="Times New Roman" panose="02020603050405020304" pitchFamily="18" charset="0"/>
-            </a:endParaRPr>
-          </a:p>
-          <a:p>
-            <a:pPr marL="285750" indent="-285750">
-              <a:buFont typeface="Wingdings" panose="05000000000000000000" pitchFamily="2" charset="2"/>
-              <a:buChar char="q"/>
-            </a:pPr>
-            <a:r>
-              <a:rPr lang="en-US" dirty="0">
-                <a:solidFill>
-                  <a:srgbClr val="0070C0"/>
-                </a:solidFill>
-                <a:latin typeface="Times New Roman" panose="02020603050405020304" pitchFamily="18" charset="0"/>
-                <a:ea typeface="Tahoma" panose="020B0604030504040204" pitchFamily="34" charset="0"/>
-                <a:cs typeface="Times New Roman" panose="02020603050405020304" pitchFamily="18" charset="0"/>
-              </a:rPr>
-              <a:t>Managed edge cases like missing folders, and quota limits. </a:t>
-            </a:r>
-          </a:p>
-          <a:p>
-            <a:endParaRPr lang="en-US" dirty="0">
-              <a:solidFill>
-                <a:srgbClr val="0070C0"/>
-              </a:solidFill>
-              <a:latin typeface="Times New Roman" panose="02020603050405020304" pitchFamily="18" charset="0"/>
-              <a:ea typeface="Tahoma" panose="020B0604030504040204" pitchFamily="34" charset="0"/>
-              <a:cs typeface="Times New Roman" panose="02020603050405020304" pitchFamily="18" charset="0"/>
-            </a:endParaRPr>
-          </a:p>
-          <a:p>
-            <a:pPr marL="285750" indent="-285750">
-              <a:buFont typeface="Wingdings" panose="05000000000000000000" pitchFamily="2" charset="2"/>
-              <a:buChar char="q"/>
-            </a:pPr>
-            <a:r>
-              <a:rPr lang="en-US" dirty="0">
-                <a:solidFill>
-                  <a:srgbClr val="0070C0"/>
-                </a:solidFill>
-                <a:latin typeface="Times New Roman" panose="02020603050405020304" pitchFamily="18" charset="0"/>
-                <a:ea typeface="Tahoma" panose="020B0604030504040204" pitchFamily="34" charset="0"/>
-                <a:cs typeface="Times New Roman" panose="02020603050405020304" pitchFamily="18" charset="0"/>
-              </a:rPr>
-              <a:t>Ensured consistency between mailbox (</a:t>
-            </a:r>
-            <a:r>
-              <a:rPr lang="en-US" dirty="0" err="1">
-                <a:solidFill>
-                  <a:srgbClr val="0070C0"/>
-                </a:solidFill>
-                <a:latin typeface="Times New Roman" panose="02020603050405020304" pitchFamily="18" charset="0"/>
-                <a:ea typeface="Tahoma" panose="020B0604030504040204" pitchFamily="34" charset="0"/>
-                <a:cs typeface="Times New Roman" panose="02020603050405020304" pitchFamily="18" charset="0"/>
-              </a:rPr>
-              <a:t>Maildir</a:t>
-            </a:r>
-            <a:r>
-              <a:rPr lang="en-US" dirty="0">
-                <a:solidFill>
-                  <a:srgbClr val="0070C0"/>
-                </a:solidFill>
-                <a:latin typeface="Times New Roman" panose="02020603050405020304" pitchFamily="18" charset="0"/>
-                <a:ea typeface="Tahoma" panose="020B0604030504040204" pitchFamily="34" charset="0"/>
-                <a:cs typeface="Times New Roman" panose="02020603050405020304" pitchFamily="18" charset="0"/>
-              </a:rPr>
-              <a:t>) and database during archival. </a:t>
-            </a:r>
-          </a:p>
-          <a:p>
-            <a:pPr marL="285750" indent="-285750">
-              <a:buFont typeface="Wingdings" panose="05000000000000000000" pitchFamily="2" charset="2"/>
-              <a:buChar char="q"/>
-            </a:pPr>
-            <a:endParaRPr lang="en-US" dirty="0">
-              <a:solidFill>
-                <a:srgbClr val="0070C0"/>
-              </a:solidFill>
-              <a:latin typeface="Times New Roman" panose="02020603050405020304" pitchFamily="18" charset="0"/>
-              <a:ea typeface="Tahoma" panose="020B0604030504040204" pitchFamily="34" charset="0"/>
-              <a:cs typeface="Times New Roman" panose="02020603050405020304" pitchFamily="18" charset="0"/>
-            </a:endParaRPr>
-          </a:p>
-          <a:p>
-            <a:pPr marL="285750" indent="-285750">
-              <a:buFont typeface="Wingdings" panose="05000000000000000000" pitchFamily="2" charset="2"/>
-              <a:buChar char="q"/>
-            </a:pPr>
-            <a:r>
-              <a:rPr lang="en-US" dirty="0">
-                <a:solidFill>
-                  <a:srgbClr val="0070C0"/>
-                </a:solidFill>
-                <a:latin typeface="Times New Roman" panose="02020603050405020304" pitchFamily="18" charset="0"/>
-                <a:ea typeface="Tahoma" panose="020B0604030504040204" pitchFamily="34" charset="0"/>
-                <a:cs typeface="Times New Roman" panose="02020603050405020304" pitchFamily="18" charset="0"/>
-              </a:rPr>
-              <a:t>Built clean JSON responses for smooth UI integration.</a:t>
-            </a:r>
-          </a:p>
-          <a:p>
-            <a:pPr marL="285750" indent="-285750">
-              <a:buFont typeface="Wingdings" panose="05000000000000000000" pitchFamily="2" charset="2"/>
-              <a:buChar char="q"/>
-            </a:pPr>
-            <a:endParaRPr lang="en-US" dirty="0">
-              <a:solidFill>
-                <a:srgbClr val="0070C0"/>
-              </a:solidFill>
-              <a:latin typeface="Times New Roman" panose="02020603050405020304" pitchFamily="18" charset="0"/>
-              <a:ea typeface="Tahoma" panose="020B0604030504040204" pitchFamily="34" charset="0"/>
-              <a:cs typeface="Times New Roman" panose="02020603050405020304" pitchFamily="18" charset="0"/>
-            </a:endParaRPr>
-          </a:p>
-          <a:p>
-            <a:pPr marL="285750" indent="-285750">
-              <a:buFont typeface="Wingdings" panose="05000000000000000000" pitchFamily="2" charset="2"/>
-              <a:buChar char="q"/>
-            </a:pPr>
-            <a:r>
-              <a:rPr lang="en-US" dirty="0">
-                <a:solidFill>
-                  <a:srgbClr val="0070C0"/>
-                </a:solidFill>
-                <a:latin typeface="Times New Roman" panose="02020603050405020304" pitchFamily="18" charset="0"/>
-                <a:ea typeface="Tahoma" panose="020B0604030504040204" pitchFamily="34" charset="0"/>
-                <a:cs typeface="Times New Roman" panose="02020603050405020304" pitchFamily="18" charset="0"/>
-              </a:rPr>
-              <a:t> Implemented end-to-end email workflow tracking using Message-ID.</a:t>
-            </a:r>
             <a:endParaRPr lang="en-IN" dirty="0">
               <a:solidFill>
                 <a:srgbClr val="0070C0"/>
@@ -6221,6 +7300,23 @@
             </a:endParaRPr>
           </a:p>
           <a:p>
+            <a:pPr marL="285750" indent="-285750">
+              <a:buFont typeface="Wingdings" panose="05000000000000000000" pitchFamily="2" charset="2"/>
+              <a:buChar char="q"/>
+            </a:pPr>
+            <a:r>
+              <a:rPr lang="en-IN" dirty="0">
+                <a:solidFill>
+                  <a:srgbClr val="0070C0"/>
+                </a:solidFill>
+                <a:latin typeface="Times New Roman" panose="02020603050405020304" pitchFamily="18" charset="0"/>
+                <a:ea typeface="Tahoma" panose="020B0604030504040204" pitchFamily="34" charset="0"/>
+                <a:cs typeface="Times New Roman" panose="02020603050405020304" pitchFamily="18" charset="0"/>
+              </a:rPr>
+              <a:t>Deep understanding of IMAP-based mail operations (READ_WRITE mode, flags, expunge) </a:t>
+            </a:r>
+          </a:p>
+          <a:p>
             <a:endParaRPr lang="en-IN" dirty="0">
               <a:solidFill>
                 <a:srgbClr val="0070C0"/>
@@ -6230,12 +7326,138 @@
               <a:cs typeface="Times New Roman" panose="02020603050405020304" pitchFamily="18" charset="0"/>
             </a:endParaRPr>
           </a:p>
+          <a:p>
+            <a:pPr marL="285750" indent="-285750">
+              <a:buFont typeface="Wingdings" panose="05000000000000000000" pitchFamily="2" charset="2"/>
+              <a:buChar char="q"/>
+            </a:pPr>
+            <a:r>
+              <a:rPr lang="en-IN" dirty="0">
+                <a:solidFill>
+                  <a:srgbClr val="0070C0"/>
+                </a:solidFill>
+                <a:latin typeface="Times New Roman" panose="02020603050405020304" pitchFamily="18" charset="0"/>
+                <a:ea typeface="Tahoma" panose="020B0604030504040204" pitchFamily="34" charset="0"/>
+                <a:cs typeface="Times New Roman" panose="02020603050405020304" pitchFamily="18" charset="0"/>
+              </a:rPr>
+              <a:t> Mailbox quota handling using real-time IMAP quota APIs </a:t>
+            </a:r>
+          </a:p>
+          <a:p>
+            <a:endParaRPr lang="en-IN" dirty="0">
+              <a:solidFill>
+                <a:srgbClr val="0070C0"/>
+              </a:solidFill>
+              <a:latin typeface="Times New Roman" panose="02020603050405020304" pitchFamily="18" charset="0"/>
+              <a:ea typeface="Tahoma" panose="020B0604030504040204" pitchFamily="34" charset="0"/>
+              <a:cs typeface="Times New Roman" panose="02020603050405020304" pitchFamily="18" charset="0"/>
+            </a:endParaRPr>
+          </a:p>
+          <a:p>
+            <a:pPr marL="285750" indent="-285750">
+              <a:buFont typeface="Wingdings" panose="05000000000000000000" pitchFamily="2" charset="2"/>
+              <a:buChar char="q"/>
+            </a:pPr>
+            <a:r>
+              <a:rPr lang="en-US" dirty="0">
+                <a:solidFill>
+                  <a:srgbClr val="0070C0"/>
+                </a:solidFill>
+                <a:latin typeface="Times New Roman" panose="02020603050405020304" pitchFamily="18" charset="0"/>
+                <a:ea typeface="Tahoma" panose="020B0604030504040204" pitchFamily="34" charset="0"/>
+                <a:cs typeface="Times New Roman" panose="02020603050405020304" pitchFamily="18" charset="0"/>
+              </a:rPr>
+              <a:t>MIME message creation with full email structure (From, To, CC, BCC, subject, body, headers, and attachments).</a:t>
+            </a:r>
+          </a:p>
+          <a:p>
+            <a:r>
+              <a:rPr lang="en-IN" dirty="0">
+                <a:solidFill>
+                  <a:srgbClr val="0070C0"/>
+                </a:solidFill>
+                <a:latin typeface="Times New Roman" panose="02020603050405020304" pitchFamily="18" charset="0"/>
+                <a:ea typeface="Tahoma" panose="020B0604030504040204" pitchFamily="34" charset="0"/>
+                <a:cs typeface="Times New Roman" panose="02020603050405020304" pitchFamily="18" charset="0"/>
+              </a:rPr>
+              <a:t> </a:t>
+            </a:r>
+          </a:p>
+          <a:p>
+            <a:pPr marL="285750" indent="-285750">
+              <a:buFont typeface="Wingdings" panose="05000000000000000000" pitchFamily="2" charset="2"/>
+              <a:buChar char="q"/>
+            </a:pPr>
+            <a:r>
+              <a:rPr lang="en-IN" dirty="0">
+                <a:solidFill>
+                  <a:srgbClr val="0070C0"/>
+                </a:solidFill>
+                <a:latin typeface="Times New Roman" panose="02020603050405020304" pitchFamily="18" charset="0"/>
+                <a:ea typeface="Tahoma" panose="020B0604030504040204" pitchFamily="34" charset="0"/>
+                <a:cs typeface="Times New Roman" panose="02020603050405020304" pitchFamily="18" charset="0"/>
+              </a:rPr>
+              <a:t>Folder lifecycle management (system vs custom folders)</a:t>
+            </a:r>
+          </a:p>
+          <a:p>
+            <a:r>
+              <a:rPr lang="en-IN" dirty="0">
+                <a:solidFill>
+                  <a:srgbClr val="0070C0"/>
+                </a:solidFill>
+                <a:latin typeface="Times New Roman" panose="02020603050405020304" pitchFamily="18" charset="0"/>
+                <a:ea typeface="Tahoma" panose="020B0604030504040204" pitchFamily="34" charset="0"/>
+                <a:cs typeface="Times New Roman" panose="02020603050405020304" pitchFamily="18" charset="0"/>
+              </a:rPr>
+              <a:t> </a:t>
+            </a:r>
+          </a:p>
+          <a:p>
+            <a:pPr marL="285750" indent="-285750">
+              <a:buFont typeface="Wingdings" panose="05000000000000000000" pitchFamily="2" charset="2"/>
+              <a:buChar char="q"/>
+            </a:pPr>
+            <a:r>
+              <a:rPr lang="en-IN" dirty="0">
+                <a:solidFill>
+                  <a:srgbClr val="0070C0"/>
+                </a:solidFill>
+                <a:latin typeface="Times New Roman" panose="02020603050405020304" pitchFamily="18" charset="0"/>
+                <a:ea typeface="Tahoma" panose="020B0604030504040204" pitchFamily="34" charset="0"/>
+                <a:cs typeface="Times New Roman" panose="02020603050405020304" pitchFamily="18" charset="0"/>
+              </a:rPr>
+              <a:t>Email archival strategies (</a:t>
+            </a:r>
+            <a:r>
+              <a:rPr lang="en-IN" dirty="0" err="1">
+                <a:solidFill>
+                  <a:srgbClr val="0070C0"/>
+                </a:solidFill>
+                <a:latin typeface="Times New Roman" panose="02020603050405020304" pitchFamily="18" charset="0"/>
+                <a:ea typeface="Tahoma" panose="020B0604030504040204" pitchFamily="34" charset="0"/>
+                <a:cs typeface="Times New Roman" panose="02020603050405020304" pitchFamily="18" charset="0"/>
+              </a:rPr>
+              <a:t>Maildir</a:t>
+            </a:r>
+            <a:r>
+              <a:rPr lang="en-IN" dirty="0">
+                <a:solidFill>
+                  <a:srgbClr val="0070C0"/>
+                </a:solidFill>
+                <a:latin typeface="Times New Roman" panose="02020603050405020304" pitchFamily="18" charset="0"/>
+                <a:ea typeface="Tahoma" panose="020B0604030504040204" pitchFamily="34" charset="0"/>
+                <a:cs typeface="Times New Roman" panose="02020603050405020304" pitchFamily="18" charset="0"/>
+              </a:rPr>
+              <a:t> → Database → Restore)</a:t>
+            </a:r>
+          </a:p>
         </p:txBody>
       </p:sp>
     </p:spTree>
     <p:extLst>
       <p:ext uri="{BB962C8B-B14F-4D97-AF65-F5344CB8AC3E}">
-        <p14:creationId xmlns:p14="http://schemas.microsoft.com/office/powerpoint/2010/main" val="3884552760"/>
+        <p14:creationId xmlns:p14="http://schemas.microsoft.com/office/powerpoint/2010/main" val="3153514327"/>
       </p:ext>
     </p:extLst>
   </p:cSld>
@@ -6277,7 +7499,7 @@
         </p:nvSpPr>
         <p:spPr>
           <a:xfrm>
-            <a:off x="76200" y="228600"/>
+            <a:off x="152400" y="350838"/>
             <a:ext cx="6858000" cy="639762"/>
           </a:xfrm>
         </p:spPr>
@@ -6286,7 +7508,7 @@
           <a:lstStyle/>
           <a:p>
             <a:r>
-              <a:rPr lang="en-IN" b="1" dirty="0">
+              <a:rPr lang="en-US" b="1" dirty="0">
                 <a:solidFill>
                   <a:srgbClr val="FF0000"/>
                 </a:solidFill>
@@ -6294,17 +7516,25 @@
                 <a:ea typeface="Tahoma" panose="020B0604030504040204" pitchFamily="34" charset="0"/>
                 <a:cs typeface="Times New Roman" panose="02020603050405020304" pitchFamily="18" charset="0"/>
               </a:rPr>
-              <a:t>3. Key Contribution</a:t>
-            </a:r>
-          </a:p>
-        </p:txBody>
-      </p:sp>
-      <p:sp>
-        <p:nvSpPr>
-          <p:cNvPr id="5" name="TextBox 4">
+              <a:t>What I Have Learnt? Contd..</a:t>
+            </a:r>
+            <a:endParaRPr lang="en-IN" dirty="0">
+              <a:solidFill>
+                <a:srgbClr val="FF0000"/>
+              </a:solidFill>
+              <a:latin typeface="Times New Roman" panose="02020603050405020304" pitchFamily="18" charset="0"/>
+              <a:ea typeface="Tahoma" panose="020B0604030504040204" pitchFamily="34" charset="0"/>
+              <a:cs typeface="Times New Roman" panose="02020603050405020304" pitchFamily="18" charset="0"/>
+            </a:endParaRPr>
+          </a:p>
+        </p:txBody>
+      </p:sp>
+      <p:sp>
+        <p:nvSpPr>
+          <p:cNvPr id="3" name="TextBox 2">
             <a:extLst>
               <a:ext uri="{FF2B5EF4-FFF2-40B4-BE49-F238E27FC236}">
-                <a16:creationId xmlns:a16="http://schemas.microsoft.com/office/drawing/2014/main" id="{83179226-AD40-4BCE-CC9A-2EAEBCAB2FB1}"/>
+                <a16:creationId xmlns:a16="http://schemas.microsoft.com/office/drawing/2014/main" id="{566112F4-9972-1F63-C7DE-7E5354EFC06D}"/>
               </a:ext>
             </a:extLst>
           </p:cNvPr>
@@ -6313,8 +7543,8 @@
         </p:nvSpPr>
         <p:spPr>
           <a:xfrm>
-            <a:off x="106680" y="1143000"/>
-            <a:ext cx="5105400" cy="400110"/>
+            <a:off x="161544" y="1219200"/>
+            <a:ext cx="4943856" cy="400110"/>
           </a:xfrm>
           <a:prstGeom prst="rect">
             <a:avLst/>
@@ -6336,17 +7566,25 @@
                 <a:ea typeface="Tahoma" panose="020B0604030504040204" pitchFamily="34" charset="0"/>
                 <a:cs typeface="Times New Roman" panose="02020603050405020304" pitchFamily="18" charset="0"/>
               </a:rPr>
-              <a:t>1. Email Draft &amp; Folder Operations</a:t>
-            </a:r>
-          </a:p>
-        </p:txBody>
-      </p:sp>
-      <p:sp>
-        <p:nvSpPr>
-          <p:cNvPr id="6" name="TextBox 5">
+              <a:t>Architectural &amp; Process Learning</a:t>
+            </a:r>
+            <a:endParaRPr lang="en-IN" sz="2000" dirty="0">
+              <a:solidFill>
+                <a:srgbClr val="002060"/>
+              </a:solidFill>
+              <a:latin typeface="Times New Roman" panose="02020603050405020304" pitchFamily="18" charset="0"/>
+              <a:ea typeface="Tahoma" panose="020B0604030504040204" pitchFamily="34" charset="0"/>
+              <a:cs typeface="Times New Roman" panose="02020603050405020304" pitchFamily="18" charset="0"/>
+            </a:endParaRPr>
+          </a:p>
+        </p:txBody>
+      </p:sp>
+      <p:sp>
+        <p:nvSpPr>
+          <p:cNvPr id="5" name="TextBox 4">
             <a:extLst>
               <a:ext uri="{FF2B5EF4-FFF2-40B4-BE49-F238E27FC236}">
-                <a16:creationId xmlns:a16="http://schemas.microsoft.com/office/drawing/2014/main" id="{DD611B89-88B6-F18E-CF7F-4AE641367E8C}"/>
+                <a16:creationId xmlns:a16="http://schemas.microsoft.com/office/drawing/2014/main" id="{DE4E7C01-EFEF-8317-C81A-1621EC789FC1}"/>
               </a:ext>
             </a:extLst>
           </p:cNvPr>
@@ -6355,8 +7593,8 @@
         </p:nvSpPr>
         <p:spPr>
           <a:xfrm>
-            <a:off x="381000" y="1600200"/>
-            <a:ext cx="7543800" cy="1200329"/>
+            <a:off x="381000" y="1676400"/>
+            <a:ext cx="7696200" cy="3970318"/>
           </a:xfrm>
           <a:prstGeom prst="rect">
             <a:avLst/>
@@ -6374,7 +7612,7 @@
               <a:buChar char="q"/>
             </a:pPr>
             <a:r>
-              <a:rPr lang="en-IN" dirty="0">
+              <a:rPr lang="en-US" dirty="0">
                 <a:solidFill>
                   <a:srgbClr val="0070C0"/>
                 </a:solidFill>
@@ -6382,7 +7620,7 @@
                 <a:ea typeface="Tahoma" panose="020B0604030504040204" pitchFamily="34" charset="0"/>
                 <a:cs typeface="Times New Roman" panose="02020603050405020304" pitchFamily="18" charset="0"/>
               </a:rPr>
-              <a:t> Implemented Save Draft API with validation, quota check, and MIME message creation </a:t>
+              <a:t>Understood mailbox architecture including Inbox, Sent, Drafts, Trash, Archive, and custom folders.</a:t>
             </a:r>
           </a:p>
           <a:p>
@@ -6390,17 +7628,14 @@
               <a:buFont typeface="Wingdings" panose="05000000000000000000" pitchFamily="2" charset="2"/>
               <a:buChar char="q"/>
             </a:pPr>
-            <a:r>
-              <a:rPr lang="en-IN" dirty="0">
-                <a:solidFill>
-                  <a:srgbClr val="0070C0"/>
-                </a:solidFill>
-                <a:latin typeface="Times New Roman" panose="02020603050405020304" pitchFamily="18" charset="0"/>
-                <a:ea typeface="Tahoma" panose="020B0604030504040204" pitchFamily="34" charset="0"/>
-                <a:cs typeface="Times New Roman" panose="02020603050405020304" pitchFamily="18" charset="0"/>
-              </a:rPr>
-              <a:t>Configured Drafts folder in Dovecot with special-use settings </a:t>
-            </a:r>
+            <a:endParaRPr lang="en-US" dirty="0">
+              <a:solidFill>
+                <a:srgbClr val="0070C0"/>
+              </a:solidFill>
+              <a:latin typeface="Times New Roman" panose="02020603050405020304" pitchFamily="18" charset="0"/>
+              <a:ea typeface="Tahoma" panose="020B0604030504040204" pitchFamily="34" charset="0"/>
+              <a:cs typeface="Times New Roman" panose="02020603050405020304" pitchFamily="18" charset="0"/>
+            </a:endParaRPr>
           </a:p>
           <a:p>
             <a:pPr marL="285750" indent="-285750">
@@ -6408,7 +7643,7 @@
               <a:buChar char="q"/>
             </a:pPr>
             <a:r>
-              <a:rPr lang="en-IN" dirty="0">
+              <a:rPr lang="en-US" dirty="0">
                 <a:solidFill>
                   <a:srgbClr val="0070C0"/>
                 </a:solidFill>
@@ -6416,179 +7651,23 @@
                 <a:ea typeface="Tahoma" panose="020B0604030504040204" pitchFamily="34" charset="0"/>
                 <a:cs typeface="Times New Roman" panose="02020603050405020304" pitchFamily="18" charset="0"/>
               </a:rPr>
-              <a:t>Developed Save to Folder functionality for Sent, Drafts. </a:t>
-            </a:r>
-          </a:p>
-        </p:txBody>
-      </p:sp>
-      <p:sp>
-        <p:nvSpPr>
-          <p:cNvPr id="7" name="TextBox 6">
-            <a:extLst>
-              <a:ext uri="{FF2B5EF4-FFF2-40B4-BE49-F238E27FC236}">
-                <a16:creationId xmlns:a16="http://schemas.microsoft.com/office/drawing/2014/main" id="{FEE0EDAF-369F-535C-89B6-B7BE5C93F548}"/>
-              </a:ext>
-            </a:extLst>
-          </p:cNvPr>
-          <p:cNvSpPr txBox="1"/>
-          <p:nvPr/>
-        </p:nvSpPr>
-        <p:spPr>
-          <a:xfrm>
-            <a:off x="106680" y="3106710"/>
-            <a:ext cx="3200400" cy="400110"/>
-          </a:xfrm>
-          <a:prstGeom prst="rect">
-            <a:avLst/>
-          </a:prstGeom>
-          <a:noFill/>
-        </p:spPr>
-        <p:txBody>
-          <a:bodyPr wrap="square" rtlCol="0">
-            <a:spAutoFit/>
-          </a:bodyPr>
-          <a:lstStyle/>
-          <a:p>
-            <a:r>
-              <a:rPr lang="en-US" sz="2000" b="1" dirty="0">
-                <a:solidFill>
-                  <a:srgbClr val="002060"/>
-                </a:solidFill>
-                <a:latin typeface="Times New Roman" panose="02020603050405020304" pitchFamily="18" charset="0"/>
-                <a:ea typeface="Tahoma" panose="020B0604030504040204" pitchFamily="34" charset="0"/>
-                <a:cs typeface="Times New Roman" panose="02020603050405020304" pitchFamily="18" charset="0"/>
-              </a:rPr>
-              <a:t>2.</a:t>
-            </a:r>
-            <a:r>
-              <a:rPr lang="en-IN" sz="2000" b="1" dirty="0">
-                <a:solidFill>
-                  <a:srgbClr val="002060"/>
-                </a:solidFill>
-                <a:latin typeface="Times New Roman" panose="02020603050405020304" pitchFamily="18" charset="0"/>
-                <a:ea typeface="Tahoma" panose="020B0604030504040204" pitchFamily="34" charset="0"/>
-                <a:cs typeface="Times New Roman" panose="02020603050405020304" pitchFamily="18" charset="0"/>
-              </a:rPr>
-              <a:t> Email Fetching</a:t>
-            </a:r>
-          </a:p>
-        </p:txBody>
-      </p:sp>
-      <p:sp>
-        <p:nvSpPr>
-          <p:cNvPr id="8" name="TextBox 7">
-            <a:extLst>
-              <a:ext uri="{FF2B5EF4-FFF2-40B4-BE49-F238E27FC236}">
-                <a16:creationId xmlns:a16="http://schemas.microsoft.com/office/drawing/2014/main" id="{F95E07A0-4049-FFA4-996E-35C9B78D5C3E}"/>
-              </a:ext>
-            </a:extLst>
-          </p:cNvPr>
-          <p:cNvSpPr txBox="1"/>
-          <p:nvPr/>
-        </p:nvSpPr>
-        <p:spPr>
-          <a:xfrm>
-            <a:off x="381000" y="3520464"/>
-            <a:ext cx="6934200" cy="646331"/>
-          </a:xfrm>
-          <a:prstGeom prst="rect">
-            <a:avLst/>
-          </a:prstGeom>
-          <a:noFill/>
-        </p:spPr>
-        <p:txBody>
-          <a:bodyPr wrap="square" rtlCol="0">
-            <a:spAutoFit/>
-          </a:bodyPr>
-          <a:lstStyle/>
+              <a:t>Designed modular service workflows to handle core email operations such as compose, save draft , fetch, save, move to folder, delete, and archive.</a:t>
+            </a:r>
+          </a:p>
           <a:p>
             <a:pPr marL="285750" indent="-285750">
               <a:buFont typeface="Wingdings" panose="05000000000000000000" pitchFamily="2" charset="2"/>
               <a:buChar char="q"/>
             </a:pPr>
-            <a:r>
-              <a:rPr lang="en-US" dirty="0">
-                <a:solidFill>
-                  <a:srgbClr val="0070C0"/>
-                </a:solidFill>
-                <a:latin typeface="Times New Roman" panose="02020603050405020304" pitchFamily="18" charset="0"/>
-                <a:ea typeface="Tahoma" panose="020B0604030504040204" pitchFamily="34" charset="0"/>
-                <a:cs typeface="Times New Roman" panose="02020603050405020304" pitchFamily="18" charset="0"/>
-              </a:rPr>
-              <a:t>Implemented email fetching from multiple folders (Inbox, Sent, Drafts, Trash, Archive, Custom) </a:t>
-            </a:r>
-          </a:p>
-        </p:txBody>
-      </p:sp>
-      <p:sp>
-        <p:nvSpPr>
-          <p:cNvPr id="9" name="TextBox 8">
-            <a:extLst>
-              <a:ext uri="{FF2B5EF4-FFF2-40B4-BE49-F238E27FC236}">
-                <a16:creationId xmlns:a16="http://schemas.microsoft.com/office/drawing/2014/main" id="{05375448-E235-828A-CBA9-2C693F671A1E}"/>
-              </a:ext>
-            </a:extLst>
-          </p:cNvPr>
-          <p:cNvSpPr txBox="1"/>
-          <p:nvPr/>
-        </p:nvSpPr>
-        <p:spPr>
-          <a:xfrm>
-            <a:off x="112776" y="4302574"/>
-            <a:ext cx="3925824" cy="400110"/>
-          </a:xfrm>
-          <a:prstGeom prst="rect">
-            <a:avLst/>
-          </a:prstGeom>
-          <a:noFill/>
-        </p:spPr>
-        <p:txBody>
-          <a:bodyPr wrap="square" rtlCol="0">
-            <a:spAutoFit/>
-          </a:bodyPr>
-          <a:lstStyle/>
-          <a:p>
-            <a:r>
-              <a:rPr lang="en-IN" sz="2000" b="1" dirty="0">
-                <a:solidFill>
-                  <a:srgbClr val="002060"/>
-                </a:solidFill>
-                <a:latin typeface="Times New Roman" panose="02020603050405020304" pitchFamily="18" charset="0"/>
-                <a:ea typeface="Tahoma" panose="020B0604030504040204" pitchFamily="34" charset="0"/>
-                <a:cs typeface="Times New Roman" panose="02020603050405020304" pitchFamily="18" charset="0"/>
-              </a:rPr>
-              <a:t>3. Mail Movement &amp; Deletion </a:t>
-            </a:r>
-          </a:p>
-        </p:txBody>
-      </p:sp>
-      <p:sp>
-        <p:nvSpPr>
-          <p:cNvPr id="10" name="TextBox 9">
-            <a:extLst>
-              <a:ext uri="{FF2B5EF4-FFF2-40B4-BE49-F238E27FC236}">
-                <a16:creationId xmlns:a16="http://schemas.microsoft.com/office/drawing/2014/main" id="{C142E5B2-91B7-2663-D522-34B0D8854F47}"/>
-              </a:ext>
-            </a:extLst>
-          </p:cNvPr>
-          <p:cNvSpPr txBox="1"/>
-          <p:nvPr/>
-        </p:nvSpPr>
-        <p:spPr>
-          <a:xfrm>
-            <a:off x="381000" y="4791670"/>
-            <a:ext cx="7086600" cy="923330"/>
-          </a:xfrm>
-          <a:prstGeom prst="rect">
-            <a:avLst/>
-          </a:prstGeom>
-          <a:noFill/>
-        </p:spPr>
-        <p:txBody>
-          <a:bodyPr wrap="square" rtlCol="0">
-            <a:spAutoFit/>
-          </a:bodyPr>
-          <a:lstStyle/>
+            <a:endParaRPr lang="en-US" dirty="0">
+              <a:solidFill>
+                <a:srgbClr val="0070C0"/>
+              </a:solidFill>
+              <a:latin typeface="Times New Roman" panose="02020603050405020304" pitchFamily="18" charset="0"/>
+              <a:ea typeface="Tahoma" panose="020B0604030504040204" pitchFamily="34" charset="0"/>
+              <a:cs typeface="Times New Roman" panose="02020603050405020304" pitchFamily="18" charset="0"/>
+            </a:endParaRPr>
+          </a:p>
           <a:p>
             <a:pPr marL="285750" indent="-285750">
               <a:buFont typeface="Wingdings" panose="05000000000000000000" pitchFamily="2" charset="2"/>
@@ -6603,7 +7682,118 @@
                 <a:ea typeface="Tahoma" panose="020B0604030504040204" pitchFamily="34" charset="0"/>
                 <a:cs typeface="Times New Roman" panose="02020603050405020304" pitchFamily="18" charset="0"/>
               </a:rPr>
-              <a:t>Implemented IMAP-based mail movement for Trash, Archive, and custom folders without database dependency, ensuring data safety through backup copies and proper validation.</a:t>
+              <a:t>Managed edge cases like missing folders, and quota limits. </a:t>
+            </a:r>
+          </a:p>
+          <a:p>
+            <a:endParaRPr lang="en-US" dirty="0">
+              <a:solidFill>
+                <a:srgbClr val="0070C0"/>
+              </a:solidFill>
+              <a:latin typeface="Times New Roman" panose="02020603050405020304" pitchFamily="18" charset="0"/>
+              <a:ea typeface="Tahoma" panose="020B0604030504040204" pitchFamily="34" charset="0"/>
+              <a:cs typeface="Times New Roman" panose="02020603050405020304" pitchFamily="18" charset="0"/>
+            </a:endParaRPr>
+          </a:p>
+          <a:p>
+            <a:pPr marL="285750" indent="-285750">
+              <a:buFont typeface="Wingdings" panose="05000000000000000000" pitchFamily="2" charset="2"/>
+              <a:buChar char="q"/>
+            </a:pPr>
+            <a:r>
+              <a:rPr lang="en-US" dirty="0">
+                <a:solidFill>
+                  <a:srgbClr val="0070C0"/>
+                </a:solidFill>
+                <a:latin typeface="Times New Roman" panose="02020603050405020304" pitchFamily="18" charset="0"/>
+                <a:ea typeface="Tahoma" panose="020B0604030504040204" pitchFamily="34" charset="0"/>
+                <a:cs typeface="Times New Roman" panose="02020603050405020304" pitchFamily="18" charset="0"/>
+              </a:rPr>
+              <a:t>Ensured consistency between mailbox (</a:t>
+            </a:r>
+            <a:r>
+              <a:rPr lang="en-US" dirty="0" err="1">
+                <a:solidFill>
+                  <a:srgbClr val="0070C0"/>
+                </a:solidFill>
+                <a:latin typeface="Times New Roman" panose="02020603050405020304" pitchFamily="18" charset="0"/>
+                <a:ea typeface="Tahoma" panose="020B0604030504040204" pitchFamily="34" charset="0"/>
+                <a:cs typeface="Times New Roman" panose="02020603050405020304" pitchFamily="18" charset="0"/>
+              </a:rPr>
+              <a:t>Maildir</a:t>
+            </a:r>
+            <a:r>
+              <a:rPr lang="en-US" dirty="0">
+                <a:solidFill>
+                  <a:srgbClr val="0070C0"/>
+                </a:solidFill>
+                <a:latin typeface="Times New Roman" panose="02020603050405020304" pitchFamily="18" charset="0"/>
+                <a:ea typeface="Tahoma" panose="020B0604030504040204" pitchFamily="34" charset="0"/>
+                <a:cs typeface="Times New Roman" panose="02020603050405020304" pitchFamily="18" charset="0"/>
+              </a:rPr>
+              <a:t>) and database during archival. </a:t>
+            </a:r>
+          </a:p>
+          <a:p>
+            <a:pPr marL="285750" indent="-285750">
+              <a:buFont typeface="Wingdings" panose="05000000000000000000" pitchFamily="2" charset="2"/>
+              <a:buChar char="q"/>
+            </a:pPr>
+            <a:endParaRPr lang="en-US" dirty="0">
+              <a:solidFill>
+                <a:srgbClr val="0070C0"/>
+              </a:solidFill>
+              <a:latin typeface="Times New Roman" panose="02020603050405020304" pitchFamily="18" charset="0"/>
+              <a:ea typeface="Tahoma" panose="020B0604030504040204" pitchFamily="34" charset="0"/>
+              <a:cs typeface="Times New Roman" panose="02020603050405020304" pitchFamily="18" charset="0"/>
+            </a:endParaRPr>
+          </a:p>
+          <a:p>
+            <a:pPr marL="285750" indent="-285750">
+              <a:buFont typeface="Wingdings" panose="05000000000000000000" pitchFamily="2" charset="2"/>
+              <a:buChar char="q"/>
+            </a:pPr>
+            <a:r>
+              <a:rPr lang="en-US" dirty="0">
+                <a:solidFill>
+                  <a:srgbClr val="0070C0"/>
+                </a:solidFill>
+                <a:latin typeface="Times New Roman" panose="02020603050405020304" pitchFamily="18" charset="0"/>
+                <a:ea typeface="Tahoma" panose="020B0604030504040204" pitchFamily="34" charset="0"/>
+                <a:cs typeface="Times New Roman" panose="02020603050405020304" pitchFamily="18" charset="0"/>
+              </a:rPr>
+              <a:t>Built clean JSON responses for smooth UI integration.</a:t>
+            </a:r>
+          </a:p>
+          <a:p>
+            <a:pPr marL="285750" indent="-285750">
+              <a:buFont typeface="Wingdings" panose="05000000000000000000" pitchFamily="2" charset="2"/>
+              <a:buChar char="q"/>
+            </a:pPr>
+            <a:endParaRPr lang="en-US" dirty="0">
+              <a:solidFill>
+                <a:srgbClr val="0070C0"/>
+              </a:solidFill>
+              <a:latin typeface="Times New Roman" panose="02020603050405020304" pitchFamily="18" charset="0"/>
+              <a:ea typeface="Tahoma" panose="020B0604030504040204" pitchFamily="34" charset="0"/>
+              <a:cs typeface="Times New Roman" panose="02020603050405020304" pitchFamily="18" charset="0"/>
+            </a:endParaRPr>
+          </a:p>
+          <a:p>
+            <a:pPr marL="285750" indent="-285750">
+              <a:buFont typeface="Wingdings" panose="05000000000000000000" pitchFamily="2" charset="2"/>
+              <a:buChar char="q"/>
+            </a:pPr>
+            <a:r>
+              <a:rPr lang="en-US" dirty="0">
+                <a:solidFill>
+                  <a:srgbClr val="0070C0"/>
+                </a:solidFill>
+                <a:latin typeface="Times New Roman" panose="02020603050405020304" pitchFamily="18" charset="0"/>
+                <a:ea typeface="Tahoma" panose="020B0604030504040204" pitchFamily="34" charset="0"/>
+                <a:cs typeface="Times New Roman" panose="02020603050405020304" pitchFamily="18" charset="0"/>
+              </a:rPr>
+              <a:t> Implemented end-to-end email workflow tracking using Message-ID.</a:t>
             </a:r>
             <a:endParaRPr lang="en-IN" dirty="0">
               <a:solidFill>
@@ -6614,12 +7804,22 @@
               <a:cs typeface="Times New Roman" panose="02020603050405020304" pitchFamily="18" charset="0"/>
             </a:endParaRPr>
           </a:p>
+          <a:p>
+            <a:endParaRPr lang="en-IN" dirty="0">
+              <a:solidFill>
+                <a:srgbClr val="0070C0"/>
+              </a:solidFill>
+              <a:latin typeface="Times New Roman" panose="02020603050405020304" pitchFamily="18" charset="0"/>
+              <a:ea typeface="Tahoma" panose="020B0604030504040204" pitchFamily="34" charset="0"/>
+              <a:cs typeface="Times New Roman" panose="02020603050405020304" pitchFamily="18" charset="0"/>
+            </a:endParaRPr>
+          </a:p>
         </p:txBody>
       </p:sp>
     </p:spTree>
     <p:extLst>
       <p:ext uri="{BB962C8B-B14F-4D97-AF65-F5344CB8AC3E}">
-        <p14:creationId xmlns:p14="http://schemas.microsoft.com/office/powerpoint/2010/main" val="2314479348"/>
+        <p14:creationId xmlns:p14="http://schemas.microsoft.com/office/powerpoint/2010/main" val="3884552760"/>
       </p:ext>
     </p:extLst>
   </p:cSld>
@@ -6659,7 +7859,12 @@
             <p:ph type="title"/>
           </p:nvPr>
         </p:nvSpPr>
-        <p:spPr/>
+        <p:spPr>
+          <a:xfrm>
+            <a:off x="76200" y="228600"/>
+            <a:ext cx="6858000" cy="639762"/>
+          </a:xfrm>
+        </p:spPr>
         <p:txBody>
           <a:bodyPr/>
           <a:lstStyle/>
@@ -6673,207 +7878,17 @@
                 <a:ea typeface="Tahoma" panose="020B0604030504040204" pitchFamily="34" charset="0"/>
                 <a:cs typeface="Times New Roman" panose="02020603050405020304" pitchFamily="18" charset="0"/>
               </a:rPr>
-              <a:t>Key Contribution Contd..</a:t>
-            </a:r>
-          </a:p>
-        </p:txBody>
-      </p:sp>
-      <p:sp>
-        <p:nvSpPr>
-          <p:cNvPr id="3" name="Title 1">
+              <a:t>3. Key Contribution</a:t>
+            </a:r>
+          </a:p>
+        </p:txBody>
+      </p:sp>
+      <p:sp>
+        <p:nvSpPr>
+          <p:cNvPr id="5" name="TextBox 4">
             <a:extLst>
               <a:ext uri="{FF2B5EF4-FFF2-40B4-BE49-F238E27FC236}">
-                <a16:creationId xmlns:a16="http://schemas.microsoft.com/office/drawing/2014/main" id="{B0616F4E-404F-BE16-2BC5-592808F5C18F}"/>
-              </a:ext>
-            </a:extLst>
-          </p:cNvPr>
-          <p:cNvSpPr txBox="1">
-            <a:spLocks/>
-          </p:cNvSpPr>
-          <p:nvPr/>
-        </p:nvSpPr>
-        <p:spPr bwMode="auto">
-          <a:xfrm>
-            <a:off x="82320" y="1078279"/>
-            <a:ext cx="8596668" cy="496824"/>
-          </a:xfrm>
-          <a:prstGeom prst="rect">
-            <a:avLst/>
-          </a:prstGeom>
-          <a:noFill/>
-          <a:ln w="9525">
-            <a:noFill/>
-            <a:miter lim="800000"/>
-            <a:headEnd/>
-            <a:tailEnd/>
-          </a:ln>
-        </p:spPr>
-        <p:txBody>
-          <a:bodyPr vert="horz" wrap="square" lIns="91440" tIns="45720" rIns="91440" bIns="45720" numCol="1" anchor="ctr" anchorCtr="0" compatLnSpc="1">
-            <a:prstTxWarp prst="textNoShape">
-              <a:avLst/>
-            </a:prstTxWarp>
-            <a:normAutofit/>
-          </a:bodyPr>
-          <a:lstStyle>
-            <a:lvl1pPr algn="l" rtl="0" eaLnBrk="0" fontAlgn="base" hangingPunct="0">
-              <a:spcBef>
-                <a:spcPct val="0"/>
-              </a:spcBef>
-              <a:spcAft>
-                <a:spcPct val="0"/>
-              </a:spcAft>
-              <a:defRPr sz="3200" b="0" kern="1200">
-                <a:solidFill>
-                  <a:srgbClr val="377BCD"/>
-                </a:solidFill>
-                <a:latin typeface="Arial" panose="020B0604020202020204" pitchFamily="34" charset="0"/>
-                <a:ea typeface="+mj-ea"/>
-                <a:cs typeface="Arial" panose="020B0604020202020204" pitchFamily="34" charset="0"/>
-              </a:defRPr>
-            </a:lvl1pPr>
-            <a:lvl2pPr algn="l" rtl="0" eaLnBrk="0" fontAlgn="base" hangingPunct="0">
-              <a:spcBef>
-                <a:spcPct val="0"/>
-              </a:spcBef>
-              <a:spcAft>
-                <a:spcPct val="0"/>
-              </a:spcAft>
-              <a:defRPr sz="3200">
-                <a:solidFill>
-                  <a:srgbClr val="377BCD"/>
-                </a:solidFill>
-                <a:latin typeface="Arial" charset="0"/>
-                <a:cs typeface="Arial" charset="0"/>
-              </a:defRPr>
-            </a:lvl2pPr>
-            <a:lvl3pPr algn="l" rtl="0" eaLnBrk="0" fontAlgn="base" hangingPunct="0">
-              <a:spcBef>
-                <a:spcPct val="0"/>
-              </a:spcBef>
-              <a:spcAft>
-                <a:spcPct val="0"/>
-              </a:spcAft>
-              <a:defRPr sz="3200">
-                <a:solidFill>
-                  <a:srgbClr val="377BCD"/>
-                </a:solidFill>
-                <a:latin typeface="Arial" charset="0"/>
-                <a:cs typeface="Arial" charset="0"/>
-              </a:defRPr>
-            </a:lvl3pPr>
-            <a:lvl4pPr algn="l" rtl="0" eaLnBrk="0" fontAlgn="base" hangingPunct="0">
-              <a:spcBef>
-                <a:spcPct val="0"/>
-              </a:spcBef>
-              <a:spcAft>
-                <a:spcPct val="0"/>
-              </a:spcAft>
-              <a:defRPr sz="3200">
-                <a:solidFill>
-                  <a:srgbClr val="377BCD"/>
-                </a:solidFill>
-                <a:latin typeface="Arial" charset="0"/>
-                <a:cs typeface="Arial" charset="0"/>
-              </a:defRPr>
-            </a:lvl4pPr>
-            <a:lvl5pPr algn="l" rtl="0" eaLnBrk="0" fontAlgn="base" hangingPunct="0">
-              <a:spcBef>
-                <a:spcPct val="0"/>
-              </a:spcBef>
-              <a:spcAft>
-                <a:spcPct val="0"/>
-              </a:spcAft>
-              <a:defRPr sz="3200">
-                <a:solidFill>
-                  <a:srgbClr val="377BCD"/>
-                </a:solidFill>
-                <a:latin typeface="Arial" charset="0"/>
-                <a:cs typeface="Arial" charset="0"/>
-              </a:defRPr>
-            </a:lvl5pPr>
-            <a:lvl6pPr marL="457200" algn="l" rtl="0" fontAlgn="base">
-              <a:spcBef>
-                <a:spcPct val="0"/>
-              </a:spcBef>
-              <a:spcAft>
-                <a:spcPct val="0"/>
-              </a:spcAft>
-              <a:defRPr sz="3200">
-                <a:solidFill>
-                  <a:srgbClr val="377BCD"/>
-                </a:solidFill>
-                <a:latin typeface="Arial" charset="0"/>
-                <a:cs typeface="Arial" charset="0"/>
-              </a:defRPr>
-            </a:lvl6pPr>
-            <a:lvl7pPr marL="914400" algn="l" rtl="0" fontAlgn="base">
-              <a:spcBef>
-                <a:spcPct val="0"/>
-              </a:spcBef>
-              <a:spcAft>
-                <a:spcPct val="0"/>
-              </a:spcAft>
-              <a:defRPr sz="3200">
-                <a:solidFill>
-                  <a:srgbClr val="377BCD"/>
-                </a:solidFill>
-                <a:latin typeface="Arial" charset="0"/>
-                <a:cs typeface="Arial" charset="0"/>
-              </a:defRPr>
-            </a:lvl7pPr>
-            <a:lvl8pPr marL="1371600" algn="l" rtl="0" fontAlgn="base">
-              <a:spcBef>
-                <a:spcPct val="0"/>
-              </a:spcBef>
-              <a:spcAft>
-                <a:spcPct val="0"/>
-              </a:spcAft>
-              <a:defRPr sz="3200">
-                <a:solidFill>
-                  <a:srgbClr val="377BCD"/>
-                </a:solidFill>
-                <a:latin typeface="Arial" charset="0"/>
-                <a:cs typeface="Arial" charset="0"/>
-              </a:defRPr>
-            </a:lvl8pPr>
-            <a:lvl9pPr marL="1828800" algn="l" rtl="0" fontAlgn="base">
-              <a:spcBef>
-                <a:spcPct val="0"/>
-              </a:spcBef>
-              <a:spcAft>
-                <a:spcPct val="0"/>
-              </a:spcAft>
-              <a:defRPr sz="3200">
-                <a:solidFill>
-                  <a:srgbClr val="377BCD"/>
-                </a:solidFill>
-                <a:latin typeface="Arial" charset="0"/>
-                <a:cs typeface="Arial" charset="0"/>
-              </a:defRPr>
-            </a:lvl9pPr>
-          </a:lstStyle>
-          <a:p>
-            <a:r>
-              <a:rPr lang="en-IN" sz="2000" b="1" dirty="0">
-                <a:solidFill>
-                  <a:srgbClr val="002060"/>
-                </a:solidFill>
-                <a:latin typeface="Times New Roman" panose="02020603050405020304" pitchFamily="18" charset="0"/>
-                <a:ea typeface="Tahoma" panose="020B0604030504040204" pitchFamily="34" charset="0"/>
-                <a:cs typeface="Times New Roman" panose="02020603050405020304" pitchFamily="18" charset="0"/>
-              </a:rPr>
-              <a:t>4. Quota Management</a:t>
-            </a:r>
-          </a:p>
-        </p:txBody>
-      </p:sp>
-      <p:sp>
-        <p:nvSpPr>
-          <p:cNvPr id="4" name="TextBox 3">
-            <a:extLst>
-              <a:ext uri="{FF2B5EF4-FFF2-40B4-BE49-F238E27FC236}">
-                <a16:creationId xmlns:a16="http://schemas.microsoft.com/office/drawing/2014/main" id="{3B25D156-F3E2-9854-1C84-EEF9F45172AF}"/>
+                <a16:creationId xmlns:a16="http://schemas.microsoft.com/office/drawing/2014/main" id="{83179226-AD40-4BCE-CC9A-2EAEBCAB2FB1}"/>
               </a:ext>
             </a:extLst>
           </p:cNvPr>
@@ -6882,8 +7897,8 @@
         </p:nvSpPr>
         <p:spPr>
           <a:xfrm>
-            <a:off x="457200" y="1660046"/>
-            <a:ext cx="7882128" cy="646331"/>
+            <a:off x="106680" y="1143000"/>
+            <a:ext cx="5105400" cy="400110"/>
           </a:xfrm>
           <a:prstGeom prst="rect">
             <a:avLst/>
@@ -6896,69 +7911,26 @@
           </a:bodyPr>
           <a:lstStyle/>
           <a:p>
-            <a:pPr marL="285750" indent="-285750">
-              <a:buFont typeface="Wingdings" panose="05000000000000000000" pitchFamily="2" charset="2"/>
-              <a:buChar char="q"/>
-            </a:pPr>
-            <a:r>
-              <a:rPr lang="en-IN" dirty="0">
-                <a:solidFill>
-                  <a:srgbClr val="0070C0"/>
-                </a:solidFill>
-                <a:latin typeface="Times New Roman" panose="02020603050405020304" pitchFamily="18" charset="0"/>
-                <a:ea typeface="Tahoma" panose="020B0604030504040204" pitchFamily="34" charset="0"/>
-                <a:cs typeface="Times New Roman" panose="02020603050405020304" pitchFamily="18" charset="0"/>
-              </a:rPr>
-              <a:t>Implemented </a:t>
-            </a:r>
-            <a:r>
-              <a:rPr lang="en-IN" dirty="0" err="1">
-                <a:solidFill>
-                  <a:srgbClr val="0070C0"/>
-                </a:solidFill>
-                <a:latin typeface="Times New Roman" panose="02020603050405020304" pitchFamily="18" charset="0"/>
-                <a:ea typeface="Tahoma" panose="020B0604030504040204" pitchFamily="34" charset="0"/>
-                <a:cs typeface="Times New Roman" panose="02020603050405020304" pitchFamily="18" charset="0"/>
-              </a:rPr>
-              <a:t>getMaildirSize</a:t>
-            </a:r>
-            <a:r>
-              <a:rPr lang="en-IN" dirty="0">
-                <a:solidFill>
-                  <a:srgbClr val="0070C0"/>
-                </a:solidFill>
-                <a:latin typeface="Times New Roman" panose="02020603050405020304" pitchFamily="18" charset="0"/>
-                <a:ea typeface="Tahoma" panose="020B0604030504040204" pitchFamily="34" charset="0"/>
-                <a:cs typeface="Times New Roman" panose="02020603050405020304" pitchFamily="18" charset="0"/>
-              </a:rPr>
-              <a:t>() for real-time mailbox storage calculation </a:t>
-            </a:r>
-          </a:p>
-          <a:p>
-            <a:pPr marL="285750" indent="-285750">
-              <a:buFont typeface="Wingdings" panose="05000000000000000000" pitchFamily="2" charset="2"/>
-              <a:buChar char="q"/>
-            </a:pPr>
-            <a:r>
-              <a:rPr lang="en-IN" dirty="0">
-                <a:solidFill>
-                  <a:srgbClr val="0070C0"/>
-                </a:solidFill>
-                <a:latin typeface="Times New Roman" panose="02020603050405020304" pitchFamily="18" charset="0"/>
-                <a:ea typeface="Tahoma" panose="020B0604030504040204" pitchFamily="34" charset="0"/>
-                <a:cs typeface="Times New Roman" panose="02020603050405020304" pitchFamily="18" charset="0"/>
-              </a:rPr>
-              <a:t>Integrated Dovecot quota configuration and formatting for UI-friendly output </a:t>
-            </a:r>
-          </a:p>
-        </p:txBody>
-      </p:sp>
-      <p:sp>
-        <p:nvSpPr>
-          <p:cNvPr id="5" name="TextBox 4">
+            <a:r>
+              <a:rPr lang="en-IN" sz="2000" b="1" dirty="0">
+                <a:solidFill>
+                  <a:srgbClr val="002060"/>
+                </a:solidFill>
+                <a:latin typeface="Times New Roman" panose="02020603050405020304" pitchFamily="18" charset="0"/>
+                <a:ea typeface="Tahoma" panose="020B0604030504040204" pitchFamily="34" charset="0"/>
+                <a:cs typeface="Times New Roman" panose="02020603050405020304" pitchFamily="18" charset="0"/>
+              </a:rPr>
+              <a:t>1. Email Draft &amp; Folder Operations</a:t>
+            </a:r>
+          </a:p>
+        </p:txBody>
+      </p:sp>
+      <p:sp>
+        <p:nvSpPr>
+          <p:cNvPr id="6" name="TextBox 5">
             <a:extLst>
               <a:ext uri="{FF2B5EF4-FFF2-40B4-BE49-F238E27FC236}">
-                <a16:creationId xmlns:a16="http://schemas.microsoft.com/office/drawing/2014/main" id="{22F3499D-EFE3-BD3D-0A6D-2B07666B1990}"/>
+                <a16:creationId xmlns:a16="http://schemas.microsoft.com/office/drawing/2014/main" id="{DD611B89-88B6-F18E-CF7F-4AE641367E8C}"/>
               </a:ext>
             </a:extLst>
           </p:cNvPr>
@@ -6967,8 +7939,8 @@
         </p:nvSpPr>
         <p:spPr>
           <a:xfrm>
-            <a:off x="122598" y="2672613"/>
-            <a:ext cx="4425018" cy="400110"/>
+            <a:off x="381000" y="1600200"/>
+            <a:ext cx="7543800" cy="1200329"/>
           </a:xfrm>
           <a:prstGeom prst="rect">
             <a:avLst/>
@@ -6981,37 +7953,64 @@
           </a:bodyPr>
           <a:lstStyle/>
           <a:p>
-            <a:r>
-              <a:rPr lang="en-US" sz="2000" b="1" dirty="0">
-                <a:solidFill>
-                  <a:srgbClr val="002060"/>
-                </a:solidFill>
-                <a:latin typeface="Times New Roman" panose="02020603050405020304" pitchFamily="18" charset="0"/>
-                <a:ea typeface="Tahoma" panose="020B0604030504040204" pitchFamily="34" charset="0"/>
-                <a:cs typeface="Times New Roman" panose="02020603050405020304" pitchFamily="18" charset="0"/>
-              </a:rPr>
-              <a:t>5. </a:t>
-            </a:r>
-            <a:r>
-              <a:rPr lang="en-IN" sz="2000" b="1" dirty="0">
-                <a:solidFill>
-                  <a:srgbClr val="002060"/>
-                </a:solidFill>
-                <a:latin typeface="Times New Roman" panose="02020603050405020304" pitchFamily="18" charset="0"/>
-                <a:ea typeface="Tahoma" panose="020B0604030504040204" pitchFamily="34" charset="0"/>
-                <a:cs typeface="Times New Roman" panose="02020603050405020304" pitchFamily="18" charset="0"/>
-              </a:rPr>
-              <a:t>Custom Folder Management </a:t>
-            </a:r>
-          </a:p>
-        </p:txBody>
-      </p:sp>
-      <p:sp>
-        <p:nvSpPr>
-          <p:cNvPr id="6" name="TextBox 5">
+            <a:pPr marL="285750" indent="-285750">
+              <a:buFont typeface="Wingdings" panose="05000000000000000000" pitchFamily="2" charset="2"/>
+              <a:buChar char="q"/>
+            </a:pPr>
+            <a:r>
+              <a:rPr lang="en-IN" dirty="0">
+                <a:solidFill>
+                  <a:srgbClr val="0070C0"/>
+                </a:solidFill>
+                <a:latin typeface="Times New Roman" panose="02020603050405020304" pitchFamily="18" charset="0"/>
+                <a:ea typeface="Tahoma" panose="020B0604030504040204" pitchFamily="34" charset="0"/>
+                <a:cs typeface="Times New Roman" panose="02020603050405020304" pitchFamily="18" charset="0"/>
+              </a:rPr>
+              <a:t> Implemented Save Draft API with validation, quota check, and MIME message creation </a:t>
+            </a:r>
+          </a:p>
+          <a:p>
+            <a:pPr marL="285750" indent="-285750">
+              <a:buFont typeface="Wingdings" panose="05000000000000000000" pitchFamily="2" charset="2"/>
+              <a:buChar char="q"/>
+            </a:pPr>
+            <a:r>
+              <a:rPr lang="en-IN" dirty="0">
+                <a:solidFill>
+                  <a:srgbClr val="0070C0"/>
+                </a:solidFill>
+                <a:latin typeface="Times New Roman" panose="02020603050405020304" pitchFamily="18" charset="0"/>
+                <a:ea typeface="Tahoma" panose="020B0604030504040204" pitchFamily="34" charset="0"/>
+                <a:cs typeface="Times New Roman" panose="02020603050405020304" pitchFamily="18" charset="0"/>
+              </a:rPr>
+              <a:t>Configured Drafts folder in Dovecot with special-use settings </a:t>
+            </a:r>
+          </a:p>
+          <a:p>
+            <a:pPr marL="285750" indent="-285750">
+              <a:buFont typeface="Wingdings" panose="05000000000000000000" pitchFamily="2" charset="2"/>
+              <a:buChar char="q"/>
+            </a:pPr>
+            <a:r>
+              <a:rPr lang="en-IN" dirty="0">
+                <a:solidFill>
+                  <a:srgbClr val="0070C0"/>
+                </a:solidFill>
+                <a:latin typeface="Times New Roman" panose="02020603050405020304" pitchFamily="18" charset="0"/>
+                <a:ea typeface="Tahoma" panose="020B0604030504040204" pitchFamily="34" charset="0"/>
+                <a:cs typeface="Times New Roman" panose="02020603050405020304" pitchFamily="18" charset="0"/>
+              </a:rPr>
+              <a:t>Developed Save to Folder functionality for Sent, Drafts. </a:t>
+            </a:r>
+          </a:p>
+        </p:txBody>
+      </p:sp>
+      <p:sp>
+        <p:nvSpPr>
+          <p:cNvPr id="7" name="TextBox 6">
             <a:extLst>
               <a:ext uri="{FF2B5EF4-FFF2-40B4-BE49-F238E27FC236}">
-                <a16:creationId xmlns:a16="http://schemas.microsoft.com/office/drawing/2014/main" id="{1A2D79C2-22A7-A941-891F-000810239F90}"/>
+                <a16:creationId xmlns:a16="http://schemas.microsoft.com/office/drawing/2014/main" id="{FEE0EDAF-369F-535C-89B6-B7BE5C93F548}"/>
               </a:ext>
             </a:extLst>
           </p:cNvPr>
@@ -7020,8 +8019,8 @@
         </p:nvSpPr>
         <p:spPr>
           <a:xfrm>
-            <a:off x="439590" y="3047481"/>
-            <a:ext cx="7882128" cy="646331"/>
+            <a:off x="106680" y="3106710"/>
+            <a:ext cx="3200400" cy="400110"/>
           </a:xfrm>
           <a:prstGeom prst="rect">
             <a:avLst/>
@@ -7034,6 +8033,59 @@
           </a:bodyPr>
           <a:lstStyle/>
           <a:p>
+            <a:r>
+              <a:rPr lang="en-US" sz="2000" b="1" dirty="0">
+                <a:solidFill>
+                  <a:srgbClr val="002060"/>
+                </a:solidFill>
+                <a:latin typeface="Times New Roman" panose="02020603050405020304" pitchFamily="18" charset="0"/>
+                <a:ea typeface="Tahoma" panose="020B0604030504040204" pitchFamily="34" charset="0"/>
+                <a:cs typeface="Times New Roman" panose="02020603050405020304" pitchFamily="18" charset="0"/>
+              </a:rPr>
+              <a:t>2.</a:t>
+            </a:r>
+            <a:r>
+              <a:rPr lang="en-IN" sz="2000" b="1" dirty="0">
+                <a:solidFill>
+                  <a:srgbClr val="002060"/>
+                </a:solidFill>
+                <a:latin typeface="Times New Roman" panose="02020603050405020304" pitchFamily="18" charset="0"/>
+                <a:ea typeface="Tahoma" panose="020B0604030504040204" pitchFamily="34" charset="0"/>
+                <a:cs typeface="Times New Roman" panose="02020603050405020304" pitchFamily="18" charset="0"/>
+              </a:rPr>
+              <a:t> Email Fetching</a:t>
+            </a:r>
+          </a:p>
+        </p:txBody>
+      </p:sp>
+      <p:sp>
+        <p:nvSpPr>
+          <p:cNvPr id="8" name="TextBox 7">
+            <a:extLst>
+              <a:ext uri="{FF2B5EF4-FFF2-40B4-BE49-F238E27FC236}">
+                <a16:creationId xmlns:a16="http://schemas.microsoft.com/office/drawing/2014/main" id="{F95E07A0-4049-FFA4-996E-35C9B78D5C3E}"/>
+              </a:ext>
+            </a:extLst>
+          </p:cNvPr>
+          <p:cNvSpPr txBox="1"/>
+          <p:nvPr/>
+        </p:nvSpPr>
+        <p:spPr>
+          <a:xfrm>
+            <a:off x="381000" y="3520464"/>
+            <a:ext cx="6934200" cy="646331"/>
+          </a:xfrm>
+          <a:prstGeom prst="rect">
+            <a:avLst/>
+          </a:prstGeom>
+          <a:noFill/>
+        </p:spPr>
+        <p:txBody>
+          <a:bodyPr wrap="square" rtlCol="0">
+            <a:spAutoFit/>
+          </a:bodyPr>
+          <a:lstStyle/>
+          <a:p>
             <a:pPr marL="285750" indent="-285750">
               <a:buFont typeface="Wingdings" panose="05000000000000000000" pitchFamily="2" charset="2"/>
               <a:buChar char="q"/>
@@ -7047,9 +8099,80 @@
                 <a:ea typeface="Tahoma" panose="020B0604030504040204" pitchFamily="34" charset="0"/>
                 <a:cs typeface="Times New Roman" panose="02020603050405020304" pitchFamily="18" charset="0"/>
               </a:rPr>
-              <a:t>Created APIs for custom folder creation, listing, and deletion </a:t>
-            </a:r>
-          </a:p>
+              <a:t>Implemented email fetching from multiple folders (Inbox, Sent, Drafts, Trash, Archive, Custom) </a:t>
+            </a:r>
+          </a:p>
+        </p:txBody>
+      </p:sp>
+      <p:sp>
+        <p:nvSpPr>
+          <p:cNvPr id="9" name="TextBox 8">
+            <a:extLst>
+              <a:ext uri="{FF2B5EF4-FFF2-40B4-BE49-F238E27FC236}">
+                <a16:creationId xmlns:a16="http://schemas.microsoft.com/office/drawing/2014/main" id="{05375448-E235-828A-CBA9-2C693F671A1E}"/>
+              </a:ext>
+            </a:extLst>
+          </p:cNvPr>
+          <p:cNvSpPr txBox="1"/>
+          <p:nvPr/>
+        </p:nvSpPr>
+        <p:spPr>
+          <a:xfrm>
+            <a:off x="112776" y="4302574"/>
+            <a:ext cx="3925824" cy="400110"/>
+          </a:xfrm>
+          <a:prstGeom prst="rect">
+            <a:avLst/>
+          </a:prstGeom>
+          <a:noFill/>
+        </p:spPr>
+        <p:txBody>
+          <a:bodyPr wrap="square" rtlCol="0">
+            <a:spAutoFit/>
+          </a:bodyPr>
+          <a:lstStyle/>
+          <a:p>
+            <a:r>
+              <a:rPr lang="en-IN" sz="2000" b="1" dirty="0">
+                <a:solidFill>
+                  <a:srgbClr val="002060"/>
+                </a:solidFill>
+                <a:latin typeface="Times New Roman" panose="02020603050405020304" pitchFamily="18" charset="0"/>
+                <a:ea typeface="Tahoma" panose="020B0604030504040204" pitchFamily="34" charset="0"/>
+                <a:cs typeface="Times New Roman" panose="02020603050405020304" pitchFamily="18" charset="0"/>
+              </a:rPr>
+              <a:t>3. Mail Movement &amp; Deletion </a:t>
+            </a:r>
+          </a:p>
+        </p:txBody>
+      </p:sp>
+      <p:sp>
+        <p:nvSpPr>
+          <p:cNvPr id="10" name="TextBox 9">
+            <a:extLst>
+              <a:ext uri="{FF2B5EF4-FFF2-40B4-BE49-F238E27FC236}">
+                <a16:creationId xmlns:a16="http://schemas.microsoft.com/office/drawing/2014/main" id="{C142E5B2-91B7-2663-D522-34B0D8854F47}"/>
+              </a:ext>
+            </a:extLst>
+          </p:cNvPr>
+          <p:cNvSpPr txBox="1"/>
+          <p:nvPr/>
+        </p:nvSpPr>
+        <p:spPr>
+          <a:xfrm>
+            <a:off x="381000" y="4791670"/>
+            <a:ext cx="7086600" cy="923330"/>
+          </a:xfrm>
+          <a:prstGeom prst="rect">
+            <a:avLst/>
+          </a:prstGeom>
+          <a:noFill/>
+        </p:spPr>
+        <p:txBody>
+          <a:bodyPr wrap="square" rtlCol="0">
+            <a:spAutoFit/>
+          </a:bodyPr>
+          <a:lstStyle/>
           <a:p>
             <a:pPr marL="285750" indent="-285750">
               <a:buFont typeface="Wingdings" panose="05000000000000000000" pitchFamily="2" charset="2"/>
@@ -7064,7 +8187,7 @@
                 <a:ea typeface="Tahoma" panose="020B0604030504040204" pitchFamily="34" charset="0"/>
                 <a:cs typeface="Times New Roman" panose="02020603050405020304" pitchFamily="18" charset="0"/>
               </a:rPr>
-              <a:t>Ensured system folders are protected from accidental operations</a:t>
+              <a:t>Implemented IMAP-based mail movement for Trash, Archive, and custom folders without database dependency, ensuring data safety through backup copies and proper validation.</a:t>
             </a:r>
             <a:endParaRPr lang="en-IN" dirty="0">
               <a:solidFill>
@@ -7077,294 +8200,10 @@
           </a:p>
         </p:txBody>
       </p:sp>
-      <p:sp>
-        <p:nvSpPr>
-          <p:cNvPr id="7" name="TextBox 6">
-            <a:extLst>
-              <a:ext uri="{FF2B5EF4-FFF2-40B4-BE49-F238E27FC236}">
-                <a16:creationId xmlns:a16="http://schemas.microsoft.com/office/drawing/2014/main" id="{91074C10-0347-A5ED-514E-A73DAC4641B6}"/>
-              </a:ext>
-            </a:extLst>
-          </p:cNvPr>
-          <p:cNvSpPr txBox="1"/>
-          <p:nvPr/>
-        </p:nvSpPr>
-        <p:spPr>
-          <a:xfrm>
-            <a:off x="152400" y="3744905"/>
-            <a:ext cx="3995928" cy="400110"/>
-          </a:xfrm>
-          <a:prstGeom prst="rect">
-            <a:avLst/>
-          </a:prstGeom>
-          <a:noFill/>
-        </p:spPr>
-        <p:txBody>
-          <a:bodyPr wrap="square" rtlCol="0">
-            <a:spAutoFit/>
-          </a:bodyPr>
-          <a:lstStyle/>
-          <a:p>
-            <a:r>
-              <a:rPr lang="en-US" sz="2000" b="1" dirty="0">
-                <a:solidFill>
-                  <a:srgbClr val="002060"/>
-                </a:solidFill>
-                <a:latin typeface="Times New Roman" panose="02020603050405020304" pitchFamily="18" charset="0"/>
-                <a:ea typeface="Tahoma" panose="020B0604030504040204" pitchFamily="34" charset="0"/>
-                <a:cs typeface="Times New Roman" panose="02020603050405020304" pitchFamily="18" charset="0"/>
-              </a:rPr>
-              <a:t>6. </a:t>
-            </a:r>
-            <a:r>
-              <a:rPr lang="en-IN" sz="2000" b="1" dirty="0">
-                <a:solidFill>
-                  <a:srgbClr val="002060"/>
-                </a:solidFill>
-                <a:latin typeface="Times New Roman" panose="02020603050405020304" pitchFamily="18" charset="0"/>
-                <a:ea typeface="Tahoma" panose="020B0604030504040204" pitchFamily="34" charset="0"/>
-                <a:cs typeface="Times New Roman" panose="02020603050405020304" pitchFamily="18" charset="0"/>
-              </a:rPr>
-              <a:t>Email Archival</a:t>
-            </a:r>
-          </a:p>
-        </p:txBody>
-      </p:sp>
-      <p:sp>
-        <p:nvSpPr>
-          <p:cNvPr id="8" name="TextBox 7">
-            <a:extLst>
-              <a:ext uri="{FF2B5EF4-FFF2-40B4-BE49-F238E27FC236}">
-                <a16:creationId xmlns:a16="http://schemas.microsoft.com/office/drawing/2014/main" id="{AB901C45-861C-7187-60D7-E16BB74282EB}"/>
-              </a:ext>
-            </a:extLst>
-          </p:cNvPr>
-          <p:cNvSpPr txBox="1"/>
-          <p:nvPr/>
-        </p:nvSpPr>
-        <p:spPr>
-          <a:xfrm>
-            <a:off x="423672" y="4165940"/>
-            <a:ext cx="7882128" cy="923330"/>
-          </a:xfrm>
-          <a:prstGeom prst="rect">
-            <a:avLst/>
-          </a:prstGeom>
-          <a:noFill/>
-        </p:spPr>
-        <p:txBody>
-          <a:bodyPr wrap="square" rtlCol="0">
-            <a:spAutoFit/>
-          </a:bodyPr>
-          <a:lstStyle/>
-          <a:p>
-            <a:pPr marL="285750" indent="-285750">
-              <a:buFont typeface="Wingdings" panose="05000000000000000000" pitchFamily="2" charset="2"/>
-              <a:buChar char="q"/>
-            </a:pPr>
-            <a:r>
-              <a:rPr lang="en-US" dirty="0">
-                <a:solidFill>
-                  <a:srgbClr val="0070C0"/>
-                </a:solidFill>
-                <a:latin typeface="Times New Roman" panose="02020603050405020304" pitchFamily="18" charset="0"/>
-                <a:ea typeface="Tahoma" panose="020B0604030504040204" pitchFamily="34" charset="0"/>
-                <a:cs typeface="Times New Roman" panose="02020603050405020304" pitchFamily="18" charset="0"/>
-              </a:rPr>
-              <a:t>Developed a </a:t>
-            </a:r>
-            <a:r>
-              <a:rPr lang="en-US" dirty="0" err="1">
-                <a:solidFill>
-                  <a:srgbClr val="0070C0"/>
-                </a:solidFill>
-                <a:latin typeface="Times New Roman" panose="02020603050405020304" pitchFamily="18" charset="0"/>
-                <a:ea typeface="Tahoma" panose="020B0604030504040204" pitchFamily="34" charset="0"/>
-                <a:cs typeface="Times New Roman" panose="02020603050405020304" pitchFamily="18" charset="0"/>
-              </a:rPr>
-              <a:t>Maildir</a:t>
-            </a:r>
-            <a:r>
-              <a:rPr lang="en-US" dirty="0">
-                <a:solidFill>
-                  <a:srgbClr val="0070C0"/>
-                </a:solidFill>
-                <a:latin typeface="Times New Roman" panose="02020603050405020304" pitchFamily="18" charset="0"/>
-                <a:ea typeface="Tahoma" panose="020B0604030504040204" pitchFamily="34" charset="0"/>
-                <a:cs typeface="Times New Roman" panose="02020603050405020304" pitchFamily="18" charset="0"/>
-              </a:rPr>
-              <a:t>-to-Database email archival service, mapping emails to structured database entities using JSON fields.</a:t>
-            </a:r>
-          </a:p>
-          <a:p>
-            <a:pPr marL="285750" indent="-285750">
-              <a:buFont typeface="Wingdings" panose="05000000000000000000" pitchFamily="2" charset="2"/>
-              <a:buChar char="q"/>
-            </a:pPr>
-            <a:r>
-              <a:rPr lang="en-US" dirty="0">
-                <a:solidFill>
-                  <a:srgbClr val="0070C0"/>
-                </a:solidFill>
-                <a:latin typeface="Times New Roman" panose="02020603050405020304" pitchFamily="18" charset="0"/>
-                <a:ea typeface="Tahoma" panose="020B0604030504040204" pitchFamily="34" charset="0"/>
-                <a:cs typeface="Times New Roman" panose="02020603050405020304" pitchFamily="18" charset="0"/>
-              </a:rPr>
-              <a:t>Implemented email restore functionality.</a:t>
-            </a:r>
-            <a:endParaRPr lang="en-IN" dirty="0">
-              <a:solidFill>
-                <a:srgbClr val="0070C0"/>
-              </a:solidFill>
-              <a:latin typeface="Times New Roman" panose="02020603050405020304" pitchFamily="18" charset="0"/>
-              <a:ea typeface="Tahoma" panose="020B0604030504040204" pitchFamily="34" charset="0"/>
-              <a:cs typeface="Times New Roman" panose="02020603050405020304" pitchFamily="18" charset="0"/>
-            </a:endParaRPr>
-          </a:p>
-        </p:txBody>
-      </p:sp>
-      <p:sp>
-        <p:nvSpPr>
-          <p:cNvPr id="9" name="TextBox 8">
-            <a:extLst>
-              <a:ext uri="{FF2B5EF4-FFF2-40B4-BE49-F238E27FC236}">
-                <a16:creationId xmlns:a16="http://schemas.microsoft.com/office/drawing/2014/main" id="{745074A2-0992-F013-C2A3-9A355E757965}"/>
-              </a:ext>
-            </a:extLst>
-          </p:cNvPr>
-          <p:cNvSpPr txBox="1"/>
-          <p:nvPr/>
-        </p:nvSpPr>
-        <p:spPr>
-          <a:xfrm>
-            <a:off x="457878" y="5583832"/>
-            <a:ext cx="7406640" cy="923330"/>
-          </a:xfrm>
-          <a:prstGeom prst="rect">
-            <a:avLst/>
-          </a:prstGeom>
-          <a:noFill/>
-        </p:spPr>
-        <p:txBody>
-          <a:bodyPr wrap="square" rtlCol="0">
-            <a:spAutoFit/>
-          </a:bodyPr>
-          <a:lstStyle/>
-          <a:p>
-            <a:pPr marL="285750" indent="-285750">
-              <a:buFont typeface="Wingdings" panose="05000000000000000000" pitchFamily="2" charset="2"/>
-              <a:buChar char="q"/>
-            </a:pPr>
-            <a:r>
-              <a:rPr lang="en-US" dirty="0">
-                <a:solidFill>
-                  <a:srgbClr val="0070C0"/>
-                </a:solidFill>
-                <a:latin typeface="Times New Roman" panose="02020603050405020304" pitchFamily="18" charset="0"/>
-                <a:ea typeface="Tahoma" panose="020B0604030504040204" pitchFamily="34" charset="0"/>
-                <a:cs typeface="Times New Roman" panose="02020603050405020304" pitchFamily="18" charset="0"/>
-              </a:rPr>
-              <a:t>Developed user task management (create, update, fetch, delete)</a:t>
-            </a:r>
-          </a:p>
-          <a:p>
-            <a:pPr marL="285750" indent="-285750">
-              <a:buFont typeface="Wingdings" panose="05000000000000000000" pitchFamily="2" charset="2"/>
-              <a:buChar char="q"/>
-            </a:pPr>
-            <a:r>
-              <a:rPr lang="en-US" dirty="0">
-                <a:solidFill>
-                  <a:srgbClr val="0070C0"/>
-                </a:solidFill>
-                <a:latin typeface="Times New Roman" panose="02020603050405020304" pitchFamily="18" charset="0"/>
-                <a:ea typeface="Tahoma" panose="020B0604030504040204" pitchFamily="34" charset="0"/>
-                <a:cs typeface="Times New Roman" panose="02020603050405020304" pitchFamily="18" charset="0"/>
-              </a:rPr>
-              <a:t> Implemented logic for all-day and timed tasks </a:t>
-            </a:r>
-          </a:p>
-          <a:p>
-            <a:pPr marL="285750" indent="-285750">
-              <a:buFont typeface="Wingdings" panose="05000000000000000000" pitchFamily="2" charset="2"/>
-              <a:buChar char="q"/>
-            </a:pPr>
-            <a:r>
-              <a:rPr lang="en-US" dirty="0">
-                <a:solidFill>
-                  <a:srgbClr val="0070C0"/>
-                </a:solidFill>
-                <a:latin typeface="Times New Roman" panose="02020603050405020304" pitchFamily="18" charset="0"/>
-                <a:ea typeface="Tahoma" panose="020B0604030504040204" pitchFamily="34" charset="0"/>
-                <a:cs typeface="Times New Roman" panose="02020603050405020304" pitchFamily="18" charset="0"/>
-              </a:rPr>
-              <a:t>Supported today’s tasks and future task retrieval </a:t>
-            </a:r>
-            <a:endParaRPr lang="en-IN" dirty="0">
-              <a:solidFill>
-                <a:srgbClr val="0070C0"/>
-              </a:solidFill>
-              <a:latin typeface="Times New Roman" panose="02020603050405020304" pitchFamily="18" charset="0"/>
-              <a:ea typeface="Tahoma" panose="020B0604030504040204" pitchFamily="34" charset="0"/>
-              <a:cs typeface="Times New Roman" panose="02020603050405020304" pitchFamily="18" charset="0"/>
-            </a:endParaRPr>
-          </a:p>
-        </p:txBody>
-      </p:sp>
-      <p:sp>
-        <p:nvSpPr>
-          <p:cNvPr id="10" name="TextBox 9">
-            <a:extLst>
-              <a:ext uri="{FF2B5EF4-FFF2-40B4-BE49-F238E27FC236}">
-                <a16:creationId xmlns:a16="http://schemas.microsoft.com/office/drawing/2014/main" id="{2643A9BC-7282-99FF-CF9F-40C6D2955EAC}"/>
-              </a:ext>
-            </a:extLst>
-          </p:cNvPr>
-          <p:cNvSpPr txBox="1"/>
-          <p:nvPr/>
-        </p:nvSpPr>
-        <p:spPr>
-          <a:xfrm>
-            <a:off x="152400" y="5089270"/>
-            <a:ext cx="3868590" cy="400110"/>
-          </a:xfrm>
-          <a:prstGeom prst="rect">
-            <a:avLst/>
-          </a:prstGeom>
-          <a:noFill/>
-        </p:spPr>
-        <p:txBody>
-          <a:bodyPr wrap="square" rtlCol="0">
-            <a:spAutoFit/>
-          </a:bodyPr>
-          <a:lstStyle/>
-          <a:p>
-            <a:r>
-              <a:rPr lang="en-US" sz="2000" b="1" dirty="0">
-                <a:solidFill>
-                  <a:srgbClr val="002060"/>
-                </a:solidFill>
-                <a:latin typeface="Times New Roman" panose="02020603050405020304" pitchFamily="18" charset="0"/>
-                <a:ea typeface="Tahoma" panose="020B0604030504040204" pitchFamily="34" charset="0"/>
-                <a:cs typeface="Times New Roman" panose="02020603050405020304" pitchFamily="18" charset="0"/>
-              </a:rPr>
-              <a:t>7. Task &amp; Calendar Service</a:t>
-            </a:r>
-            <a:endParaRPr lang="en-IN" sz="2000" b="1" dirty="0">
-              <a:solidFill>
-                <a:srgbClr val="002060"/>
-              </a:solidFill>
-              <a:latin typeface="Times New Roman" panose="02020603050405020304" pitchFamily="18" charset="0"/>
-              <a:ea typeface="Tahoma" panose="020B0604030504040204" pitchFamily="34" charset="0"/>
-              <a:cs typeface="Times New Roman" panose="02020603050405020304" pitchFamily="18" charset="0"/>
-            </a:endParaRPr>
-          </a:p>
-        </p:txBody>
-      </p:sp>
     </p:spTree>
     <p:extLst>
       <p:ext uri="{BB962C8B-B14F-4D97-AF65-F5344CB8AC3E}">
-        <p14:creationId xmlns:p14="http://schemas.microsoft.com/office/powerpoint/2010/main" val="738922658"/>
+        <p14:creationId xmlns:p14="http://schemas.microsoft.com/office/powerpoint/2010/main" val="2314479348"/>
       </p:ext>
     </p:extLst>
   </p:cSld>
@@ -7396,13 +8235,7 @@
       </p:grpSpPr>
       <p:sp>
         <p:nvSpPr>
-          <p:cNvPr id="2" name="Title 1">
-            <a:extLst>
-              <a:ext uri="{FF2B5EF4-FFF2-40B4-BE49-F238E27FC236}">
-                <a16:creationId xmlns:a16="http://schemas.microsoft.com/office/drawing/2014/main" id="{E810BEF1-8C88-7CA6-5DC9-978F3D1AA7BF}"/>
-              </a:ext>
-            </a:extLst>
-          </p:cNvPr>
+          <p:cNvPr id="2" name="Title 1"/>
           <p:cNvSpPr>
             <a:spLocks noGrp="1"/>
           </p:cNvSpPr>
@@ -7410,18 +8243,13 @@
             <p:ph type="title"/>
           </p:nvPr>
         </p:nvSpPr>
-        <p:spPr>
-          <a:xfrm>
-            <a:off x="457200" y="350838"/>
-            <a:ext cx="7924800" cy="639762"/>
-          </a:xfrm>
-        </p:spPr>
+        <p:spPr/>
         <p:txBody>
           <a:bodyPr/>
           <a:lstStyle/>
           <a:p>
             <a:r>
-              <a:rPr lang="en-US" b="1" dirty="0">
+              <a:rPr lang="en-IN" b="1" dirty="0">
                 <a:solidFill>
                   <a:srgbClr val="FF0000"/>
                 </a:solidFill>
@@ -7429,44 +8257,186 @@
                 <a:ea typeface="Tahoma" panose="020B0604030504040204" pitchFamily="34" charset="0"/>
                 <a:cs typeface="Times New Roman" panose="02020603050405020304" pitchFamily="18" charset="0"/>
               </a:rPr>
-              <a:t>4. Suitability of the Work</a:t>
-            </a:r>
-            <a:endParaRPr lang="en-IN" dirty="0">
-              <a:solidFill>
-                <a:srgbClr val="FF0000"/>
-              </a:solidFill>
-              <a:latin typeface="Times New Roman" panose="02020603050405020304" pitchFamily="18" charset="0"/>
-              <a:ea typeface="Tahoma" panose="020B0604030504040204" pitchFamily="34" charset="0"/>
-              <a:cs typeface="Times New Roman" panose="02020603050405020304" pitchFamily="18" charset="0"/>
-            </a:endParaRPr>
-          </a:p>
-        </p:txBody>
-      </p:sp>
-      <p:sp>
-        <p:nvSpPr>
-          <p:cNvPr id="3" name="Text Placeholder 2">
+              <a:t>Key Contribution Contd..</a:t>
+            </a:r>
+          </a:p>
+        </p:txBody>
+      </p:sp>
+      <p:sp>
+        <p:nvSpPr>
+          <p:cNvPr id="3" name="Title 1">
             <a:extLst>
               <a:ext uri="{FF2B5EF4-FFF2-40B4-BE49-F238E27FC236}">
-                <a16:creationId xmlns:a16="http://schemas.microsoft.com/office/drawing/2014/main" id="{5229B2AD-9A9D-31F7-F79E-9A38482AE2B1}"/>
+                <a16:creationId xmlns:a16="http://schemas.microsoft.com/office/drawing/2014/main" id="{B0616F4E-404F-BE16-2BC5-592808F5C18F}"/>
               </a:ext>
             </a:extLst>
           </p:cNvPr>
-          <p:cNvSpPr>
-            <a:spLocks noGrp="1"/>
+          <p:cNvSpPr txBox="1">
+            <a:spLocks/>
           </p:cNvSpPr>
-          <p:nvPr>
-            <p:ph type="body" sz="quarter" idx="10"/>
-          </p:nvPr>
-        </p:nvSpPr>
-        <p:spPr>
+          <p:nvPr/>
+        </p:nvSpPr>
+        <p:spPr bwMode="auto">
           <a:xfrm>
-            <a:off x="457200" y="1143000"/>
-            <a:ext cx="7016750" cy="436562"/>
+            <a:off x="82320" y="1078279"/>
+            <a:ext cx="8596668" cy="496824"/>
           </a:xfrm>
+          <a:prstGeom prst="rect">
+            <a:avLst/>
+          </a:prstGeom>
+          <a:noFill/>
+          <a:ln w="9525">
+            <a:noFill/>
+            <a:miter lim="800000"/>
+            <a:headEnd/>
+            <a:tailEnd/>
+          </a:ln>
         </p:spPr>
         <p:txBody>
-          <a:bodyPr/>
-          <a:lstStyle/>
+          <a:bodyPr vert="horz" wrap="square" lIns="91440" tIns="45720" rIns="91440" bIns="45720" numCol="1" anchor="ctr" anchorCtr="0" compatLnSpc="1">
+            <a:prstTxWarp prst="textNoShape">
+              <a:avLst/>
+            </a:prstTxWarp>
+            <a:normAutofit/>
+          </a:bodyPr>
+          <a:lstStyle>
+            <a:lvl1pPr algn="l" rtl="0" eaLnBrk="0" fontAlgn="base" hangingPunct="0">
+              <a:spcBef>
+                <a:spcPct val="0"/>
+              </a:spcBef>
+              <a:spcAft>
+                <a:spcPct val="0"/>
+              </a:spcAft>
+              <a:defRPr sz="3200" b="0" kern="1200">
+                <a:solidFill>
+                  <a:srgbClr val="377BCD"/>
+                </a:solidFill>
+                <a:latin typeface="Arial" panose="020B0604020202020204" pitchFamily="34" charset="0"/>
+                <a:ea typeface="+mj-ea"/>
+                <a:cs typeface="Arial" panose="020B0604020202020204" pitchFamily="34" charset="0"/>
+              </a:defRPr>
+            </a:lvl1pPr>
+            <a:lvl2pPr algn="l" rtl="0" eaLnBrk="0" fontAlgn="base" hangingPunct="0">
+              <a:spcBef>
+                <a:spcPct val="0"/>
+              </a:spcBef>
+              <a:spcAft>
+                <a:spcPct val="0"/>
+              </a:spcAft>
+              <a:defRPr sz="3200">
+                <a:solidFill>
+                  <a:srgbClr val="377BCD"/>
+                </a:solidFill>
+                <a:latin typeface="Arial" charset="0"/>
+                <a:cs typeface="Arial" charset="0"/>
+              </a:defRPr>
+            </a:lvl2pPr>
+            <a:lvl3pPr algn="l" rtl="0" eaLnBrk="0" fontAlgn="base" hangingPunct="0">
+              <a:spcBef>
+                <a:spcPct val="0"/>
+              </a:spcBef>
+              <a:spcAft>
+                <a:spcPct val="0"/>
+              </a:spcAft>
+              <a:defRPr sz="3200">
+                <a:solidFill>
+                  <a:srgbClr val="377BCD"/>
+                </a:solidFill>
+                <a:latin typeface="Arial" charset="0"/>
+                <a:cs typeface="Arial" charset="0"/>
+              </a:defRPr>
+            </a:lvl3pPr>
+            <a:lvl4pPr algn="l" rtl="0" eaLnBrk="0" fontAlgn="base" hangingPunct="0">
+              <a:spcBef>
+                <a:spcPct val="0"/>
+              </a:spcBef>
+              <a:spcAft>
+                <a:spcPct val="0"/>
+              </a:spcAft>
+              <a:defRPr sz="3200">
+                <a:solidFill>
+                  <a:srgbClr val="377BCD"/>
+                </a:solidFill>
+                <a:latin typeface="Arial" charset="0"/>
+                <a:cs typeface="Arial" charset="0"/>
+              </a:defRPr>
+            </a:lvl4pPr>
+            <a:lvl5pPr algn="l" rtl="0" eaLnBrk="0" fontAlgn="base" hangingPunct="0">
+              <a:spcBef>
+                <a:spcPct val="0"/>
+              </a:spcBef>
+              <a:spcAft>
+                <a:spcPct val="0"/>
+              </a:spcAft>
+              <a:defRPr sz="3200">
+                <a:solidFill>
+                  <a:srgbClr val="377BCD"/>
+                </a:solidFill>
+                <a:latin typeface="Arial" charset="0"/>
+                <a:cs typeface="Arial" charset="0"/>
+              </a:defRPr>
+            </a:lvl5pPr>
+            <a:lvl6pPr marL="457200" algn="l" rtl="0" fontAlgn="base">
+              <a:spcBef>
+                <a:spcPct val="0"/>
+              </a:spcBef>
+              <a:spcAft>
+                <a:spcPct val="0"/>
+              </a:spcAft>
+              <a:defRPr sz="3200">
+                <a:solidFill>
+                  <a:srgbClr val="377BCD"/>
+                </a:solidFill>
+                <a:latin typeface="Arial" charset="0"/>
+                <a:cs typeface="Arial" charset="0"/>
+              </a:defRPr>
+            </a:lvl6pPr>
+            <a:lvl7pPr marL="914400" algn="l" rtl="0" fontAlgn="base">
+              <a:spcBef>
+                <a:spcPct val="0"/>
+              </a:spcBef>
+              <a:spcAft>
+                <a:spcPct val="0"/>
+              </a:spcAft>
+              <a:defRPr sz="3200">
+                <a:solidFill>
+                  <a:srgbClr val="377BCD"/>
+                </a:solidFill>
+                <a:latin typeface="Arial" charset="0"/>
+                <a:cs typeface="Arial" charset="0"/>
+              </a:defRPr>
+            </a:lvl7pPr>
+            <a:lvl8pPr marL="1371600" algn="l" rtl="0" fontAlgn="base">
+              <a:spcBef>
+                <a:spcPct val="0"/>
+              </a:spcBef>
+              <a:spcAft>
+                <a:spcPct val="0"/>
+              </a:spcAft>
+              <a:defRPr sz="3200">
+                <a:solidFill>
+                  <a:srgbClr val="377BCD"/>
+                </a:solidFill>
+                <a:latin typeface="Arial" charset="0"/>
+                <a:cs typeface="Arial" charset="0"/>
+              </a:defRPr>
+            </a:lvl8pPr>
+            <a:lvl9pPr marL="1828800" algn="l" rtl="0" fontAlgn="base">
+              <a:spcBef>
+                <a:spcPct val="0"/>
+              </a:spcBef>
+              <a:spcAft>
+                <a:spcPct val="0"/>
+              </a:spcAft>
+              <a:defRPr sz="3200">
+                <a:solidFill>
+                  <a:srgbClr val="377BCD"/>
+                </a:solidFill>
+                <a:latin typeface="Arial" charset="0"/>
+                <a:cs typeface="Arial" charset="0"/>
+              </a:defRPr>
+            </a:lvl9pPr>
+          </a:lstStyle>
           <a:p>
             <a:r>
               <a:rPr lang="en-IN" sz="2000" b="1" dirty="0">
@@ -7477,18 +8447,8 @@
                 <a:ea typeface="Tahoma" panose="020B0604030504040204" pitchFamily="34" charset="0"/>
                 <a:cs typeface="Times New Roman" panose="02020603050405020304" pitchFamily="18" charset="0"/>
               </a:rPr>
-              <a:t>Skill Alignment</a:t>
-            </a:r>
-          </a:p>
-          <a:p>
-            <a:endParaRPr lang="en-IN" sz="2000" dirty="0">
-              <a:solidFill>
-                <a:srgbClr val="002060"/>
-              </a:solidFill>
-              <a:latin typeface="Times New Roman" panose="02020603050405020304" pitchFamily="18" charset="0"/>
-              <a:ea typeface="Tahoma" panose="020B0604030504040204" pitchFamily="34" charset="0"/>
-              <a:cs typeface="Times New Roman" panose="02020603050405020304" pitchFamily="18" charset="0"/>
-            </a:endParaRPr>
+              <a:t>4. Quota Management</a:t>
+            </a:r>
           </a:p>
         </p:txBody>
       </p:sp>
@@ -7497,7 +8457,7 @@
           <p:cNvPr id="4" name="TextBox 3">
             <a:extLst>
               <a:ext uri="{FF2B5EF4-FFF2-40B4-BE49-F238E27FC236}">
-                <a16:creationId xmlns:a16="http://schemas.microsoft.com/office/drawing/2014/main" id="{E9EF93CC-A197-0BED-194C-FC3901B72C36}"/>
+                <a16:creationId xmlns:a16="http://schemas.microsoft.com/office/drawing/2014/main" id="{3B25D156-F3E2-9854-1C84-EEF9F45172AF}"/>
               </a:ext>
             </a:extLst>
           </p:cNvPr>
@@ -7506,8 +8466,8 @@
         </p:nvSpPr>
         <p:spPr>
           <a:xfrm>
-            <a:off x="685800" y="1756346"/>
-            <a:ext cx="7315200" cy="3970318"/>
+            <a:off x="420624" y="1543163"/>
+            <a:ext cx="7882128" cy="646331"/>
           </a:xfrm>
           <a:prstGeom prst="rect">
             <a:avLst/>
@@ -7525,7 +8485,7 @@
               <a:buChar char="q"/>
             </a:pPr>
             <a:r>
-              <a:rPr lang="en-US" dirty="0">
+              <a:rPr lang="en-IN" dirty="0">
                 <a:solidFill>
                   <a:srgbClr val="0070C0"/>
                 </a:solidFill>
@@ -7533,18 +8493,30 @@
                 <a:ea typeface="Tahoma" panose="020B0604030504040204" pitchFamily="34" charset="0"/>
                 <a:cs typeface="Times New Roman" panose="02020603050405020304" pitchFamily="18" charset="0"/>
               </a:rPr>
-              <a:t>I have experience with Java and Spring Boot for service-layer development.</a:t>
-            </a:r>
-          </a:p>
-          <a:p>
-            <a:endParaRPr lang="en-US" dirty="0">
-              <a:solidFill>
-                <a:srgbClr val="0070C0"/>
-              </a:solidFill>
-              <a:latin typeface="Times New Roman" panose="02020603050405020304" pitchFamily="18" charset="0"/>
-              <a:ea typeface="Tahoma" panose="020B0604030504040204" pitchFamily="34" charset="0"/>
-              <a:cs typeface="Times New Roman" panose="02020603050405020304" pitchFamily="18" charset="0"/>
-            </a:endParaRPr>
+              <a:t>Implemented </a:t>
+            </a:r>
+            <a:r>
+              <a:rPr lang="en-IN" dirty="0" err="1">
+                <a:solidFill>
+                  <a:srgbClr val="0070C0"/>
+                </a:solidFill>
+                <a:latin typeface="Times New Roman" panose="02020603050405020304" pitchFamily="18" charset="0"/>
+                <a:ea typeface="Tahoma" panose="020B0604030504040204" pitchFamily="34" charset="0"/>
+                <a:cs typeface="Times New Roman" panose="02020603050405020304" pitchFamily="18" charset="0"/>
+              </a:rPr>
+              <a:t>getMaildirSize</a:t>
+            </a:r>
+            <a:r>
+              <a:rPr lang="en-IN" dirty="0">
+                <a:solidFill>
+                  <a:srgbClr val="0070C0"/>
+                </a:solidFill>
+                <a:latin typeface="Times New Roman" panose="02020603050405020304" pitchFamily="18" charset="0"/>
+                <a:ea typeface="Tahoma" panose="020B0604030504040204" pitchFamily="34" charset="0"/>
+                <a:cs typeface="Times New Roman" panose="02020603050405020304" pitchFamily="18" charset="0"/>
+              </a:rPr>
+              <a:t>() for real-time mailbox storage calculation </a:t>
+            </a:r>
           </a:p>
           <a:p>
             <a:pPr marL="285750" indent="-285750">
@@ -7552,7 +8524,7 @@
               <a:buChar char="q"/>
             </a:pPr>
             <a:r>
-              <a:rPr lang="en-US" dirty="0">
+              <a:rPr lang="en-IN" dirty="0">
                 <a:solidFill>
                   <a:srgbClr val="0070C0"/>
                 </a:solidFill>
@@ -7560,19 +8532,91 @@
                 <a:ea typeface="Tahoma" panose="020B0604030504040204" pitchFamily="34" charset="0"/>
                 <a:cs typeface="Times New Roman" panose="02020603050405020304" pitchFamily="18" charset="0"/>
               </a:rPr>
-              <a:t>I have handled database tasks like entity mapping, JSON storage.</a:t>
-            </a:r>
-          </a:p>
-          <a:p>
-            <a:endParaRPr lang="en-US" dirty="0">
-              <a:solidFill>
-                <a:srgbClr val="0070C0"/>
-              </a:solidFill>
-              <a:latin typeface="Times New Roman" panose="02020603050405020304" pitchFamily="18" charset="0"/>
-              <a:ea typeface="Tahoma" panose="020B0604030504040204" pitchFamily="34" charset="0"/>
-              <a:cs typeface="Times New Roman" panose="02020603050405020304" pitchFamily="18" charset="0"/>
-            </a:endParaRPr>
-          </a:p>
+              <a:t>Integrated Dovecot quota configuration and formatting for UI-friendly output </a:t>
+            </a:r>
+          </a:p>
+        </p:txBody>
+      </p:sp>
+      <p:sp>
+        <p:nvSpPr>
+          <p:cNvPr id="5" name="TextBox 4">
+            <a:extLst>
+              <a:ext uri="{FF2B5EF4-FFF2-40B4-BE49-F238E27FC236}">
+                <a16:creationId xmlns:a16="http://schemas.microsoft.com/office/drawing/2014/main" id="{22F3499D-EFE3-BD3D-0A6D-2B07666B1990}"/>
+              </a:ext>
+            </a:extLst>
+          </p:cNvPr>
+          <p:cNvSpPr txBox="1"/>
+          <p:nvPr/>
+        </p:nvSpPr>
+        <p:spPr>
+          <a:xfrm>
+            <a:off x="97560" y="2298378"/>
+            <a:ext cx="4425018" cy="400110"/>
+          </a:xfrm>
+          <a:prstGeom prst="rect">
+            <a:avLst/>
+          </a:prstGeom>
+          <a:noFill/>
+        </p:spPr>
+        <p:txBody>
+          <a:bodyPr wrap="square" rtlCol="0">
+            <a:spAutoFit/>
+          </a:bodyPr>
+          <a:lstStyle/>
+          <a:p>
+            <a:r>
+              <a:rPr lang="en-US" sz="2000" b="1" dirty="0">
+                <a:solidFill>
+                  <a:srgbClr val="002060"/>
+                </a:solidFill>
+                <a:latin typeface="Times New Roman" panose="02020603050405020304" pitchFamily="18" charset="0"/>
+                <a:ea typeface="Tahoma" panose="020B0604030504040204" pitchFamily="34" charset="0"/>
+                <a:cs typeface="Times New Roman" panose="02020603050405020304" pitchFamily="18" charset="0"/>
+              </a:rPr>
+              <a:t>5. </a:t>
+            </a:r>
+            <a:r>
+              <a:rPr lang="en-IN" sz="2000" b="1" dirty="0">
+                <a:solidFill>
+                  <a:srgbClr val="002060"/>
+                </a:solidFill>
+                <a:latin typeface="Times New Roman" panose="02020603050405020304" pitchFamily="18" charset="0"/>
+                <a:ea typeface="Tahoma" panose="020B0604030504040204" pitchFamily="34" charset="0"/>
+                <a:cs typeface="Times New Roman" panose="02020603050405020304" pitchFamily="18" charset="0"/>
+              </a:rPr>
+              <a:t>Custom Folder Management </a:t>
+            </a:r>
+          </a:p>
+        </p:txBody>
+      </p:sp>
+      <p:sp>
+        <p:nvSpPr>
+          <p:cNvPr id="6" name="TextBox 5">
+            <a:extLst>
+              <a:ext uri="{FF2B5EF4-FFF2-40B4-BE49-F238E27FC236}">
+                <a16:creationId xmlns:a16="http://schemas.microsoft.com/office/drawing/2014/main" id="{1A2D79C2-22A7-A941-891F-000810239F90}"/>
+              </a:ext>
+            </a:extLst>
+          </p:cNvPr>
+          <p:cNvSpPr txBox="1"/>
+          <p:nvPr/>
+        </p:nvSpPr>
+        <p:spPr>
+          <a:xfrm>
+            <a:off x="423672" y="2743797"/>
+            <a:ext cx="7882128" cy="646331"/>
+          </a:xfrm>
+          <a:prstGeom prst="rect">
+            <a:avLst/>
+          </a:prstGeom>
+          <a:noFill/>
+        </p:spPr>
+        <p:txBody>
+          <a:bodyPr wrap="square" rtlCol="0">
+            <a:spAutoFit/>
+          </a:bodyPr>
+          <a:lstStyle/>
           <a:p>
             <a:pPr marL="285750" indent="-285750">
               <a:buFont typeface="Wingdings" panose="05000000000000000000" pitchFamily="2" charset="2"/>
@@ -7587,18 +8631,8 @@
                 <a:ea typeface="Tahoma" panose="020B0604030504040204" pitchFamily="34" charset="0"/>
                 <a:cs typeface="Times New Roman" panose="02020603050405020304" pitchFamily="18" charset="0"/>
               </a:rPr>
-              <a:t>I have worked on mail sending functionality in a previous project.</a:t>
-            </a:r>
-          </a:p>
-          <a:p>
-            <a:endParaRPr lang="en-US" dirty="0">
-              <a:solidFill>
-                <a:srgbClr val="0070C0"/>
-              </a:solidFill>
-              <a:latin typeface="Times New Roman" panose="02020603050405020304" pitchFamily="18" charset="0"/>
-              <a:ea typeface="Tahoma" panose="020B0604030504040204" pitchFamily="34" charset="0"/>
-              <a:cs typeface="Times New Roman" panose="02020603050405020304" pitchFamily="18" charset="0"/>
-            </a:endParaRPr>
+              <a:t>Created APIs for custom folder creation, listing, and deletion </a:t>
+            </a:r>
           </a:p>
           <a:p>
             <a:pPr marL="285750" indent="-285750">
@@ -7614,37 +8648,8 @@
                 <a:ea typeface="Tahoma" panose="020B0604030504040204" pitchFamily="34" charset="0"/>
                 <a:cs typeface="Times New Roman" panose="02020603050405020304" pitchFamily="18" charset="0"/>
               </a:rPr>
-              <a:t>I have the ability to solve complex issues, as I faced in this project, like mailbox quota calculations and system configuration setup.</a:t>
-            </a:r>
-          </a:p>
-          <a:p>
-            <a:endParaRPr lang="en-US" dirty="0">
-              <a:solidFill>
-                <a:srgbClr val="0070C0"/>
-              </a:solidFill>
-              <a:latin typeface="Times New Roman" panose="02020603050405020304" pitchFamily="18" charset="0"/>
-              <a:ea typeface="Tahoma" panose="020B0604030504040204" pitchFamily="34" charset="0"/>
-              <a:cs typeface="Times New Roman" panose="02020603050405020304" pitchFamily="18" charset="0"/>
-            </a:endParaRPr>
-          </a:p>
-          <a:p>
-            <a:pPr marL="285750" indent="-285750">
-              <a:buFont typeface="Wingdings" panose="05000000000000000000" pitchFamily="2" charset="2"/>
-              <a:buChar char="q"/>
-            </a:pPr>
-            <a:r>
-              <a:rPr lang="en-US" dirty="0">
-                <a:solidFill>
-                  <a:srgbClr val="0070C0"/>
-                </a:solidFill>
-                <a:latin typeface="Times New Roman" panose="02020603050405020304" pitchFamily="18" charset="0"/>
-                <a:ea typeface="Tahoma" panose="020B0604030504040204" pitchFamily="34" charset="0"/>
-                <a:cs typeface="Times New Roman" panose="02020603050405020304" pitchFamily="18" charset="0"/>
-              </a:rPr>
-              <a:t>I have the ability to explore new technologies and apply them in projects, as I did while ensuring system integration between LDAP, IMAP, Dovecot, and databases.</a:t>
-            </a:r>
-          </a:p>
-          <a:p>
+              <a:t>Ensured system folders are protected from accidental operations</a:t>
+            </a:r>
             <a:endParaRPr lang="en-IN" dirty="0">
               <a:solidFill>
                 <a:srgbClr val="0070C0"/>
@@ -7656,10 +8661,294 @@
           </a:p>
         </p:txBody>
       </p:sp>
+      <p:sp>
+        <p:nvSpPr>
+          <p:cNvPr id="7" name="TextBox 6">
+            <a:extLst>
+              <a:ext uri="{FF2B5EF4-FFF2-40B4-BE49-F238E27FC236}">
+                <a16:creationId xmlns:a16="http://schemas.microsoft.com/office/drawing/2014/main" id="{91074C10-0347-A5ED-514E-A73DAC4641B6}"/>
+              </a:ext>
+            </a:extLst>
+          </p:cNvPr>
+          <p:cNvSpPr txBox="1"/>
+          <p:nvPr/>
+        </p:nvSpPr>
+        <p:spPr>
+          <a:xfrm>
+            <a:off x="134112" y="3429000"/>
+            <a:ext cx="3995928" cy="400110"/>
+          </a:xfrm>
+          <a:prstGeom prst="rect">
+            <a:avLst/>
+          </a:prstGeom>
+          <a:noFill/>
+        </p:spPr>
+        <p:txBody>
+          <a:bodyPr wrap="square" rtlCol="0">
+            <a:spAutoFit/>
+          </a:bodyPr>
+          <a:lstStyle/>
+          <a:p>
+            <a:r>
+              <a:rPr lang="en-US" sz="2000" b="1" dirty="0">
+                <a:solidFill>
+                  <a:srgbClr val="002060"/>
+                </a:solidFill>
+                <a:latin typeface="Times New Roman" panose="02020603050405020304" pitchFamily="18" charset="0"/>
+                <a:ea typeface="Tahoma" panose="020B0604030504040204" pitchFamily="34" charset="0"/>
+                <a:cs typeface="Times New Roman" panose="02020603050405020304" pitchFamily="18" charset="0"/>
+              </a:rPr>
+              <a:t>6. </a:t>
+            </a:r>
+            <a:r>
+              <a:rPr lang="en-IN" sz="2000" b="1" dirty="0">
+                <a:solidFill>
+                  <a:srgbClr val="002060"/>
+                </a:solidFill>
+                <a:latin typeface="Times New Roman" panose="02020603050405020304" pitchFamily="18" charset="0"/>
+                <a:ea typeface="Tahoma" panose="020B0604030504040204" pitchFamily="34" charset="0"/>
+                <a:cs typeface="Times New Roman" panose="02020603050405020304" pitchFamily="18" charset="0"/>
+              </a:rPr>
+              <a:t>Email Archival</a:t>
+            </a:r>
+          </a:p>
+        </p:txBody>
+      </p:sp>
+      <p:sp>
+        <p:nvSpPr>
+          <p:cNvPr id="8" name="TextBox 7">
+            <a:extLst>
+              <a:ext uri="{FF2B5EF4-FFF2-40B4-BE49-F238E27FC236}">
+                <a16:creationId xmlns:a16="http://schemas.microsoft.com/office/drawing/2014/main" id="{AB901C45-861C-7187-60D7-E16BB74282EB}"/>
+              </a:ext>
+            </a:extLst>
+          </p:cNvPr>
+          <p:cNvSpPr txBox="1"/>
+          <p:nvPr/>
+        </p:nvSpPr>
+        <p:spPr>
+          <a:xfrm>
+            <a:off x="393192" y="3790238"/>
+            <a:ext cx="7882128" cy="923330"/>
+          </a:xfrm>
+          <a:prstGeom prst="rect">
+            <a:avLst/>
+          </a:prstGeom>
+          <a:noFill/>
+        </p:spPr>
+        <p:txBody>
+          <a:bodyPr wrap="square" rtlCol="0">
+            <a:spAutoFit/>
+          </a:bodyPr>
+          <a:lstStyle/>
+          <a:p>
+            <a:pPr marL="285750" indent="-285750">
+              <a:buFont typeface="Wingdings" panose="05000000000000000000" pitchFamily="2" charset="2"/>
+              <a:buChar char="q"/>
+            </a:pPr>
+            <a:r>
+              <a:rPr lang="en-US" dirty="0">
+                <a:solidFill>
+                  <a:srgbClr val="0070C0"/>
+                </a:solidFill>
+                <a:latin typeface="Times New Roman" panose="02020603050405020304" pitchFamily="18" charset="0"/>
+                <a:ea typeface="Tahoma" panose="020B0604030504040204" pitchFamily="34" charset="0"/>
+                <a:cs typeface="Times New Roman" panose="02020603050405020304" pitchFamily="18" charset="0"/>
+              </a:rPr>
+              <a:t>Developed a </a:t>
+            </a:r>
+            <a:r>
+              <a:rPr lang="en-US" dirty="0" err="1">
+                <a:solidFill>
+                  <a:srgbClr val="0070C0"/>
+                </a:solidFill>
+                <a:latin typeface="Times New Roman" panose="02020603050405020304" pitchFamily="18" charset="0"/>
+                <a:ea typeface="Tahoma" panose="020B0604030504040204" pitchFamily="34" charset="0"/>
+                <a:cs typeface="Times New Roman" panose="02020603050405020304" pitchFamily="18" charset="0"/>
+              </a:rPr>
+              <a:t>Maildir</a:t>
+            </a:r>
+            <a:r>
+              <a:rPr lang="en-US" dirty="0">
+                <a:solidFill>
+                  <a:srgbClr val="0070C0"/>
+                </a:solidFill>
+                <a:latin typeface="Times New Roman" panose="02020603050405020304" pitchFamily="18" charset="0"/>
+                <a:ea typeface="Tahoma" panose="020B0604030504040204" pitchFamily="34" charset="0"/>
+                <a:cs typeface="Times New Roman" panose="02020603050405020304" pitchFamily="18" charset="0"/>
+              </a:rPr>
+              <a:t>-to-Database email archival service, mapping emails to structured database entities using JSON fields.</a:t>
+            </a:r>
+          </a:p>
+          <a:p>
+            <a:pPr marL="285750" indent="-285750">
+              <a:buFont typeface="Wingdings" panose="05000000000000000000" pitchFamily="2" charset="2"/>
+              <a:buChar char="q"/>
+            </a:pPr>
+            <a:r>
+              <a:rPr lang="en-US" dirty="0">
+                <a:solidFill>
+                  <a:srgbClr val="0070C0"/>
+                </a:solidFill>
+                <a:latin typeface="Times New Roman" panose="02020603050405020304" pitchFamily="18" charset="0"/>
+                <a:ea typeface="Tahoma" panose="020B0604030504040204" pitchFamily="34" charset="0"/>
+                <a:cs typeface="Times New Roman" panose="02020603050405020304" pitchFamily="18" charset="0"/>
+              </a:rPr>
+              <a:t>Implemented email restore functionality.</a:t>
+            </a:r>
+            <a:endParaRPr lang="en-IN" dirty="0">
+              <a:solidFill>
+                <a:srgbClr val="0070C0"/>
+              </a:solidFill>
+              <a:latin typeface="Times New Roman" panose="02020603050405020304" pitchFamily="18" charset="0"/>
+              <a:ea typeface="Tahoma" panose="020B0604030504040204" pitchFamily="34" charset="0"/>
+              <a:cs typeface="Times New Roman" panose="02020603050405020304" pitchFamily="18" charset="0"/>
+            </a:endParaRPr>
+          </a:p>
+        </p:txBody>
+      </p:sp>
+      <p:sp>
+        <p:nvSpPr>
+          <p:cNvPr id="9" name="TextBox 8">
+            <a:extLst>
+              <a:ext uri="{FF2B5EF4-FFF2-40B4-BE49-F238E27FC236}">
+                <a16:creationId xmlns:a16="http://schemas.microsoft.com/office/drawing/2014/main" id="{745074A2-0992-F013-C2A3-9A355E757965}"/>
+              </a:ext>
+            </a:extLst>
+          </p:cNvPr>
+          <p:cNvSpPr txBox="1"/>
+          <p:nvPr/>
+        </p:nvSpPr>
+        <p:spPr>
+          <a:xfrm>
+            <a:off x="387096" y="5179556"/>
+            <a:ext cx="7406640" cy="1200329"/>
+          </a:xfrm>
+          <a:prstGeom prst="rect">
+            <a:avLst/>
+          </a:prstGeom>
+          <a:noFill/>
+        </p:spPr>
+        <p:txBody>
+          <a:bodyPr wrap="square" rtlCol="0">
+            <a:spAutoFit/>
+          </a:bodyPr>
+          <a:lstStyle/>
+          <a:p>
+            <a:pPr marL="285750" indent="-285750">
+              <a:buFont typeface="Wingdings" panose="05000000000000000000" pitchFamily="2" charset="2"/>
+              <a:buChar char="q"/>
+            </a:pPr>
+            <a:r>
+              <a:rPr lang="en-US" dirty="0">
+                <a:solidFill>
+                  <a:srgbClr val="0070C0"/>
+                </a:solidFill>
+                <a:latin typeface="Times New Roman" panose="02020603050405020304" pitchFamily="18" charset="0"/>
+                <a:ea typeface="Tahoma" panose="020B0604030504040204" pitchFamily="34" charset="0"/>
+                <a:cs typeface="Times New Roman" panose="02020603050405020304" pitchFamily="18" charset="0"/>
+              </a:rPr>
+              <a:t>Developed admin module for military template management (create, update, fetch, delete)</a:t>
+            </a:r>
+          </a:p>
+          <a:p>
+            <a:pPr marL="285750" indent="-285750">
+              <a:buFont typeface="Wingdings" panose="05000000000000000000" pitchFamily="2" charset="2"/>
+              <a:buChar char="q"/>
+            </a:pPr>
+            <a:r>
+              <a:rPr lang="en-US" dirty="0">
+                <a:solidFill>
+                  <a:srgbClr val="0070C0"/>
+                </a:solidFill>
+                <a:latin typeface="Times New Roman" panose="02020603050405020304" pitchFamily="18" charset="0"/>
+                <a:ea typeface="Tahoma" panose="020B0604030504040204" pitchFamily="34" charset="0"/>
+                <a:cs typeface="Times New Roman" panose="02020603050405020304" pitchFamily="18" charset="0"/>
+              </a:rPr>
+              <a:t> Implemented logic for all-day and timed tasks </a:t>
+            </a:r>
+          </a:p>
+          <a:p>
+            <a:pPr marL="285750" indent="-285750">
+              <a:buFont typeface="Wingdings" panose="05000000000000000000" pitchFamily="2" charset="2"/>
+              <a:buChar char="q"/>
+            </a:pPr>
+            <a:r>
+              <a:rPr lang="en-US" dirty="0">
+                <a:solidFill>
+                  <a:srgbClr val="0070C0"/>
+                </a:solidFill>
+                <a:latin typeface="Times New Roman" panose="02020603050405020304" pitchFamily="18" charset="0"/>
+                <a:ea typeface="Tahoma" panose="020B0604030504040204" pitchFamily="34" charset="0"/>
+                <a:cs typeface="Times New Roman" panose="02020603050405020304" pitchFamily="18" charset="0"/>
+              </a:rPr>
+              <a:t>Supported today’s tasks and future task retrieval </a:t>
+            </a:r>
+            <a:endParaRPr lang="en-IN" dirty="0">
+              <a:solidFill>
+                <a:srgbClr val="0070C0"/>
+              </a:solidFill>
+              <a:latin typeface="Times New Roman" panose="02020603050405020304" pitchFamily="18" charset="0"/>
+              <a:ea typeface="Tahoma" panose="020B0604030504040204" pitchFamily="34" charset="0"/>
+              <a:cs typeface="Times New Roman" panose="02020603050405020304" pitchFamily="18" charset="0"/>
+            </a:endParaRPr>
+          </a:p>
+        </p:txBody>
+      </p:sp>
+      <p:sp>
+        <p:nvSpPr>
+          <p:cNvPr id="10" name="TextBox 9">
+            <a:extLst>
+              <a:ext uri="{FF2B5EF4-FFF2-40B4-BE49-F238E27FC236}">
+                <a16:creationId xmlns:a16="http://schemas.microsoft.com/office/drawing/2014/main" id="{2643A9BC-7282-99FF-CF9F-40C6D2955EAC}"/>
+              </a:ext>
+            </a:extLst>
+          </p:cNvPr>
+          <p:cNvSpPr txBox="1"/>
+          <p:nvPr/>
+        </p:nvSpPr>
+        <p:spPr>
+          <a:xfrm>
+            <a:off x="134112" y="4674696"/>
+            <a:ext cx="6324600" cy="400110"/>
+          </a:xfrm>
+          <a:prstGeom prst="rect">
+            <a:avLst/>
+          </a:prstGeom>
+          <a:noFill/>
+        </p:spPr>
+        <p:txBody>
+          <a:bodyPr wrap="square" rtlCol="0">
+            <a:spAutoFit/>
+          </a:bodyPr>
+          <a:lstStyle/>
+          <a:p>
+            <a:r>
+              <a:rPr lang="en-US" sz="2000" b="1" dirty="0">
+                <a:solidFill>
+                  <a:srgbClr val="002060"/>
+                </a:solidFill>
+                <a:latin typeface="Times New Roman" panose="02020603050405020304" pitchFamily="18" charset="0"/>
+                <a:ea typeface="Tahoma" panose="020B0604030504040204" pitchFamily="34" charset="0"/>
+                <a:cs typeface="Times New Roman" panose="02020603050405020304" pitchFamily="18" charset="0"/>
+              </a:rPr>
+              <a:t>7. Admin module &amp; Calendar management Service</a:t>
+            </a:r>
+            <a:endParaRPr lang="en-IN" sz="2000" b="1" dirty="0">
+              <a:solidFill>
+                <a:srgbClr val="002060"/>
+              </a:solidFill>
+              <a:latin typeface="Times New Roman" panose="02020603050405020304" pitchFamily="18" charset="0"/>
+              <a:ea typeface="Tahoma" panose="020B0604030504040204" pitchFamily="34" charset="0"/>
+              <a:cs typeface="Times New Roman" panose="02020603050405020304" pitchFamily="18" charset="0"/>
+            </a:endParaRPr>
+          </a:p>
+        </p:txBody>
+      </p:sp>
     </p:spTree>
     <p:extLst>
       <p:ext uri="{BB962C8B-B14F-4D97-AF65-F5344CB8AC3E}">
-        <p14:creationId xmlns:p14="http://schemas.microsoft.com/office/powerpoint/2010/main" val="583956621"/>
+        <p14:creationId xmlns:p14="http://schemas.microsoft.com/office/powerpoint/2010/main" val="738922658"/>
       </p:ext>
     </p:extLst>
   </p:cSld>
